--- a/임창운_마포무비 PPT 템플릿.pptx
+++ b/임창운_마포무비 PPT 템플릿.pptx
@@ -10,11 +10,14 @@
     <p:sldId id="257" r:id="rId4"/>
     <p:sldId id="264" r:id="rId5"/>
     <p:sldId id="258" r:id="rId6"/>
-    <p:sldId id="272" r:id="rId7"/>
-    <p:sldId id="273" r:id="rId8"/>
-    <p:sldId id="274" r:id="rId9"/>
-    <p:sldId id="275" r:id="rId10"/>
-    <p:sldId id="270" r:id="rId11"/>
+    <p:sldId id="276" r:id="rId7"/>
+    <p:sldId id="272" r:id="rId8"/>
+    <p:sldId id="277" r:id="rId9"/>
+    <p:sldId id="273" r:id="rId10"/>
+    <p:sldId id="278" r:id="rId11"/>
+    <p:sldId id="274" r:id="rId12"/>
+    <p:sldId id="275" r:id="rId13"/>
+    <p:sldId id="270" r:id="rId14"/>
   </p:sldIdLst>
   <p:sldSz cx="9144000" cy="6858000" type="screen4x3"/>
   <p:notesSz cx="6858000" cy="9144000"/>
@@ -115,7 +118,7 @@
   </p:defaultTextStyle>
   <p:extLst>
     <p:ext uri="{EFAFB233-063F-42B5-8137-9DF3F51BA10A}">
-      <p15:sldGuideLst xmlns:p15="http://schemas.microsoft.com/office/powerpoint/2012/main" xmlns="">
+      <p15:sldGuideLst xmlns="" xmlns:p15="http://schemas.microsoft.com/office/powerpoint/2012/main">
         <p15:guide id="1" orient="horz" pos="2160">
           <p15:clr>
             <a:srgbClr val="A4A3A4"/>
@@ -3521,6 +3524,3182 @@
       </p:pic>
       <p:sp>
         <p:nvSpPr>
+          <p:cNvPr id="15" name="모서리가 둥근 직사각형 14"/>
+          <p:cNvSpPr/>
+          <p:nvPr/>
+        </p:nvSpPr>
+        <p:spPr>
+          <a:xfrm>
+            <a:off x="1257453" y="3333954"/>
+            <a:ext cx="7414135" cy="454619"/>
+          </a:xfrm>
+          <a:prstGeom prst="roundRect">
+            <a:avLst>
+              <a:gd name="adj" fmla="val 50000"/>
+            </a:avLst>
+          </a:prstGeom>
+          <a:solidFill>
+            <a:schemeClr val="bg1">
+              <a:lumMod val="95000"/>
+            </a:schemeClr>
+          </a:solidFill>
+          <a:ln>
+            <a:solidFill>
+              <a:schemeClr val="tx1">
+                <a:lumMod val="85000"/>
+                <a:lumOff val="15000"/>
+              </a:schemeClr>
+            </a:solidFill>
+          </a:ln>
+          <a:scene3d>
+            <a:camera prst="obliqueTopLeft"/>
+            <a:lightRig rig="threePt" dir="t"/>
+          </a:scene3d>
+        </p:spPr>
+        <p:style>
+          <a:lnRef idx="2">
+            <a:schemeClr val="accent1">
+              <a:shade val="50000"/>
+            </a:schemeClr>
+          </a:lnRef>
+          <a:fillRef idx="1">
+            <a:schemeClr val="accent1"/>
+          </a:fillRef>
+          <a:effectRef idx="0">
+            <a:schemeClr val="accent1"/>
+          </a:effectRef>
+          <a:fontRef idx="minor">
+            <a:schemeClr val="lt1"/>
+          </a:fontRef>
+        </p:style>
+        <p:txBody>
+          <a:bodyPr rtlCol="0" anchor="ctr"/>
+          <a:lstStyle/>
+          <a:p>
+            <a:r>
+              <a:rPr lang="en-US" altLang="ko-KR" b="1" dirty="0">
+                <a:solidFill>
+                  <a:schemeClr val="tx1">
+                    <a:lumMod val="85000"/>
+                    <a:lumOff val="15000"/>
+                  </a:schemeClr>
+                </a:solidFill>
+                <a:latin typeface="나눔스퀘어_ac Bold" panose="020B0600000101010101" pitchFamily="50" charset="-127"/>
+                <a:ea typeface="나눔스퀘어_ac Bold" panose="020B0600000101010101" pitchFamily="50" charset="-127"/>
+              </a:rPr>
+              <a:t>                                                                       </a:t>
+            </a:r>
+            <a:r>
+              <a:rPr lang="ko-KR" altLang="en-US" b="1" dirty="0" smtClean="0">
+                <a:solidFill>
+                  <a:schemeClr val="tx1">
+                    <a:lumMod val="85000"/>
+                    <a:lumOff val="15000"/>
+                  </a:schemeClr>
+                </a:solidFill>
+                <a:latin typeface="나눔스퀘어_ac Bold" panose="020B0600000101010101" pitchFamily="50" charset="-127"/>
+                <a:ea typeface="나눔스퀘어_ac Bold" panose="020B0600000101010101" pitchFamily="50" charset="-127"/>
+              </a:rPr>
+              <a:t>프로젝트 시연화</a:t>
+            </a:r>
+            <a:r>
+              <a:rPr lang="ko-KR" altLang="en-US" b="1" dirty="0">
+                <a:solidFill>
+                  <a:schemeClr val="tx1">
+                    <a:lumMod val="85000"/>
+                    <a:lumOff val="15000"/>
+                  </a:schemeClr>
+                </a:solidFill>
+                <a:latin typeface="나눔스퀘어_ac Bold" panose="020B0600000101010101" pitchFamily="50" charset="-127"/>
+                <a:ea typeface="나눔스퀘어_ac Bold" panose="020B0600000101010101" pitchFamily="50" charset="-127"/>
+              </a:rPr>
+              <a:t>면</a:t>
+            </a:r>
+            <a:endParaRPr lang="ko-KR" altLang="en-US" b="1" dirty="0">
+              <a:solidFill>
+                <a:schemeClr val="tx1">
+                  <a:lumMod val="85000"/>
+                  <a:lumOff val="15000"/>
+                </a:schemeClr>
+              </a:solidFill>
+              <a:latin typeface="나눔스퀘어_ac Bold" panose="020B0600000101010101" pitchFamily="50" charset="-127"/>
+              <a:ea typeface="나눔스퀘어_ac Bold" panose="020B0600000101010101" pitchFamily="50" charset="-127"/>
+            </a:endParaRPr>
+          </a:p>
+        </p:txBody>
+      </p:sp>
+      <p:sp>
+        <p:nvSpPr>
+          <p:cNvPr id="17" name="타원 16"/>
+          <p:cNvSpPr/>
+          <p:nvPr/>
+        </p:nvSpPr>
+        <p:spPr>
+          <a:xfrm>
+            <a:off x="395536" y="2852936"/>
+            <a:ext cx="1368152" cy="1368152"/>
+          </a:xfrm>
+          <a:prstGeom prst="ellipse">
+            <a:avLst/>
+          </a:prstGeom>
+          <a:solidFill>
+            <a:schemeClr val="bg1"/>
+          </a:solidFill>
+          <a:ln>
+            <a:noFill/>
+          </a:ln>
+          <a:scene3d>
+            <a:camera prst="obliqueTopLeft"/>
+            <a:lightRig rig="threePt" dir="t"/>
+          </a:scene3d>
+        </p:spPr>
+        <p:style>
+          <a:lnRef idx="2">
+            <a:schemeClr val="accent1">
+              <a:shade val="50000"/>
+            </a:schemeClr>
+          </a:lnRef>
+          <a:fillRef idx="1">
+            <a:schemeClr val="accent1"/>
+          </a:fillRef>
+          <a:effectRef idx="0">
+            <a:schemeClr val="accent1"/>
+          </a:effectRef>
+          <a:fontRef idx="minor">
+            <a:schemeClr val="lt1"/>
+          </a:fontRef>
+        </p:style>
+        <p:txBody>
+          <a:bodyPr rtlCol="0" anchor="ctr"/>
+          <a:lstStyle/>
+          <a:p>
+            <a:pPr algn="ctr"/>
+            <a:r>
+              <a:rPr lang="en-US" altLang="ko-KR" sz="4800" dirty="0">
+                <a:solidFill>
+                  <a:schemeClr val="tx1">
+                    <a:lumMod val="95000"/>
+                    <a:lumOff val="5000"/>
+                  </a:schemeClr>
+                </a:solidFill>
+                <a:latin typeface="나눔스퀘어_ac ExtraBold" panose="020B0600000101010101" pitchFamily="50" charset="-127"/>
+                <a:ea typeface="나눔스퀘어_ac ExtraBold" panose="020B0600000101010101" pitchFamily="50" charset="-127"/>
+                <a:cs typeface="Open Sans Extrabold" panose="020B0906030804020204" pitchFamily="34" charset="0"/>
+              </a:rPr>
+              <a:t>4</a:t>
+            </a:r>
+            <a:endParaRPr lang="ko-KR" altLang="en-US" sz="4800" dirty="0">
+              <a:solidFill>
+                <a:schemeClr val="tx1">
+                  <a:lumMod val="95000"/>
+                  <a:lumOff val="5000"/>
+                </a:schemeClr>
+              </a:solidFill>
+              <a:latin typeface="나눔스퀘어_ac ExtraBold" panose="020B0600000101010101" pitchFamily="50" charset="-127"/>
+              <a:ea typeface="나눔스퀘어_ac ExtraBold" panose="020B0600000101010101" pitchFamily="50" charset="-127"/>
+              <a:cs typeface="Open Sans Extrabold" panose="020B0906030804020204" pitchFamily="34" charset="0"/>
+            </a:endParaRPr>
+          </a:p>
+        </p:txBody>
+      </p:sp>
+      <p:grpSp>
+        <p:nvGrpSpPr>
+          <p:cNvPr id="19" name="그룹 18"/>
+          <p:cNvGrpSpPr/>
+          <p:nvPr/>
+        </p:nvGrpSpPr>
+        <p:grpSpPr>
+          <a:xfrm>
+            <a:off x="3832684" y="1196752"/>
+            <a:ext cx="1452984" cy="1452984"/>
+            <a:chOff x="3832684" y="1196752"/>
+            <a:chExt cx="1452984" cy="1452984"/>
+          </a:xfrm>
+        </p:grpSpPr>
+        <p:sp>
+          <p:nvSpPr>
+            <p:cNvPr id="20" name="타원 19"/>
+            <p:cNvSpPr/>
+            <p:nvPr/>
+          </p:nvSpPr>
+          <p:spPr>
+            <a:xfrm>
+              <a:off x="3832684" y="1196752"/>
+              <a:ext cx="1452984" cy="1452984"/>
+            </a:xfrm>
+            <a:prstGeom prst="ellipse">
+              <a:avLst/>
+            </a:prstGeom>
+            <a:solidFill>
+              <a:schemeClr val="bg1"/>
+            </a:solidFill>
+            <a:ln>
+              <a:noFill/>
+            </a:ln>
+          </p:spPr>
+          <p:style>
+            <a:lnRef idx="2">
+              <a:schemeClr val="accent1">
+                <a:shade val="50000"/>
+              </a:schemeClr>
+            </a:lnRef>
+            <a:fillRef idx="1">
+              <a:schemeClr val="accent1"/>
+            </a:fillRef>
+            <a:effectRef idx="0">
+              <a:schemeClr val="accent1"/>
+            </a:effectRef>
+            <a:fontRef idx="minor">
+              <a:schemeClr val="lt1"/>
+            </a:fontRef>
+          </p:style>
+          <p:txBody>
+            <a:bodyPr rtlCol="0" anchor="ctr"/>
+            <a:lstStyle/>
+            <a:p>
+              <a:pPr algn="ctr"/>
+              <a:endParaRPr lang="ko-KR" altLang="en-US"/>
+            </a:p>
+          </p:txBody>
+        </p:sp>
+        <p:grpSp>
+          <p:nvGrpSpPr>
+            <p:cNvPr id="21" name="그룹 20"/>
+            <p:cNvGrpSpPr/>
+            <p:nvPr/>
+          </p:nvGrpSpPr>
+          <p:grpSpPr>
+            <a:xfrm>
+              <a:off x="4444752" y="1340768"/>
+              <a:ext cx="228848" cy="1164952"/>
+              <a:chOff x="4444752" y="1340768"/>
+              <a:chExt cx="228848" cy="1164952"/>
+            </a:xfrm>
+          </p:grpSpPr>
+          <p:sp>
+            <p:nvSpPr>
+              <p:cNvPr id="28" name="타원 27"/>
+              <p:cNvSpPr/>
+              <p:nvPr/>
+            </p:nvSpPr>
+            <p:spPr>
+              <a:xfrm>
+                <a:off x="4444752" y="1340768"/>
+                <a:ext cx="228848" cy="228848"/>
+              </a:xfrm>
+              <a:prstGeom prst="ellipse">
+                <a:avLst/>
+              </a:prstGeom>
+              <a:solidFill>
+                <a:schemeClr val="tx1">
+                  <a:lumMod val="95000"/>
+                  <a:lumOff val="5000"/>
+                </a:schemeClr>
+              </a:solidFill>
+              <a:ln>
+                <a:noFill/>
+              </a:ln>
+            </p:spPr>
+            <p:style>
+              <a:lnRef idx="2">
+                <a:schemeClr val="accent1">
+                  <a:shade val="50000"/>
+                </a:schemeClr>
+              </a:lnRef>
+              <a:fillRef idx="1">
+                <a:schemeClr val="accent1"/>
+              </a:fillRef>
+              <a:effectRef idx="0">
+                <a:schemeClr val="accent1"/>
+              </a:effectRef>
+              <a:fontRef idx="minor">
+                <a:schemeClr val="lt1"/>
+              </a:fontRef>
+            </p:style>
+            <p:txBody>
+              <a:bodyPr rtlCol="0" anchor="ctr"/>
+              <a:lstStyle/>
+              <a:p>
+                <a:pPr algn="ctr"/>
+                <a:endParaRPr lang="ko-KR" altLang="en-US"/>
+              </a:p>
+            </p:txBody>
+          </p:sp>
+          <p:sp>
+            <p:nvSpPr>
+              <p:cNvPr id="29" name="타원 28"/>
+              <p:cNvSpPr/>
+              <p:nvPr/>
+            </p:nvSpPr>
+            <p:spPr>
+              <a:xfrm>
+                <a:off x="4444752" y="2276872"/>
+                <a:ext cx="228848" cy="228848"/>
+              </a:xfrm>
+              <a:prstGeom prst="ellipse">
+                <a:avLst/>
+              </a:prstGeom>
+              <a:solidFill>
+                <a:schemeClr val="tx1">
+                  <a:lumMod val="95000"/>
+                  <a:lumOff val="5000"/>
+                </a:schemeClr>
+              </a:solidFill>
+              <a:ln>
+                <a:noFill/>
+              </a:ln>
+            </p:spPr>
+            <p:style>
+              <a:lnRef idx="2">
+                <a:schemeClr val="accent1">
+                  <a:shade val="50000"/>
+                </a:schemeClr>
+              </a:lnRef>
+              <a:fillRef idx="1">
+                <a:schemeClr val="accent1"/>
+              </a:fillRef>
+              <a:effectRef idx="0">
+                <a:schemeClr val="accent1"/>
+              </a:effectRef>
+              <a:fontRef idx="minor">
+                <a:schemeClr val="lt1"/>
+              </a:fontRef>
+            </p:style>
+            <p:txBody>
+              <a:bodyPr rtlCol="0" anchor="ctr"/>
+              <a:lstStyle/>
+              <a:p>
+                <a:pPr algn="ctr"/>
+                <a:endParaRPr lang="ko-KR" altLang="en-US"/>
+              </a:p>
+            </p:txBody>
+          </p:sp>
+        </p:grpSp>
+        <p:grpSp>
+          <p:nvGrpSpPr>
+            <p:cNvPr id="22" name="그룹 21"/>
+            <p:cNvGrpSpPr/>
+            <p:nvPr/>
+          </p:nvGrpSpPr>
+          <p:grpSpPr>
+            <a:xfrm rot="3600000">
+              <a:off x="4444752" y="1340768"/>
+              <a:ext cx="228848" cy="1164952"/>
+              <a:chOff x="4444752" y="1340768"/>
+              <a:chExt cx="228848" cy="1164952"/>
+            </a:xfrm>
+          </p:grpSpPr>
+          <p:sp>
+            <p:nvSpPr>
+              <p:cNvPr id="26" name="타원 25"/>
+              <p:cNvSpPr/>
+              <p:nvPr/>
+            </p:nvSpPr>
+            <p:spPr>
+              <a:xfrm>
+                <a:off x="4444752" y="1340768"/>
+                <a:ext cx="228848" cy="228848"/>
+              </a:xfrm>
+              <a:prstGeom prst="ellipse">
+                <a:avLst/>
+              </a:prstGeom>
+              <a:solidFill>
+                <a:schemeClr val="tx1">
+                  <a:lumMod val="95000"/>
+                  <a:lumOff val="5000"/>
+                </a:schemeClr>
+              </a:solidFill>
+              <a:ln>
+                <a:noFill/>
+              </a:ln>
+            </p:spPr>
+            <p:style>
+              <a:lnRef idx="2">
+                <a:schemeClr val="accent1">
+                  <a:shade val="50000"/>
+                </a:schemeClr>
+              </a:lnRef>
+              <a:fillRef idx="1">
+                <a:schemeClr val="accent1"/>
+              </a:fillRef>
+              <a:effectRef idx="0">
+                <a:schemeClr val="accent1"/>
+              </a:effectRef>
+              <a:fontRef idx="minor">
+                <a:schemeClr val="lt1"/>
+              </a:fontRef>
+            </p:style>
+            <p:txBody>
+              <a:bodyPr rtlCol="0" anchor="ctr"/>
+              <a:lstStyle/>
+              <a:p>
+                <a:pPr algn="ctr"/>
+                <a:endParaRPr lang="ko-KR" altLang="en-US"/>
+              </a:p>
+            </p:txBody>
+          </p:sp>
+          <p:sp>
+            <p:nvSpPr>
+              <p:cNvPr id="27" name="타원 26"/>
+              <p:cNvSpPr/>
+              <p:nvPr/>
+            </p:nvSpPr>
+            <p:spPr>
+              <a:xfrm>
+                <a:off x="4444752" y="2276872"/>
+                <a:ext cx="228848" cy="228848"/>
+              </a:xfrm>
+              <a:prstGeom prst="ellipse">
+                <a:avLst/>
+              </a:prstGeom>
+              <a:solidFill>
+                <a:schemeClr val="tx1">
+                  <a:lumMod val="95000"/>
+                  <a:lumOff val="5000"/>
+                </a:schemeClr>
+              </a:solidFill>
+              <a:ln>
+                <a:noFill/>
+              </a:ln>
+            </p:spPr>
+            <p:style>
+              <a:lnRef idx="2">
+                <a:schemeClr val="accent1">
+                  <a:shade val="50000"/>
+                </a:schemeClr>
+              </a:lnRef>
+              <a:fillRef idx="1">
+                <a:schemeClr val="accent1"/>
+              </a:fillRef>
+              <a:effectRef idx="0">
+                <a:schemeClr val="accent1"/>
+              </a:effectRef>
+              <a:fontRef idx="minor">
+                <a:schemeClr val="lt1"/>
+              </a:fontRef>
+            </p:style>
+            <p:txBody>
+              <a:bodyPr rtlCol="0" anchor="ctr"/>
+              <a:lstStyle/>
+              <a:p>
+                <a:pPr algn="ctr"/>
+                <a:endParaRPr lang="ko-KR" altLang="en-US"/>
+              </a:p>
+            </p:txBody>
+          </p:sp>
+        </p:grpSp>
+        <p:grpSp>
+          <p:nvGrpSpPr>
+            <p:cNvPr id="23" name="그룹 22"/>
+            <p:cNvGrpSpPr/>
+            <p:nvPr/>
+          </p:nvGrpSpPr>
+          <p:grpSpPr>
+            <a:xfrm rot="7200000">
+              <a:off x="4444752" y="1340768"/>
+              <a:ext cx="228848" cy="1164952"/>
+              <a:chOff x="4444752" y="1340768"/>
+              <a:chExt cx="228848" cy="1164952"/>
+            </a:xfrm>
+          </p:grpSpPr>
+          <p:sp>
+            <p:nvSpPr>
+              <p:cNvPr id="24" name="타원 23"/>
+              <p:cNvSpPr/>
+              <p:nvPr/>
+            </p:nvSpPr>
+            <p:spPr>
+              <a:xfrm>
+                <a:off x="4444752" y="1340768"/>
+                <a:ext cx="228848" cy="228848"/>
+              </a:xfrm>
+              <a:prstGeom prst="ellipse">
+                <a:avLst/>
+              </a:prstGeom>
+              <a:solidFill>
+                <a:schemeClr val="tx1">
+                  <a:lumMod val="95000"/>
+                  <a:lumOff val="5000"/>
+                </a:schemeClr>
+              </a:solidFill>
+              <a:ln>
+                <a:noFill/>
+              </a:ln>
+            </p:spPr>
+            <p:style>
+              <a:lnRef idx="2">
+                <a:schemeClr val="accent1">
+                  <a:shade val="50000"/>
+                </a:schemeClr>
+              </a:lnRef>
+              <a:fillRef idx="1">
+                <a:schemeClr val="accent1"/>
+              </a:fillRef>
+              <a:effectRef idx="0">
+                <a:schemeClr val="accent1"/>
+              </a:effectRef>
+              <a:fontRef idx="minor">
+                <a:schemeClr val="lt1"/>
+              </a:fontRef>
+            </p:style>
+            <p:txBody>
+              <a:bodyPr rtlCol="0" anchor="ctr"/>
+              <a:lstStyle/>
+              <a:p>
+                <a:pPr algn="ctr"/>
+                <a:endParaRPr lang="ko-KR" altLang="en-US"/>
+              </a:p>
+            </p:txBody>
+          </p:sp>
+          <p:sp>
+            <p:nvSpPr>
+              <p:cNvPr id="25" name="타원 24"/>
+              <p:cNvSpPr/>
+              <p:nvPr/>
+            </p:nvSpPr>
+            <p:spPr>
+              <a:xfrm>
+                <a:off x="4444752" y="2276872"/>
+                <a:ext cx="228848" cy="228848"/>
+              </a:xfrm>
+              <a:prstGeom prst="ellipse">
+                <a:avLst/>
+              </a:prstGeom>
+              <a:solidFill>
+                <a:schemeClr val="tx1">
+                  <a:lumMod val="95000"/>
+                  <a:lumOff val="5000"/>
+                </a:schemeClr>
+              </a:solidFill>
+              <a:ln>
+                <a:noFill/>
+              </a:ln>
+            </p:spPr>
+            <p:style>
+              <a:lnRef idx="2">
+                <a:schemeClr val="accent1">
+                  <a:shade val="50000"/>
+                </a:schemeClr>
+              </a:lnRef>
+              <a:fillRef idx="1">
+                <a:schemeClr val="accent1"/>
+              </a:fillRef>
+              <a:effectRef idx="0">
+                <a:schemeClr val="accent1"/>
+              </a:effectRef>
+              <a:fontRef idx="minor">
+                <a:schemeClr val="lt1"/>
+              </a:fontRef>
+            </p:style>
+            <p:txBody>
+              <a:bodyPr rtlCol="0" anchor="ctr"/>
+              <a:lstStyle/>
+              <a:p>
+                <a:pPr algn="ctr"/>
+                <a:endParaRPr lang="ko-KR" altLang="en-US"/>
+              </a:p>
+            </p:txBody>
+          </p:sp>
+        </p:grpSp>
+      </p:grpSp>
+      <p:grpSp>
+        <p:nvGrpSpPr>
+          <p:cNvPr id="30" name="그룹 29"/>
+          <p:cNvGrpSpPr/>
+          <p:nvPr/>
+        </p:nvGrpSpPr>
+        <p:grpSpPr>
+          <a:xfrm>
+            <a:off x="1828096" y="1630889"/>
+            <a:ext cx="1145486" cy="1145486"/>
+            <a:chOff x="3832684" y="1196752"/>
+            <a:chExt cx="1452984" cy="1452984"/>
+          </a:xfrm>
+        </p:grpSpPr>
+        <p:sp>
+          <p:nvSpPr>
+            <p:cNvPr id="31" name="타원 30"/>
+            <p:cNvSpPr/>
+            <p:nvPr/>
+          </p:nvSpPr>
+          <p:spPr>
+            <a:xfrm>
+              <a:off x="3832684" y="1196752"/>
+              <a:ext cx="1452984" cy="1452984"/>
+            </a:xfrm>
+            <a:prstGeom prst="ellipse">
+              <a:avLst/>
+            </a:prstGeom>
+            <a:solidFill>
+              <a:schemeClr val="bg1"/>
+            </a:solidFill>
+            <a:ln>
+              <a:noFill/>
+            </a:ln>
+          </p:spPr>
+          <p:style>
+            <a:lnRef idx="2">
+              <a:schemeClr val="accent1">
+                <a:shade val="50000"/>
+              </a:schemeClr>
+            </a:lnRef>
+            <a:fillRef idx="1">
+              <a:schemeClr val="accent1"/>
+            </a:fillRef>
+            <a:effectRef idx="0">
+              <a:schemeClr val="accent1"/>
+            </a:effectRef>
+            <a:fontRef idx="minor">
+              <a:schemeClr val="lt1"/>
+            </a:fontRef>
+          </p:style>
+          <p:txBody>
+            <a:bodyPr rtlCol="0" anchor="ctr"/>
+            <a:lstStyle/>
+            <a:p>
+              <a:pPr algn="ctr"/>
+              <a:endParaRPr lang="ko-KR" altLang="en-US"/>
+            </a:p>
+          </p:txBody>
+        </p:sp>
+        <p:grpSp>
+          <p:nvGrpSpPr>
+            <p:cNvPr id="32" name="그룹 31"/>
+            <p:cNvGrpSpPr/>
+            <p:nvPr/>
+          </p:nvGrpSpPr>
+          <p:grpSpPr>
+            <a:xfrm>
+              <a:off x="4444752" y="1340768"/>
+              <a:ext cx="228848" cy="1164952"/>
+              <a:chOff x="4444752" y="1340768"/>
+              <a:chExt cx="228848" cy="1164952"/>
+            </a:xfrm>
+          </p:grpSpPr>
+          <p:sp>
+            <p:nvSpPr>
+              <p:cNvPr id="39" name="타원 38"/>
+              <p:cNvSpPr/>
+              <p:nvPr/>
+            </p:nvSpPr>
+            <p:spPr>
+              <a:xfrm>
+                <a:off x="4444752" y="1340768"/>
+                <a:ext cx="228848" cy="228848"/>
+              </a:xfrm>
+              <a:prstGeom prst="ellipse">
+                <a:avLst/>
+              </a:prstGeom>
+              <a:solidFill>
+                <a:schemeClr val="tx1">
+                  <a:lumMod val="95000"/>
+                  <a:lumOff val="5000"/>
+                </a:schemeClr>
+              </a:solidFill>
+              <a:ln>
+                <a:noFill/>
+              </a:ln>
+            </p:spPr>
+            <p:style>
+              <a:lnRef idx="2">
+                <a:schemeClr val="accent1">
+                  <a:shade val="50000"/>
+                </a:schemeClr>
+              </a:lnRef>
+              <a:fillRef idx="1">
+                <a:schemeClr val="accent1"/>
+              </a:fillRef>
+              <a:effectRef idx="0">
+                <a:schemeClr val="accent1"/>
+              </a:effectRef>
+              <a:fontRef idx="minor">
+                <a:schemeClr val="lt1"/>
+              </a:fontRef>
+            </p:style>
+            <p:txBody>
+              <a:bodyPr rtlCol="0" anchor="ctr"/>
+              <a:lstStyle/>
+              <a:p>
+                <a:pPr algn="ctr"/>
+                <a:endParaRPr lang="ko-KR" altLang="en-US"/>
+              </a:p>
+            </p:txBody>
+          </p:sp>
+          <p:sp>
+            <p:nvSpPr>
+              <p:cNvPr id="40" name="타원 39"/>
+              <p:cNvSpPr/>
+              <p:nvPr/>
+            </p:nvSpPr>
+            <p:spPr>
+              <a:xfrm>
+                <a:off x="4444752" y="2276872"/>
+                <a:ext cx="228848" cy="228848"/>
+              </a:xfrm>
+              <a:prstGeom prst="ellipse">
+                <a:avLst/>
+              </a:prstGeom>
+              <a:solidFill>
+                <a:schemeClr val="tx1">
+                  <a:lumMod val="95000"/>
+                  <a:lumOff val="5000"/>
+                </a:schemeClr>
+              </a:solidFill>
+              <a:ln>
+                <a:noFill/>
+              </a:ln>
+            </p:spPr>
+            <p:style>
+              <a:lnRef idx="2">
+                <a:schemeClr val="accent1">
+                  <a:shade val="50000"/>
+                </a:schemeClr>
+              </a:lnRef>
+              <a:fillRef idx="1">
+                <a:schemeClr val="accent1"/>
+              </a:fillRef>
+              <a:effectRef idx="0">
+                <a:schemeClr val="accent1"/>
+              </a:effectRef>
+              <a:fontRef idx="minor">
+                <a:schemeClr val="lt1"/>
+              </a:fontRef>
+            </p:style>
+            <p:txBody>
+              <a:bodyPr rtlCol="0" anchor="ctr"/>
+              <a:lstStyle/>
+              <a:p>
+                <a:pPr algn="ctr"/>
+                <a:endParaRPr lang="ko-KR" altLang="en-US"/>
+              </a:p>
+            </p:txBody>
+          </p:sp>
+        </p:grpSp>
+        <p:grpSp>
+          <p:nvGrpSpPr>
+            <p:cNvPr id="33" name="그룹 32"/>
+            <p:cNvGrpSpPr/>
+            <p:nvPr/>
+          </p:nvGrpSpPr>
+          <p:grpSpPr>
+            <a:xfrm rot="3600000">
+              <a:off x="4444752" y="1340768"/>
+              <a:ext cx="228848" cy="1164952"/>
+              <a:chOff x="4444752" y="1340768"/>
+              <a:chExt cx="228848" cy="1164952"/>
+            </a:xfrm>
+          </p:grpSpPr>
+          <p:sp>
+            <p:nvSpPr>
+              <p:cNvPr id="37" name="타원 36"/>
+              <p:cNvSpPr/>
+              <p:nvPr/>
+            </p:nvSpPr>
+            <p:spPr>
+              <a:xfrm>
+                <a:off x="4444752" y="1340768"/>
+                <a:ext cx="228848" cy="228848"/>
+              </a:xfrm>
+              <a:prstGeom prst="ellipse">
+                <a:avLst/>
+              </a:prstGeom>
+              <a:solidFill>
+                <a:schemeClr val="tx1">
+                  <a:lumMod val="95000"/>
+                  <a:lumOff val="5000"/>
+                </a:schemeClr>
+              </a:solidFill>
+              <a:ln>
+                <a:noFill/>
+              </a:ln>
+            </p:spPr>
+            <p:style>
+              <a:lnRef idx="2">
+                <a:schemeClr val="accent1">
+                  <a:shade val="50000"/>
+                </a:schemeClr>
+              </a:lnRef>
+              <a:fillRef idx="1">
+                <a:schemeClr val="accent1"/>
+              </a:fillRef>
+              <a:effectRef idx="0">
+                <a:schemeClr val="accent1"/>
+              </a:effectRef>
+              <a:fontRef idx="minor">
+                <a:schemeClr val="lt1"/>
+              </a:fontRef>
+            </p:style>
+            <p:txBody>
+              <a:bodyPr rtlCol="0" anchor="ctr"/>
+              <a:lstStyle/>
+              <a:p>
+                <a:pPr algn="ctr"/>
+                <a:endParaRPr lang="ko-KR" altLang="en-US"/>
+              </a:p>
+            </p:txBody>
+          </p:sp>
+          <p:sp>
+            <p:nvSpPr>
+              <p:cNvPr id="38" name="타원 37"/>
+              <p:cNvSpPr/>
+              <p:nvPr/>
+            </p:nvSpPr>
+            <p:spPr>
+              <a:xfrm>
+                <a:off x="4444752" y="2276872"/>
+                <a:ext cx="228848" cy="228848"/>
+              </a:xfrm>
+              <a:prstGeom prst="ellipse">
+                <a:avLst/>
+              </a:prstGeom>
+              <a:solidFill>
+                <a:schemeClr val="tx1">
+                  <a:lumMod val="95000"/>
+                  <a:lumOff val="5000"/>
+                </a:schemeClr>
+              </a:solidFill>
+              <a:ln>
+                <a:noFill/>
+              </a:ln>
+            </p:spPr>
+            <p:style>
+              <a:lnRef idx="2">
+                <a:schemeClr val="accent1">
+                  <a:shade val="50000"/>
+                </a:schemeClr>
+              </a:lnRef>
+              <a:fillRef idx="1">
+                <a:schemeClr val="accent1"/>
+              </a:fillRef>
+              <a:effectRef idx="0">
+                <a:schemeClr val="accent1"/>
+              </a:effectRef>
+              <a:fontRef idx="minor">
+                <a:schemeClr val="lt1"/>
+              </a:fontRef>
+            </p:style>
+            <p:txBody>
+              <a:bodyPr rtlCol="0" anchor="ctr"/>
+              <a:lstStyle/>
+              <a:p>
+                <a:pPr algn="ctr"/>
+                <a:endParaRPr lang="ko-KR" altLang="en-US"/>
+              </a:p>
+            </p:txBody>
+          </p:sp>
+        </p:grpSp>
+        <p:grpSp>
+          <p:nvGrpSpPr>
+            <p:cNvPr id="34" name="그룹 33"/>
+            <p:cNvGrpSpPr/>
+            <p:nvPr/>
+          </p:nvGrpSpPr>
+          <p:grpSpPr>
+            <a:xfrm rot="7200000">
+              <a:off x="4444752" y="1340768"/>
+              <a:ext cx="228848" cy="1164952"/>
+              <a:chOff x="4444752" y="1340768"/>
+              <a:chExt cx="228848" cy="1164952"/>
+            </a:xfrm>
+          </p:grpSpPr>
+          <p:sp>
+            <p:nvSpPr>
+              <p:cNvPr id="35" name="타원 34"/>
+              <p:cNvSpPr/>
+              <p:nvPr/>
+            </p:nvSpPr>
+            <p:spPr>
+              <a:xfrm>
+                <a:off x="4444752" y="1340768"/>
+                <a:ext cx="228848" cy="228848"/>
+              </a:xfrm>
+              <a:prstGeom prst="ellipse">
+                <a:avLst/>
+              </a:prstGeom>
+              <a:solidFill>
+                <a:schemeClr val="tx1">
+                  <a:lumMod val="95000"/>
+                  <a:lumOff val="5000"/>
+                </a:schemeClr>
+              </a:solidFill>
+              <a:ln>
+                <a:noFill/>
+              </a:ln>
+            </p:spPr>
+            <p:style>
+              <a:lnRef idx="2">
+                <a:schemeClr val="accent1">
+                  <a:shade val="50000"/>
+                </a:schemeClr>
+              </a:lnRef>
+              <a:fillRef idx="1">
+                <a:schemeClr val="accent1"/>
+              </a:fillRef>
+              <a:effectRef idx="0">
+                <a:schemeClr val="accent1"/>
+              </a:effectRef>
+              <a:fontRef idx="minor">
+                <a:schemeClr val="lt1"/>
+              </a:fontRef>
+            </p:style>
+            <p:txBody>
+              <a:bodyPr rtlCol="0" anchor="ctr"/>
+              <a:lstStyle/>
+              <a:p>
+                <a:pPr algn="ctr"/>
+                <a:endParaRPr lang="ko-KR" altLang="en-US"/>
+              </a:p>
+            </p:txBody>
+          </p:sp>
+          <p:sp>
+            <p:nvSpPr>
+              <p:cNvPr id="36" name="타원 35"/>
+              <p:cNvSpPr/>
+              <p:nvPr/>
+            </p:nvSpPr>
+            <p:spPr>
+              <a:xfrm>
+                <a:off x="4444752" y="2276872"/>
+                <a:ext cx="228848" cy="228848"/>
+              </a:xfrm>
+              <a:prstGeom prst="ellipse">
+                <a:avLst/>
+              </a:prstGeom>
+              <a:solidFill>
+                <a:schemeClr val="tx1">
+                  <a:lumMod val="95000"/>
+                  <a:lumOff val="5000"/>
+                </a:schemeClr>
+              </a:solidFill>
+              <a:ln>
+                <a:noFill/>
+              </a:ln>
+            </p:spPr>
+            <p:style>
+              <a:lnRef idx="2">
+                <a:schemeClr val="accent1">
+                  <a:shade val="50000"/>
+                </a:schemeClr>
+              </a:lnRef>
+              <a:fillRef idx="1">
+                <a:schemeClr val="accent1"/>
+              </a:fillRef>
+              <a:effectRef idx="0">
+                <a:schemeClr val="accent1"/>
+              </a:effectRef>
+              <a:fontRef idx="minor">
+                <a:schemeClr val="lt1"/>
+              </a:fontRef>
+            </p:style>
+            <p:txBody>
+              <a:bodyPr rtlCol="0" anchor="ctr"/>
+              <a:lstStyle/>
+              <a:p>
+                <a:pPr algn="ctr"/>
+                <a:endParaRPr lang="ko-KR" altLang="en-US"/>
+              </a:p>
+            </p:txBody>
+          </p:sp>
+        </p:grpSp>
+      </p:grpSp>
+    </p:spTree>
+    <p:extLst>
+      <p:ext uri="{BB962C8B-B14F-4D97-AF65-F5344CB8AC3E}">
+        <p14:creationId xmlns:p14="http://schemas.microsoft.com/office/powerpoint/2010/main" val="436453729"/>
+      </p:ext>
+    </p:extLst>
+  </p:cSld>
+  <p:clrMapOvr>
+    <a:masterClrMapping/>
+  </p:clrMapOvr>
+  <mc:AlternateContent xmlns:mc="http://schemas.openxmlformats.org/markup-compatibility/2006" xmlns:p14="http://schemas.microsoft.com/office/powerpoint/2010/main">
+    <mc:Choice Requires="p14">
+      <p:transition spd="slow" p14:dur="1500" advTm="4000">
+        <p:fade/>
+      </p:transition>
+    </mc:Choice>
+    <mc:Fallback xmlns="">
+      <p:transition spd="slow" advTm="4000">
+        <p:fade/>
+      </p:transition>
+    </mc:Fallback>
+  </mc:AlternateContent>
+  <p:timing>
+    <p:tnLst>
+      <p:par>
+        <p:cTn id="1" dur="indefinite" restart="never" nodeType="tmRoot">
+          <p:childTnLst>
+            <p:seq concurrent="1" nextAc="seek">
+              <p:cTn id="2" dur="indefinite" nodeType="mainSeq">
+                <p:childTnLst>
+                  <p:par>
+                    <p:cTn id="3" fill="hold">
+                      <p:stCondLst>
+                        <p:cond delay="indefinite"/>
+                        <p:cond evt="onBegin" delay="0">
+                          <p:tn val="2"/>
+                        </p:cond>
+                      </p:stCondLst>
+                      <p:childTnLst>
+                        <p:par>
+                          <p:cTn id="4" fill="hold">
+                            <p:stCondLst>
+                              <p:cond delay="0"/>
+                            </p:stCondLst>
+                            <p:childTnLst>
+                              <p:par>
+                                <p:cTn id="5" presetID="8" presetClass="emph" presetSubtype="0" repeatCount="indefinite" fill="hold" nodeType="withEffect">
+                                  <p:stCondLst>
+                                    <p:cond delay="0"/>
+                                  </p:stCondLst>
+                                  <p:childTnLst>
+                                    <p:animRot by="21600000">
+                                      <p:cBhvr>
+                                        <p:cTn id="6" dur="2000" fill="hold"/>
+                                        <p:tgtEl>
+                                          <p:spTgt spid="19"/>
+                                        </p:tgtEl>
+                                        <p:attrNameLst>
+                                          <p:attrName>r</p:attrName>
+                                        </p:attrNameLst>
+                                      </p:cBhvr>
+                                    </p:animRot>
+                                  </p:childTnLst>
+                                </p:cTn>
+                              </p:par>
+                              <p:par>
+                                <p:cTn id="7" presetID="8" presetClass="emph" presetSubtype="0" repeatCount="indefinite" fill="hold" nodeType="withEffect">
+                                  <p:stCondLst>
+                                    <p:cond delay="0"/>
+                                  </p:stCondLst>
+                                  <p:childTnLst>
+                                    <p:animRot by="-21600000">
+                                      <p:cBhvr>
+                                        <p:cTn id="8" dur="2000" fill="hold"/>
+                                        <p:tgtEl>
+                                          <p:spTgt spid="30"/>
+                                        </p:tgtEl>
+                                        <p:attrNameLst>
+                                          <p:attrName>r</p:attrName>
+                                        </p:attrNameLst>
+                                      </p:cBhvr>
+                                    </p:animRot>
+                                  </p:childTnLst>
+                                </p:cTn>
+                              </p:par>
+                            </p:childTnLst>
+                          </p:cTn>
+                        </p:par>
+                      </p:childTnLst>
+                    </p:cTn>
+                  </p:par>
+                </p:childTnLst>
+              </p:cTn>
+              <p:prevCondLst>
+                <p:cond evt="onPrev" delay="0">
+                  <p:tgtEl>
+                    <p:sldTgt/>
+                  </p:tgtEl>
+                </p:cond>
+              </p:prevCondLst>
+              <p:nextCondLst>
+                <p:cond evt="onNext" delay="0">
+                  <p:tgtEl>
+                    <p:sldTgt/>
+                  </p:tgtEl>
+                </p:cond>
+              </p:nextCondLst>
+            </p:seq>
+          </p:childTnLst>
+        </p:cTn>
+      </p:par>
+    </p:tnLst>
+  </p:timing>
+</p:sld>
+</file>
+
+<file path=ppt/slides/slide11.xml><?xml version="1.0" encoding="utf-8"?>
+<p:sld xmlns:a="http://schemas.openxmlformats.org/drawingml/2006/main" xmlns:r="http://schemas.openxmlformats.org/officeDocument/2006/relationships" xmlns:p="http://schemas.openxmlformats.org/presentationml/2006/main">
+  <p:cSld>
+    <p:spTree>
+      <p:nvGrpSpPr>
+        <p:cNvPr id="1" name=""/>
+        <p:cNvGrpSpPr/>
+        <p:nvPr/>
+      </p:nvGrpSpPr>
+      <p:grpSpPr>
+        <a:xfrm>
+          <a:off x="0" y="0"/>
+          <a:ext cx="0" cy="0"/>
+          <a:chOff x="0" y="0"/>
+          <a:chExt cx="0" cy="0"/>
+        </a:xfrm>
+      </p:grpSpPr>
+      <p:sp>
+        <p:nvSpPr>
+          <p:cNvPr id="4" name="직사각형 3"/>
+          <p:cNvSpPr/>
+          <p:nvPr/>
+        </p:nvSpPr>
+        <p:spPr>
+          <a:xfrm>
+            <a:off x="0" y="0"/>
+            <a:ext cx="1187624" cy="6858000"/>
+          </a:xfrm>
+          <a:prstGeom prst="rect">
+            <a:avLst/>
+          </a:prstGeom>
+          <a:solidFill>
+            <a:schemeClr val="tx1">
+              <a:lumMod val="85000"/>
+              <a:lumOff val="15000"/>
+            </a:schemeClr>
+          </a:solidFill>
+          <a:ln>
+            <a:noFill/>
+          </a:ln>
+        </p:spPr>
+        <p:style>
+          <a:lnRef idx="2">
+            <a:schemeClr val="accent1">
+              <a:shade val="50000"/>
+            </a:schemeClr>
+          </a:lnRef>
+          <a:fillRef idx="1">
+            <a:schemeClr val="accent1"/>
+          </a:fillRef>
+          <a:effectRef idx="0">
+            <a:schemeClr val="accent1"/>
+          </a:effectRef>
+          <a:fontRef idx="minor">
+            <a:schemeClr val="lt1"/>
+          </a:fontRef>
+        </p:style>
+        <p:txBody>
+          <a:bodyPr rtlCol="0" anchor="ctr"/>
+          <a:lstStyle/>
+          <a:p>
+            <a:pPr algn="ctr"/>
+            <a:endParaRPr lang="ko-KR" altLang="en-US"/>
+          </a:p>
+        </p:txBody>
+      </p:sp>
+      <p:grpSp>
+        <p:nvGrpSpPr>
+          <p:cNvPr id="11" name="그룹 10"/>
+          <p:cNvGrpSpPr/>
+          <p:nvPr/>
+        </p:nvGrpSpPr>
+        <p:grpSpPr>
+          <a:xfrm>
+            <a:off x="1259632" y="0"/>
+            <a:ext cx="108012" cy="6858000"/>
+            <a:chOff x="1632464" y="0"/>
+            <a:chExt cx="108012" cy="6858000"/>
+          </a:xfrm>
+        </p:grpSpPr>
+        <p:sp>
+          <p:nvSpPr>
+            <p:cNvPr id="5" name="직사각형 4"/>
+            <p:cNvSpPr/>
+            <p:nvPr/>
+          </p:nvSpPr>
+          <p:spPr>
+            <a:xfrm>
+              <a:off x="1632464" y="0"/>
+              <a:ext cx="108012" cy="4581128"/>
+            </a:xfrm>
+            <a:prstGeom prst="rect">
+              <a:avLst/>
+            </a:prstGeom>
+            <a:solidFill>
+              <a:schemeClr val="tx1">
+                <a:lumMod val="85000"/>
+                <a:lumOff val="15000"/>
+              </a:schemeClr>
+            </a:solidFill>
+            <a:ln>
+              <a:noFill/>
+            </a:ln>
+          </p:spPr>
+          <p:style>
+            <a:lnRef idx="2">
+              <a:schemeClr val="accent1">
+                <a:shade val="50000"/>
+              </a:schemeClr>
+            </a:lnRef>
+            <a:fillRef idx="1">
+              <a:schemeClr val="accent1"/>
+            </a:fillRef>
+            <a:effectRef idx="0">
+              <a:schemeClr val="accent1"/>
+            </a:effectRef>
+            <a:fontRef idx="minor">
+              <a:schemeClr val="lt1"/>
+            </a:fontRef>
+          </p:style>
+          <p:txBody>
+            <a:bodyPr rtlCol="0" anchor="ctr"/>
+            <a:lstStyle/>
+            <a:p>
+              <a:pPr algn="ctr"/>
+              <a:endParaRPr lang="ko-KR" altLang="en-US"/>
+            </a:p>
+          </p:txBody>
+        </p:sp>
+        <p:sp>
+          <p:nvSpPr>
+            <p:cNvPr id="7" name="직사각형 6"/>
+            <p:cNvSpPr/>
+            <p:nvPr/>
+          </p:nvSpPr>
+          <p:spPr>
+            <a:xfrm>
+              <a:off x="1632464" y="4753902"/>
+              <a:ext cx="108012" cy="216024"/>
+            </a:xfrm>
+            <a:prstGeom prst="rect">
+              <a:avLst/>
+            </a:prstGeom>
+            <a:solidFill>
+              <a:schemeClr val="tx1">
+                <a:lumMod val="85000"/>
+                <a:lumOff val="15000"/>
+              </a:schemeClr>
+            </a:solidFill>
+            <a:ln>
+              <a:noFill/>
+            </a:ln>
+          </p:spPr>
+          <p:style>
+            <a:lnRef idx="2">
+              <a:schemeClr val="accent1">
+                <a:shade val="50000"/>
+              </a:schemeClr>
+            </a:lnRef>
+            <a:fillRef idx="1">
+              <a:schemeClr val="accent1"/>
+            </a:fillRef>
+            <a:effectRef idx="0">
+              <a:schemeClr val="accent1"/>
+            </a:effectRef>
+            <a:fontRef idx="minor">
+              <a:schemeClr val="lt1"/>
+            </a:fontRef>
+          </p:style>
+          <p:txBody>
+            <a:bodyPr rtlCol="0" anchor="ctr"/>
+            <a:lstStyle/>
+            <a:p>
+              <a:pPr algn="ctr"/>
+              <a:endParaRPr lang="ko-KR" altLang="en-US"/>
+            </a:p>
+          </p:txBody>
+        </p:sp>
+        <p:sp>
+          <p:nvSpPr>
+            <p:cNvPr id="8" name="직사각형 7"/>
+            <p:cNvSpPr/>
+            <p:nvPr/>
+          </p:nvSpPr>
+          <p:spPr>
+            <a:xfrm>
+              <a:off x="1632464" y="5113942"/>
+              <a:ext cx="108012" cy="216024"/>
+            </a:xfrm>
+            <a:prstGeom prst="rect">
+              <a:avLst/>
+            </a:prstGeom>
+            <a:solidFill>
+              <a:schemeClr val="tx1">
+                <a:lumMod val="85000"/>
+                <a:lumOff val="15000"/>
+              </a:schemeClr>
+            </a:solidFill>
+            <a:ln>
+              <a:noFill/>
+            </a:ln>
+          </p:spPr>
+          <p:style>
+            <a:lnRef idx="2">
+              <a:schemeClr val="accent1">
+                <a:shade val="50000"/>
+              </a:schemeClr>
+            </a:lnRef>
+            <a:fillRef idx="1">
+              <a:schemeClr val="accent1"/>
+            </a:fillRef>
+            <a:effectRef idx="0">
+              <a:schemeClr val="accent1"/>
+            </a:effectRef>
+            <a:fontRef idx="minor">
+              <a:schemeClr val="lt1"/>
+            </a:fontRef>
+          </p:style>
+          <p:txBody>
+            <a:bodyPr rtlCol="0" anchor="ctr"/>
+            <a:lstStyle/>
+            <a:p>
+              <a:pPr algn="ctr"/>
+              <a:endParaRPr lang="ko-KR" altLang="en-US"/>
+            </a:p>
+          </p:txBody>
+        </p:sp>
+        <p:sp>
+          <p:nvSpPr>
+            <p:cNvPr id="9" name="직사각형 8"/>
+            <p:cNvSpPr/>
+            <p:nvPr/>
+          </p:nvSpPr>
+          <p:spPr>
+            <a:xfrm>
+              <a:off x="1632464" y="5473982"/>
+              <a:ext cx="108012" cy="216024"/>
+            </a:xfrm>
+            <a:prstGeom prst="rect">
+              <a:avLst/>
+            </a:prstGeom>
+            <a:solidFill>
+              <a:schemeClr val="tx1">
+                <a:lumMod val="85000"/>
+                <a:lumOff val="15000"/>
+              </a:schemeClr>
+            </a:solidFill>
+            <a:ln>
+              <a:noFill/>
+            </a:ln>
+          </p:spPr>
+          <p:style>
+            <a:lnRef idx="2">
+              <a:schemeClr val="accent1">
+                <a:shade val="50000"/>
+              </a:schemeClr>
+            </a:lnRef>
+            <a:fillRef idx="1">
+              <a:schemeClr val="accent1"/>
+            </a:fillRef>
+            <a:effectRef idx="0">
+              <a:schemeClr val="accent1"/>
+            </a:effectRef>
+            <a:fontRef idx="minor">
+              <a:schemeClr val="lt1"/>
+            </a:fontRef>
+          </p:style>
+          <p:txBody>
+            <a:bodyPr rtlCol="0" anchor="ctr"/>
+            <a:lstStyle/>
+            <a:p>
+              <a:pPr algn="ctr"/>
+              <a:endParaRPr lang="ko-KR" altLang="en-US"/>
+            </a:p>
+          </p:txBody>
+        </p:sp>
+        <p:sp>
+          <p:nvSpPr>
+            <p:cNvPr id="10" name="직사각형 9"/>
+            <p:cNvSpPr/>
+            <p:nvPr/>
+          </p:nvSpPr>
+          <p:spPr>
+            <a:xfrm>
+              <a:off x="1632464" y="5877272"/>
+              <a:ext cx="108012" cy="980728"/>
+            </a:xfrm>
+            <a:prstGeom prst="rect">
+              <a:avLst/>
+            </a:prstGeom>
+            <a:solidFill>
+              <a:schemeClr val="tx1">
+                <a:lumMod val="85000"/>
+                <a:lumOff val="15000"/>
+              </a:schemeClr>
+            </a:solidFill>
+            <a:ln>
+              <a:noFill/>
+            </a:ln>
+          </p:spPr>
+          <p:style>
+            <a:lnRef idx="2">
+              <a:schemeClr val="accent1">
+                <a:shade val="50000"/>
+              </a:schemeClr>
+            </a:lnRef>
+            <a:fillRef idx="1">
+              <a:schemeClr val="accent1"/>
+            </a:fillRef>
+            <a:effectRef idx="0">
+              <a:schemeClr val="accent1"/>
+            </a:effectRef>
+            <a:fontRef idx="minor">
+              <a:schemeClr val="lt1"/>
+            </a:fontRef>
+          </p:style>
+          <p:txBody>
+            <a:bodyPr rtlCol="0" anchor="ctr"/>
+            <a:lstStyle/>
+            <a:p>
+              <a:pPr algn="ctr"/>
+              <a:endParaRPr lang="ko-KR" altLang="en-US"/>
+            </a:p>
+          </p:txBody>
+        </p:sp>
+      </p:grpSp>
+      <p:grpSp>
+        <p:nvGrpSpPr>
+          <p:cNvPr id="12" name="그룹 11"/>
+          <p:cNvGrpSpPr/>
+          <p:nvPr/>
+        </p:nvGrpSpPr>
+        <p:grpSpPr>
+          <a:xfrm flipV="1">
+            <a:off x="8970737" y="0"/>
+            <a:ext cx="108012" cy="6858000"/>
+            <a:chOff x="1632464" y="0"/>
+            <a:chExt cx="108012" cy="6858000"/>
+          </a:xfrm>
+        </p:grpSpPr>
+        <p:sp>
+          <p:nvSpPr>
+            <p:cNvPr id="13" name="직사각형 12"/>
+            <p:cNvSpPr/>
+            <p:nvPr/>
+          </p:nvSpPr>
+          <p:spPr>
+            <a:xfrm>
+              <a:off x="1632464" y="0"/>
+              <a:ext cx="108012" cy="4581128"/>
+            </a:xfrm>
+            <a:prstGeom prst="rect">
+              <a:avLst/>
+            </a:prstGeom>
+            <a:solidFill>
+              <a:schemeClr val="tx1">
+                <a:lumMod val="85000"/>
+                <a:lumOff val="15000"/>
+              </a:schemeClr>
+            </a:solidFill>
+            <a:ln>
+              <a:noFill/>
+            </a:ln>
+          </p:spPr>
+          <p:style>
+            <a:lnRef idx="2">
+              <a:schemeClr val="accent1">
+                <a:shade val="50000"/>
+              </a:schemeClr>
+            </a:lnRef>
+            <a:fillRef idx="1">
+              <a:schemeClr val="accent1"/>
+            </a:fillRef>
+            <a:effectRef idx="0">
+              <a:schemeClr val="accent1"/>
+            </a:effectRef>
+            <a:fontRef idx="minor">
+              <a:schemeClr val="lt1"/>
+            </a:fontRef>
+          </p:style>
+          <p:txBody>
+            <a:bodyPr rtlCol="0" anchor="ctr"/>
+            <a:lstStyle/>
+            <a:p>
+              <a:pPr algn="ctr"/>
+              <a:endParaRPr lang="ko-KR" altLang="en-US"/>
+            </a:p>
+          </p:txBody>
+        </p:sp>
+        <p:sp>
+          <p:nvSpPr>
+            <p:cNvPr id="14" name="직사각형 13"/>
+            <p:cNvSpPr/>
+            <p:nvPr/>
+          </p:nvSpPr>
+          <p:spPr>
+            <a:xfrm>
+              <a:off x="1632464" y="4753902"/>
+              <a:ext cx="108012" cy="216024"/>
+            </a:xfrm>
+            <a:prstGeom prst="rect">
+              <a:avLst/>
+            </a:prstGeom>
+            <a:solidFill>
+              <a:schemeClr val="tx1">
+                <a:lumMod val="85000"/>
+                <a:lumOff val="15000"/>
+              </a:schemeClr>
+            </a:solidFill>
+            <a:ln>
+              <a:noFill/>
+            </a:ln>
+          </p:spPr>
+          <p:style>
+            <a:lnRef idx="2">
+              <a:schemeClr val="accent1">
+                <a:shade val="50000"/>
+              </a:schemeClr>
+            </a:lnRef>
+            <a:fillRef idx="1">
+              <a:schemeClr val="accent1"/>
+            </a:fillRef>
+            <a:effectRef idx="0">
+              <a:schemeClr val="accent1"/>
+            </a:effectRef>
+            <a:fontRef idx="minor">
+              <a:schemeClr val="lt1"/>
+            </a:fontRef>
+          </p:style>
+          <p:txBody>
+            <a:bodyPr rtlCol="0" anchor="ctr"/>
+            <a:lstStyle/>
+            <a:p>
+              <a:pPr algn="ctr"/>
+              <a:endParaRPr lang="ko-KR" altLang="en-US"/>
+            </a:p>
+          </p:txBody>
+        </p:sp>
+        <p:sp>
+          <p:nvSpPr>
+            <p:cNvPr id="15" name="직사각형 14"/>
+            <p:cNvSpPr/>
+            <p:nvPr/>
+          </p:nvSpPr>
+          <p:spPr>
+            <a:xfrm>
+              <a:off x="1632464" y="5113942"/>
+              <a:ext cx="108012" cy="216024"/>
+            </a:xfrm>
+            <a:prstGeom prst="rect">
+              <a:avLst/>
+            </a:prstGeom>
+            <a:solidFill>
+              <a:schemeClr val="tx1">
+                <a:lumMod val="85000"/>
+                <a:lumOff val="15000"/>
+              </a:schemeClr>
+            </a:solidFill>
+            <a:ln>
+              <a:noFill/>
+            </a:ln>
+          </p:spPr>
+          <p:style>
+            <a:lnRef idx="2">
+              <a:schemeClr val="accent1">
+                <a:shade val="50000"/>
+              </a:schemeClr>
+            </a:lnRef>
+            <a:fillRef idx="1">
+              <a:schemeClr val="accent1"/>
+            </a:fillRef>
+            <a:effectRef idx="0">
+              <a:schemeClr val="accent1"/>
+            </a:effectRef>
+            <a:fontRef idx="minor">
+              <a:schemeClr val="lt1"/>
+            </a:fontRef>
+          </p:style>
+          <p:txBody>
+            <a:bodyPr rtlCol="0" anchor="ctr"/>
+            <a:lstStyle/>
+            <a:p>
+              <a:pPr algn="ctr"/>
+              <a:endParaRPr lang="ko-KR" altLang="en-US"/>
+            </a:p>
+          </p:txBody>
+        </p:sp>
+        <p:sp>
+          <p:nvSpPr>
+            <p:cNvPr id="16" name="직사각형 15"/>
+            <p:cNvSpPr/>
+            <p:nvPr/>
+          </p:nvSpPr>
+          <p:spPr>
+            <a:xfrm>
+              <a:off x="1632464" y="5473982"/>
+              <a:ext cx="108012" cy="216024"/>
+            </a:xfrm>
+            <a:prstGeom prst="rect">
+              <a:avLst/>
+            </a:prstGeom>
+            <a:solidFill>
+              <a:schemeClr val="tx1">
+                <a:lumMod val="85000"/>
+                <a:lumOff val="15000"/>
+              </a:schemeClr>
+            </a:solidFill>
+            <a:ln>
+              <a:noFill/>
+            </a:ln>
+          </p:spPr>
+          <p:style>
+            <a:lnRef idx="2">
+              <a:schemeClr val="accent1">
+                <a:shade val="50000"/>
+              </a:schemeClr>
+            </a:lnRef>
+            <a:fillRef idx="1">
+              <a:schemeClr val="accent1"/>
+            </a:fillRef>
+            <a:effectRef idx="0">
+              <a:schemeClr val="accent1"/>
+            </a:effectRef>
+            <a:fontRef idx="minor">
+              <a:schemeClr val="lt1"/>
+            </a:fontRef>
+          </p:style>
+          <p:txBody>
+            <a:bodyPr rtlCol="0" anchor="ctr"/>
+            <a:lstStyle/>
+            <a:p>
+              <a:pPr algn="ctr"/>
+              <a:endParaRPr lang="ko-KR" altLang="en-US"/>
+            </a:p>
+          </p:txBody>
+        </p:sp>
+        <p:sp>
+          <p:nvSpPr>
+            <p:cNvPr id="17" name="직사각형 16"/>
+            <p:cNvSpPr/>
+            <p:nvPr/>
+          </p:nvSpPr>
+          <p:spPr>
+            <a:xfrm>
+              <a:off x="1632464" y="5877272"/>
+              <a:ext cx="108012" cy="980728"/>
+            </a:xfrm>
+            <a:prstGeom prst="rect">
+              <a:avLst/>
+            </a:prstGeom>
+            <a:solidFill>
+              <a:schemeClr val="tx1">
+                <a:lumMod val="85000"/>
+                <a:lumOff val="15000"/>
+              </a:schemeClr>
+            </a:solidFill>
+            <a:ln>
+              <a:noFill/>
+            </a:ln>
+          </p:spPr>
+          <p:style>
+            <a:lnRef idx="2">
+              <a:schemeClr val="accent1">
+                <a:shade val="50000"/>
+              </a:schemeClr>
+            </a:lnRef>
+            <a:fillRef idx="1">
+              <a:schemeClr val="accent1"/>
+            </a:fillRef>
+            <a:effectRef idx="0">
+              <a:schemeClr val="accent1"/>
+            </a:effectRef>
+            <a:fontRef idx="minor">
+              <a:schemeClr val="lt1"/>
+            </a:fontRef>
+          </p:style>
+          <p:txBody>
+            <a:bodyPr rtlCol="0" anchor="ctr"/>
+            <a:lstStyle/>
+            <a:p>
+              <a:pPr algn="ctr"/>
+              <a:endParaRPr lang="ko-KR" altLang="en-US"/>
+            </a:p>
+          </p:txBody>
+        </p:sp>
+      </p:grpSp>
+      <p:sp>
+        <p:nvSpPr>
+          <p:cNvPr id="21" name="모서리가 둥근 직사각형 20"/>
+          <p:cNvSpPr/>
+          <p:nvPr/>
+        </p:nvSpPr>
+        <p:spPr>
+          <a:xfrm>
+            <a:off x="286622" y="229501"/>
+            <a:ext cx="5616624" cy="521723"/>
+          </a:xfrm>
+          <a:prstGeom prst="roundRect">
+            <a:avLst>
+              <a:gd name="adj" fmla="val 50000"/>
+            </a:avLst>
+          </a:prstGeom>
+          <a:solidFill>
+            <a:schemeClr val="bg1">
+              <a:lumMod val="95000"/>
+            </a:schemeClr>
+          </a:solidFill>
+          <a:ln>
+            <a:solidFill>
+              <a:schemeClr val="tx1">
+                <a:lumMod val="85000"/>
+                <a:lumOff val="15000"/>
+              </a:schemeClr>
+            </a:solidFill>
+          </a:ln>
+          <a:scene3d>
+            <a:camera prst="obliqueTopLeft"/>
+            <a:lightRig rig="threePt" dir="t"/>
+          </a:scene3d>
+        </p:spPr>
+        <p:style>
+          <a:lnRef idx="2">
+            <a:schemeClr val="accent1">
+              <a:shade val="50000"/>
+            </a:schemeClr>
+          </a:lnRef>
+          <a:fillRef idx="1">
+            <a:schemeClr val="accent1"/>
+          </a:fillRef>
+          <a:effectRef idx="0">
+            <a:schemeClr val="accent1"/>
+          </a:effectRef>
+          <a:fontRef idx="minor">
+            <a:schemeClr val="lt1"/>
+          </a:fontRef>
+        </p:style>
+        <p:txBody>
+          <a:bodyPr rtlCol="0" anchor="ctr"/>
+          <a:lstStyle/>
+          <a:p>
+            <a:r>
+              <a:rPr lang="en-US" altLang="ko-KR" b="1" dirty="0">
+                <a:solidFill>
+                  <a:schemeClr val="tx1">
+                    <a:lumMod val="85000"/>
+                    <a:lumOff val="15000"/>
+                  </a:schemeClr>
+                </a:solidFill>
+                <a:latin typeface="여기어때 잘난체 OTF" panose="020B0600000101010101" pitchFamily="34" charset="-127"/>
+                <a:ea typeface="여기어때 잘난체 OTF" panose="020B0600000101010101" pitchFamily="34" charset="-127"/>
+              </a:rPr>
+              <a:t>       </a:t>
+            </a:r>
+            <a:r>
+              <a:rPr lang="ko-KR" altLang="en-US" b="1" dirty="0">
+                <a:solidFill>
+                  <a:schemeClr val="tx1">
+                    <a:lumMod val="85000"/>
+                    <a:lumOff val="15000"/>
+                  </a:schemeClr>
+                </a:solidFill>
+                <a:latin typeface="여기어때 잘난체 OTF" panose="020B0600000101010101" pitchFamily="34" charset="-127"/>
+                <a:ea typeface="여기어때 잘난체 OTF" panose="020B0600000101010101" pitchFamily="34" charset="-127"/>
+              </a:rPr>
+              <a:t>제목을 입력해 주세요</a:t>
+            </a:r>
+          </a:p>
+        </p:txBody>
+      </p:sp>
+      <p:grpSp>
+        <p:nvGrpSpPr>
+          <p:cNvPr id="22" name="그룹 21"/>
+          <p:cNvGrpSpPr/>
+          <p:nvPr/>
+        </p:nvGrpSpPr>
+        <p:grpSpPr>
+          <a:xfrm>
+            <a:off x="403826" y="6177650"/>
+            <a:ext cx="379971" cy="379971"/>
+            <a:chOff x="7164288" y="2924944"/>
+            <a:chExt cx="1368152" cy="1368152"/>
+          </a:xfrm>
+        </p:grpSpPr>
+        <p:sp>
+          <p:nvSpPr>
+            <p:cNvPr id="23" name="타원 22"/>
+            <p:cNvSpPr/>
+            <p:nvPr/>
+          </p:nvSpPr>
+          <p:spPr>
+            <a:xfrm>
+              <a:off x="7164288" y="2924944"/>
+              <a:ext cx="1368152" cy="1368152"/>
+            </a:xfrm>
+            <a:prstGeom prst="ellipse">
+              <a:avLst/>
+            </a:prstGeom>
+            <a:solidFill>
+              <a:schemeClr val="bg1">
+                <a:lumMod val="95000"/>
+              </a:schemeClr>
+            </a:solidFill>
+            <a:ln>
+              <a:noFill/>
+            </a:ln>
+          </p:spPr>
+          <p:style>
+            <a:lnRef idx="2">
+              <a:schemeClr val="accent1">
+                <a:shade val="50000"/>
+              </a:schemeClr>
+            </a:lnRef>
+            <a:fillRef idx="1">
+              <a:schemeClr val="accent1"/>
+            </a:fillRef>
+            <a:effectRef idx="0">
+              <a:schemeClr val="accent1"/>
+            </a:effectRef>
+            <a:fontRef idx="minor">
+              <a:schemeClr val="lt1"/>
+            </a:fontRef>
+          </p:style>
+          <p:txBody>
+            <a:bodyPr rtlCol="0" anchor="ctr"/>
+            <a:lstStyle/>
+            <a:p>
+              <a:pPr algn="ctr"/>
+              <a:endParaRPr lang="ko-KR" altLang="en-US"/>
+            </a:p>
+          </p:txBody>
+        </p:sp>
+        <p:sp>
+          <p:nvSpPr>
+            <p:cNvPr id="24" name="이등변 삼각형 23"/>
+            <p:cNvSpPr/>
+            <p:nvPr/>
+          </p:nvSpPr>
+          <p:spPr>
+            <a:xfrm rot="5400000">
+              <a:off x="7628616" y="3360717"/>
+              <a:ext cx="576064" cy="496607"/>
+            </a:xfrm>
+            <a:prstGeom prst="triangle">
+              <a:avLst/>
+            </a:prstGeom>
+            <a:solidFill>
+              <a:schemeClr val="tx1">
+                <a:lumMod val="85000"/>
+                <a:lumOff val="15000"/>
+              </a:schemeClr>
+            </a:solidFill>
+            <a:ln>
+              <a:noFill/>
+            </a:ln>
+          </p:spPr>
+          <p:style>
+            <a:lnRef idx="2">
+              <a:schemeClr val="accent1">
+                <a:shade val="50000"/>
+              </a:schemeClr>
+            </a:lnRef>
+            <a:fillRef idx="1">
+              <a:schemeClr val="accent1"/>
+            </a:fillRef>
+            <a:effectRef idx="0">
+              <a:schemeClr val="accent1"/>
+            </a:effectRef>
+            <a:fontRef idx="minor">
+              <a:schemeClr val="lt1"/>
+            </a:fontRef>
+          </p:style>
+          <p:txBody>
+            <a:bodyPr rtlCol="0" anchor="ctr"/>
+            <a:lstStyle/>
+            <a:p>
+              <a:pPr algn="ctr"/>
+              <a:endParaRPr lang="ko-KR" altLang="en-US"/>
+            </a:p>
+          </p:txBody>
+        </p:sp>
+      </p:grpSp>
+      <p:sp>
+        <p:nvSpPr>
+          <p:cNvPr id="25" name="타원 24"/>
+          <p:cNvSpPr/>
+          <p:nvPr/>
+        </p:nvSpPr>
+        <p:spPr>
+          <a:xfrm>
+            <a:off x="385022" y="304496"/>
+            <a:ext cx="365297" cy="365297"/>
+          </a:xfrm>
+          <a:prstGeom prst="ellipse">
+            <a:avLst/>
+          </a:prstGeom>
+          <a:noFill/>
+          <a:ln>
+            <a:solidFill>
+              <a:schemeClr val="tx1">
+                <a:lumMod val="85000"/>
+                <a:lumOff val="15000"/>
+              </a:schemeClr>
+            </a:solidFill>
+          </a:ln>
+        </p:spPr>
+        <p:style>
+          <a:lnRef idx="2">
+            <a:schemeClr val="accent1">
+              <a:shade val="50000"/>
+            </a:schemeClr>
+          </a:lnRef>
+          <a:fillRef idx="1">
+            <a:schemeClr val="accent1"/>
+          </a:fillRef>
+          <a:effectRef idx="0">
+            <a:schemeClr val="accent1"/>
+          </a:effectRef>
+          <a:fontRef idx="minor">
+            <a:schemeClr val="lt1"/>
+          </a:fontRef>
+        </p:style>
+        <p:txBody>
+          <a:bodyPr rtlCol="0" anchor="ctr"/>
+          <a:lstStyle/>
+          <a:p>
+            <a:pPr algn="ctr"/>
+            <a:r>
+              <a:rPr lang="en-US" altLang="ko-KR" dirty="0">
+                <a:solidFill>
+                  <a:schemeClr val="tx1">
+                    <a:lumMod val="85000"/>
+                    <a:lumOff val="15000"/>
+                  </a:schemeClr>
+                </a:solidFill>
+                <a:latin typeface="여기어때 잘난체 OTF" panose="020B0600000101010101" pitchFamily="34" charset="-127"/>
+                <a:ea typeface="여기어때 잘난체 OTF" panose="020B0600000101010101" pitchFamily="34" charset="-127"/>
+                <a:cs typeface="Open Sans Extrabold" panose="020B0906030804020204" pitchFamily="34" charset="0"/>
+              </a:rPr>
+              <a:t>4</a:t>
+            </a:r>
+            <a:endParaRPr lang="ko-KR" altLang="en-US" dirty="0">
+              <a:solidFill>
+                <a:schemeClr val="tx1">
+                  <a:lumMod val="85000"/>
+                  <a:lumOff val="15000"/>
+                </a:schemeClr>
+              </a:solidFill>
+              <a:latin typeface="여기어때 잘난체 OTF" panose="020B0600000101010101" pitchFamily="34" charset="-127"/>
+              <a:ea typeface="여기어때 잘난체 OTF" panose="020B0600000101010101" pitchFamily="34" charset="-127"/>
+              <a:cs typeface="Open Sans Extrabold" panose="020B0906030804020204" pitchFamily="34" charset="0"/>
+            </a:endParaRPr>
+          </a:p>
+        </p:txBody>
+      </p:sp>
+    </p:spTree>
+    <p:extLst>
+      <p:ext uri="{BB962C8B-B14F-4D97-AF65-F5344CB8AC3E}">
+        <p14:creationId xmlns:p14="http://schemas.microsoft.com/office/powerpoint/2010/main" val="430816450"/>
+      </p:ext>
+    </p:extLst>
+  </p:cSld>
+  <p:clrMapOvr>
+    <a:masterClrMapping/>
+  </p:clrMapOvr>
+  <p:transition spd="slow" advTm="3000">
+    <p:push dir="u"/>
+  </p:transition>
+</p:sld>
+</file>
+
+<file path=ppt/slides/slide12.xml><?xml version="1.0" encoding="utf-8"?>
+<p:sld xmlns:a="http://schemas.openxmlformats.org/drawingml/2006/main" xmlns:r="http://schemas.openxmlformats.org/officeDocument/2006/relationships" xmlns:p="http://schemas.openxmlformats.org/presentationml/2006/main">
+  <p:cSld>
+    <p:spTree>
+      <p:nvGrpSpPr>
+        <p:cNvPr id="1" name=""/>
+        <p:cNvGrpSpPr/>
+        <p:nvPr/>
+      </p:nvGrpSpPr>
+      <p:grpSpPr>
+        <a:xfrm>
+          <a:off x="0" y="0"/>
+          <a:ext cx="0" cy="0"/>
+          <a:chOff x="0" y="0"/>
+          <a:chExt cx="0" cy="0"/>
+        </a:xfrm>
+      </p:grpSpPr>
+      <p:pic>
+        <p:nvPicPr>
+          <p:cNvPr id="63" name="그림 62"/>
+          <p:cNvPicPr>
+            <a:picLocks noChangeAspect="1"/>
+          </p:cNvPicPr>
+          <p:nvPr/>
+        </p:nvPicPr>
+        <p:blipFill>
+          <a:blip r:embed="rId2">
+            <a:extLst>
+              <a:ext uri="{28A0092B-C50C-407E-A947-70E740481C1C}">
+                <a14:useLocalDpi xmlns:a14="http://schemas.microsoft.com/office/drawing/2010/main" val="0"/>
+              </a:ext>
+            </a:extLst>
+          </a:blip>
+          <a:stretch>
+            <a:fillRect/>
+          </a:stretch>
+        </p:blipFill>
+        <p:spPr>
+          <a:xfrm>
+            <a:off x="-12824" y="742"/>
+            <a:ext cx="9156824" cy="6858000"/>
+          </a:xfrm>
+          <a:prstGeom prst="rect">
+            <a:avLst/>
+          </a:prstGeom>
+        </p:spPr>
+      </p:pic>
+      <p:grpSp>
+        <p:nvGrpSpPr>
+          <p:cNvPr id="36" name="그룹 35"/>
+          <p:cNvGrpSpPr/>
+          <p:nvPr/>
+        </p:nvGrpSpPr>
+        <p:grpSpPr>
+          <a:xfrm>
+            <a:off x="3832684" y="1210430"/>
+            <a:ext cx="1452984" cy="1452984"/>
+            <a:chOff x="3832684" y="1196752"/>
+            <a:chExt cx="1452984" cy="1452984"/>
+          </a:xfrm>
+          <a:solidFill>
+            <a:schemeClr val="tx1">
+              <a:lumMod val="95000"/>
+              <a:lumOff val="5000"/>
+            </a:schemeClr>
+          </a:solidFill>
+        </p:grpSpPr>
+        <p:sp>
+          <p:nvSpPr>
+            <p:cNvPr id="37" name="타원 36"/>
+            <p:cNvSpPr/>
+            <p:nvPr/>
+          </p:nvSpPr>
+          <p:spPr>
+            <a:xfrm>
+              <a:off x="3832684" y="1196752"/>
+              <a:ext cx="1452984" cy="1452984"/>
+            </a:xfrm>
+            <a:prstGeom prst="ellipse">
+              <a:avLst/>
+            </a:prstGeom>
+            <a:grpFill/>
+            <a:ln>
+              <a:noFill/>
+            </a:ln>
+          </p:spPr>
+          <p:style>
+            <a:lnRef idx="2">
+              <a:schemeClr val="accent1">
+                <a:shade val="50000"/>
+              </a:schemeClr>
+            </a:lnRef>
+            <a:fillRef idx="1">
+              <a:schemeClr val="accent1"/>
+            </a:fillRef>
+            <a:effectRef idx="0">
+              <a:schemeClr val="accent1"/>
+            </a:effectRef>
+            <a:fontRef idx="minor">
+              <a:schemeClr val="lt1"/>
+            </a:fontRef>
+          </p:style>
+          <p:txBody>
+            <a:bodyPr rtlCol="0" anchor="ctr"/>
+            <a:lstStyle/>
+            <a:p>
+              <a:pPr algn="ctr"/>
+              <a:endParaRPr lang="ko-KR" altLang="en-US">
+                <a:latin typeface="여기어때 잘난체 OTF" panose="020B0600000101010101" pitchFamily="34" charset="-127"/>
+                <a:ea typeface="여기어때 잘난체 OTF" panose="020B0600000101010101" pitchFamily="34" charset="-127"/>
+              </a:endParaRPr>
+            </a:p>
+          </p:txBody>
+        </p:sp>
+        <p:grpSp>
+          <p:nvGrpSpPr>
+            <p:cNvPr id="38" name="그룹 37"/>
+            <p:cNvGrpSpPr/>
+            <p:nvPr/>
+          </p:nvGrpSpPr>
+          <p:grpSpPr>
+            <a:xfrm>
+              <a:off x="4444752" y="1340768"/>
+              <a:ext cx="228848" cy="1164952"/>
+              <a:chOff x="4444752" y="1340768"/>
+              <a:chExt cx="228848" cy="1164952"/>
+            </a:xfrm>
+            <a:grpFill/>
+          </p:grpSpPr>
+          <p:sp>
+            <p:nvSpPr>
+              <p:cNvPr id="45" name="타원 44"/>
+              <p:cNvSpPr/>
+              <p:nvPr/>
+            </p:nvSpPr>
+            <p:spPr>
+              <a:xfrm>
+                <a:off x="4444752" y="1340768"/>
+                <a:ext cx="228848" cy="228848"/>
+              </a:xfrm>
+              <a:prstGeom prst="ellipse">
+                <a:avLst/>
+              </a:prstGeom>
+              <a:solidFill>
+                <a:schemeClr val="bg1"/>
+              </a:solidFill>
+              <a:ln>
+                <a:noFill/>
+              </a:ln>
+            </p:spPr>
+            <p:style>
+              <a:lnRef idx="2">
+                <a:schemeClr val="accent1">
+                  <a:shade val="50000"/>
+                </a:schemeClr>
+              </a:lnRef>
+              <a:fillRef idx="1">
+                <a:schemeClr val="accent1"/>
+              </a:fillRef>
+              <a:effectRef idx="0">
+                <a:schemeClr val="accent1"/>
+              </a:effectRef>
+              <a:fontRef idx="minor">
+                <a:schemeClr val="lt1"/>
+              </a:fontRef>
+            </p:style>
+            <p:txBody>
+              <a:bodyPr rtlCol="0" anchor="ctr"/>
+              <a:lstStyle/>
+              <a:p>
+                <a:pPr algn="ctr"/>
+                <a:endParaRPr lang="ko-KR" altLang="en-US">
+                  <a:latin typeface="여기어때 잘난체 OTF" panose="020B0600000101010101" pitchFamily="34" charset="-127"/>
+                  <a:ea typeface="여기어때 잘난체 OTF" panose="020B0600000101010101" pitchFamily="34" charset="-127"/>
+                </a:endParaRPr>
+              </a:p>
+            </p:txBody>
+          </p:sp>
+          <p:sp>
+            <p:nvSpPr>
+              <p:cNvPr id="46" name="타원 45"/>
+              <p:cNvSpPr/>
+              <p:nvPr/>
+            </p:nvSpPr>
+            <p:spPr>
+              <a:xfrm>
+                <a:off x="4444752" y="2276872"/>
+                <a:ext cx="228848" cy="228848"/>
+              </a:xfrm>
+              <a:prstGeom prst="ellipse">
+                <a:avLst/>
+              </a:prstGeom>
+              <a:solidFill>
+                <a:schemeClr val="bg1"/>
+              </a:solidFill>
+              <a:ln>
+                <a:noFill/>
+              </a:ln>
+            </p:spPr>
+            <p:style>
+              <a:lnRef idx="2">
+                <a:schemeClr val="accent1">
+                  <a:shade val="50000"/>
+                </a:schemeClr>
+              </a:lnRef>
+              <a:fillRef idx="1">
+                <a:schemeClr val="accent1"/>
+              </a:fillRef>
+              <a:effectRef idx="0">
+                <a:schemeClr val="accent1"/>
+              </a:effectRef>
+              <a:fontRef idx="minor">
+                <a:schemeClr val="lt1"/>
+              </a:fontRef>
+            </p:style>
+            <p:txBody>
+              <a:bodyPr rtlCol="0" anchor="ctr"/>
+              <a:lstStyle/>
+              <a:p>
+                <a:pPr algn="ctr"/>
+                <a:endParaRPr lang="ko-KR" altLang="en-US">
+                  <a:latin typeface="여기어때 잘난체 OTF" panose="020B0600000101010101" pitchFamily="34" charset="-127"/>
+                  <a:ea typeface="여기어때 잘난체 OTF" panose="020B0600000101010101" pitchFamily="34" charset="-127"/>
+                </a:endParaRPr>
+              </a:p>
+            </p:txBody>
+          </p:sp>
+        </p:grpSp>
+        <p:grpSp>
+          <p:nvGrpSpPr>
+            <p:cNvPr id="39" name="그룹 38"/>
+            <p:cNvGrpSpPr/>
+            <p:nvPr/>
+          </p:nvGrpSpPr>
+          <p:grpSpPr>
+            <a:xfrm rot="3600000">
+              <a:off x="4444752" y="1340768"/>
+              <a:ext cx="228848" cy="1164952"/>
+              <a:chOff x="4444752" y="1340768"/>
+              <a:chExt cx="228848" cy="1164952"/>
+            </a:xfrm>
+            <a:grpFill/>
+          </p:grpSpPr>
+          <p:sp>
+            <p:nvSpPr>
+              <p:cNvPr id="43" name="타원 42"/>
+              <p:cNvSpPr/>
+              <p:nvPr/>
+            </p:nvSpPr>
+            <p:spPr>
+              <a:xfrm>
+                <a:off x="4444752" y="1340768"/>
+                <a:ext cx="228848" cy="228848"/>
+              </a:xfrm>
+              <a:prstGeom prst="ellipse">
+                <a:avLst/>
+              </a:prstGeom>
+              <a:solidFill>
+                <a:schemeClr val="bg1"/>
+              </a:solidFill>
+              <a:ln>
+                <a:noFill/>
+              </a:ln>
+            </p:spPr>
+            <p:style>
+              <a:lnRef idx="2">
+                <a:schemeClr val="accent1">
+                  <a:shade val="50000"/>
+                </a:schemeClr>
+              </a:lnRef>
+              <a:fillRef idx="1">
+                <a:schemeClr val="accent1"/>
+              </a:fillRef>
+              <a:effectRef idx="0">
+                <a:schemeClr val="accent1"/>
+              </a:effectRef>
+              <a:fontRef idx="minor">
+                <a:schemeClr val="lt1"/>
+              </a:fontRef>
+            </p:style>
+            <p:txBody>
+              <a:bodyPr rtlCol="0" anchor="ctr"/>
+              <a:lstStyle/>
+              <a:p>
+                <a:pPr algn="ctr"/>
+                <a:endParaRPr lang="ko-KR" altLang="en-US">
+                  <a:latin typeface="여기어때 잘난체 OTF" panose="020B0600000101010101" pitchFamily="34" charset="-127"/>
+                  <a:ea typeface="여기어때 잘난체 OTF" panose="020B0600000101010101" pitchFamily="34" charset="-127"/>
+                </a:endParaRPr>
+              </a:p>
+            </p:txBody>
+          </p:sp>
+          <p:sp>
+            <p:nvSpPr>
+              <p:cNvPr id="44" name="타원 43"/>
+              <p:cNvSpPr/>
+              <p:nvPr/>
+            </p:nvSpPr>
+            <p:spPr>
+              <a:xfrm>
+                <a:off x="4444752" y="2276872"/>
+                <a:ext cx="228848" cy="228848"/>
+              </a:xfrm>
+              <a:prstGeom prst="ellipse">
+                <a:avLst/>
+              </a:prstGeom>
+              <a:solidFill>
+                <a:schemeClr val="bg1"/>
+              </a:solidFill>
+              <a:ln>
+                <a:noFill/>
+              </a:ln>
+            </p:spPr>
+            <p:style>
+              <a:lnRef idx="2">
+                <a:schemeClr val="accent1">
+                  <a:shade val="50000"/>
+                </a:schemeClr>
+              </a:lnRef>
+              <a:fillRef idx="1">
+                <a:schemeClr val="accent1"/>
+              </a:fillRef>
+              <a:effectRef idx="0">
+                <a:schemeClr val="accent1"/>
+              </a:effectRef>
+              <a:fontRef idx="minor">
+                <a:schemeClr val="lt1"/>
+              </a:fontRef>
+            </p:style>
+            <p:txBody>
+              <a:bodyPr rtlCol="0" anchor="ctr"/>
+              <a:lstStyle/>
+              <a:p>
+                <a:pPr algn="ctr"/>
+                <a:endParaRPr lang="ko-KR" altLang="en-US">
+                  <a:latin typeface="여기어때 잘난체 OTF" panose="020B0600000101010101" pitchFamily="34" charset="-127"/>
+                  <a:ea typeface="여기어때 잘난체 OTF" panose="020B0600000101010101" pitchFamily="34" charset="-127"/>
+                </a:endParaRPr>
+              </a:p>
+            </p:txBody>
+          </p:sp>
+        </p:grpSp>
+        <p:grpSp>
+          <p:nvGrpSpPr>
+            <p:cNvPr id="40" name="그룹 39"/>
+            <p:cNvGrpSpPr/>
+            <p:nvPr/>
+          </p:nvGrpSpPr>
+          <p:grpSpPr>
+            <a:xfrm rot="7200000">
+              <a:off x="4444752" y="1340768"/>
+              <a:ext cx="228848" cy="1164952"/>
+              <a:chOff x="4444752" y="1340768"/>
+              <a:chExt cx="228848" cy="1164952"/>
+            </a:xfrm>
+            <a:grpFill/>
+          </p:grpSpPr>
+          <p:sp>
+            <p:nvSpPr>
+              <p:cNvPr id="41" name="타원 40"/>
+              <p:cNvSpPr/>
+              <p:nvPr/>
+            </p:nvSpPr>
+            <p:spPr>
+              <a:xfrm>
+                <a:off x="4444752" y="1340768"/>
+                <a:ext cx="228848" cy="228848"/>
+              </a:xfrm>
+              <a:prstGeom prst="ellipse">
+                <a:avLst/>
+              </a:prstGeom>
+              <a:solidFill>
+                <a:schemeClr val="bg1"/>
+              </a:solidFill>
+              <a:ln>
+                <a:noFill/>
+              </a:ln>
+            </p:spPr>
+            <p:style>
+              <a:lnRef idx="2">
+                <a:schemeClr val="accent1">
+                  <a:shade val="50000"/>
+                </a:schemeClr>
+              </a:lnRef>
+              <a:fillRef idx="1">
+                <a:schemeClr val="accent1"/>
+              </a:fillRef>
+              <a:effectRef idx="0">
+                <a:schemeClr val="accent1"/>
+              </a:effectRef>
+              <a:fontRef idx="minor">
+                <a:schemeClr val="lt1"/>
+              </a:fontRef>
+            </p:style>
+            <p:txBody>
+              <a:bodyPr rtlCol="0" anchor="ctr"/>
+              <a:lstStyle/>
+              <a:p>
+                <a:pPr algn="ctr"/>
+                <a:endParaRPr lang="ko-KR" altLang="en-US">
+                  <a:latin typeface="여기어때 잘난체 OTF" panose="020B0600000101010101" pitchFamily="34" charset="-127"/>
+                  <a:ea typeface="여기어때 잘난체 OTF" panose="020B0600000101010101" pitchFamily="34" charset="-127"/>
+                </a:endParaRPr>
+              </a:p>
+            </p:txBody>
+          </p:sp>
+          <p:sp>
+            <p:nvSpPr>
+              <p:cNvPr id="42" name="타원 41"/>
+              <p:cNvSpPr/>
+              <p:nvPr/>
+            </p:nvSpPr>
+            <p:spPr>
+              <a:xfrm>
+                <a:off x="4444752" y="2276872"/>
+                <a:ext cx="228848" cy="228848"/>
+              </a:xfrm>
+              <a:prstGeom prst="ellipse">
+                <a:avLst/>
+              </a:prstGeom>
+              <a:solidFill>
+                <a:schemeClr val="bg1"/>
+              </a:solidFill>
+              <a:ln>
+                <a:noFill/>
+              </a:ln>
+            </p:spPr>
+            <p:style>
+              <a:lnRef idx="2">
+                <a:schemeClr val="accent1">
+                  <a:shade val="50000"/>
+                </a:schemeClr>
+              </a:lnRef>
+              <a:fillRef idx="1">
+                <a:schemeClr val="accent1"/>
+              </a:fillRef>
+              <a:effectRef idx="0">
+                <a:schemeClr val="accent1"/>
+              </a:effectRef>
+              <a:fontRef idx="minor">
+                <a:schemeClr val="lt1"/>
+              </a:fontRef>
+            </p:style>
+            <p:txBody>
+              <a:bodyPr rtlCol="0" anchor="ctr"/>
+              <a:lstStyle/>
+              <a:p>
+                <a:pPr algn="ctr"/>
+                <a:endParaRPr lang="ko-KR" altLang="en-US">
+                  <a:latin typeface="여기어때 잘난체 OTF" panose="020B0600000101010101" pitchFamily="34" charset="-127"/>
+                  <a:ea typeface="여기어때 잘난체 OTF" panose="020B0600000101010101" pitchFamily="34" charset="-127"/>
+                </a:endParaRPr>
+              </a:p>
+            </p:txBody>
+          </p:sp>
+        </p:grpSp>
+      </p:grpSp>
+      <p:sp>
+        <p:nvSpPr>
+          <p:cNvPr id="24" name="TextBox 23"/>
+          <p:cNvSpPr txBox="1"/>
+          <p:nvPr/>
+        </p:nvSpPr>
+        <p:spPr>
+          <a:xfrm>
+            <a:off x="3318334" y="3056947"/>
+            <a:ext cx="4188967" cy="523220"/>
+          </a:xfrm>
+          <a:prstGeom prst="rect">
+            <a:avLst/>
+          </a:prstGeom>
+          <a:noFill/>
+        </p:spPr>
+        <p:txBody>
+          <a:bodyPr wrap="none" rtlCol="0">
+            <a:spAutoFit/>
+          </a:bodyPr>
+          <a:lstStyle/>
+          <a:p>
+            <a:r>
+              <a:rPr lang="en-US" altLang="ko-KR" sz="2800" b="1" dirty="0">
+                <a:latin typeface="여기어때 잘난체 OTF" panose="020B0600000101010101" pitchFamily="34" charset="-127"/>
+                <a:ea typeface="여기어때 잘난체 OTF" panose="020B0600000101010101" pitchFamily="34" charset="-127"/>
+                <a:cs typeface="Open Sans Extrabold" panose="020B0906030804020204" pitchFamily="34" charset="0"/>
+              </a:rPr>
+              <a:t>QUESTION &amp; ANSWER</a:t>
+            </a:r>
+            <a:endParaRPr lang="ko-KR" altLang="en-US" sz="2800" b="1" dirty="0">
+              <a:latin typeface="여기어때 잘난체 OTF" panose="020B0600000101010101" pitchFamily="34" charset="-127"/>
+              <a:ea typeface="여기어때 잘난체 OTF" panose="020B0600000101010101" pitchFamily="34" charset="-127"/>
+              <a:cs typeface="Open Sans Extrabold" panose="020B0906030804020204" pitchFamily="34" charset="0"/>
+            </a:endParaRPr>
+          </a:p>
+        </p:txBody>
+      </p:sp>
+      <p:grpSp>
+        <p:nvGrpSpPr>
+          <p:cNvPr id="47" name="그룹 46"/>
+          <p:cNvGrpSpPr/>
+          <p:nvPr/>
+        </p:nvGrpSpPr>
+        <p:grpSpPr>
+          <a:xfrm>
+            <a:off x="1828095" y="1583294"/>
+            <a:ext cx="1206759" cy="1206759"/>
+            <a:chOff x="3832684" y="1196752"/>
+            <a:chExt cx="1452984" cy="1452984"/>
+          </a:xfrm>
+          <a:solidFill>
+            <a:schemeClr val="tx1">
+              <a:lumMod val="95000"/>
+              <a:lumOff val="5000"/>
+            </a:schemeClr>
+          </a:solidFill>
+        </p:grpSpPr>
+        <p:sp>
+          <p:nvSpPr>
+            <p:cNvPr id="48" name="타원 47"/>
+            <p:cNvSpPr/>
+            <p:nvPr/>
+          </p:nvSpPr>
+          <p:spPr>
+            <a:xfrm>
+              <a:off x="3832684" y="1196752"/>
+              <a:ext cx="1452984" cy="1452984"/>
+            </a:xfrm>
+            <a:prstGeom prst="ellipse">
+              <a:avLst/>
+            </a:prstGeom>
+            <a:grpFill/>
+            <a:ln>
+              <a:noFill/>
+            </a:ln>
+          </p:spPr>
+          <p:style>
+            <a:lnRef idx="2">
+              <a:schemeClr val="accent1">
+                <a:shade val="50000"/>
+              </a:schemeClr>
+            </a:lnRef>
+            <a:fillRef idx="1">
+              <a:schemeClr val="accent1"/>
+            </a:fillRef>
+            <a:effectRef idx="0">
+              <a:schemeClr val="accent1"/>
+            </a:effectRef>
+            <a:fontRef idx="minor">
+              <a:schemeClr val="lt1"/>
+            </a:fontRef>
+          </p:style>
+          <p:txBody>
+            <a:bodyPr rtlCol="0" anchor="ctr"/>
+            <a:lstStyle/>
+            <a:p>
+              <a:pPr algn="ctr"/>
+              <a:endParaRPr lang="ko-KR" altLang="en-US">
+                <a:latin typeface="여기어때 잘난체 OTF" panose="020B0600000101010101" pitchFamily="34" charset="-127"/>
+                <a:ea typeface="여기어때 잘난체 OTF" panose="020B0600000101010101" pitchFamily="34" charset="-127"/>
+              </a:endParaRPr>
+            </a:p>
+          </p:txBody>
+        </p:sp>
+        <p:grpSp>
+          <p:nvGrpSpPr>
+            <p:cNvPr id="49" name="그룹 48"/>
+            <p:cNvGrpSpPr/>
+            <p:nvPr/>
+          </p:nvGrpSpPr>
+          <p:grpSpPr>
+            <a:xfrm>
+              <a:off x="4444752" y="1340768"/>
+              <a:ext cx="228848" cy="1164952"/>
+              <a:chOff x="4444752" y="1340768"/>
+              <a:chExt cx="228848" cy="1164952"/>
+            </a:xfrm>
+            <a:grpFill/>
+          </p:grpSpPr>
+          <p:sp>
+            <p:nvSpPr>
+              <p:cNvPr id="56" name="타원 55"/>
+              <p:cNvSpPr/>
+              <p:nvPr/>
+            </p:nvSpPr>
+            <p:spPr>
+              <a:xfrm>
+                <a:off x="4444752" y="1340768"/>
+                <a:ext cx="228848" cy="228848"/>
+              </a:xfrm>
+              <a:prstGeom prst="ellipse">
+                <a:avLst/>
+              </a:prstGeom>
+              <a:solidFill>
+                <a:schemeClr val="bg1"/>
+              </a:solidFill>
+              <a:ln>
+                <a:noFill/>
+              </a:ln>
+            </p:spPr>
+            <p:style>
+              <a:lnRef idx="2">
+                <a:schemeClr val="accent1">
+                  <a:shade val="50000"/>
+                </a:schemeClr>
+              </a:lnRef>
+              <a:fillRef idx="1">
+                <a:schemeClr val="accent1"/>
+              </a:fillRef>
+              <a:effectRef idx="0">
+                <a:schemeClr val="accent1"/>
+              </a:effectRef>
+              <a:fontRef idx="minor">
+                <a:schemeClr val="lt1"/>
+              </a:fontRef>
+            </p:style>
+            <p:txBody>
+              <a:bodyPr rtlCol="0" anchor="ctr"/>
+              <a:lstStyle/>
+              <a:p>
+                <a:pPr algn="ctr"/>
+                <a:endParaRPr lang="ko-KR" altLang="en-US">
+                  <a:latin typeface="여기어때 잘난체 OTF" panose="020B0600000101010101" pitchFamily="34" charset="-127"/>
+                  <a:ea typeface="여기어때 잘난체 OTF" panose="020B0600000101010101" pitchFamily="34" charset="-127"/>
+                </a:endParaRPr>
+              </a:p>
+            </p:txBody>
+          </p:sp>
+          <p:sp>
+            <p:nvSpPr>
+              <p:cNvPr id="57" name="타원 56"/>
+              <p:cNvSpPr/>
+              <p:nvPr/>
+            </p:nvSpPr>
+            <p:spPr>
+              <a:xfrm>
+                <a:off x="4444752" y="2276872"/>
+                <a:ext cx="228848" cy="228848"/>
+              </a:xfrm>
+              <a:prstGeom prst="ellipse">
+                <a:avLst/>
+              </a:prstGeom>
+              <a:solidFill>
+                <a:schemeClr val="bg1"/>
+              </a:solidFill>
+              <a:ln>
+                <a:noFill/>
+              </a:ln>
+            </p:spPr>
+            <p:style>
+              <a:lnRef idx="2">
+                <a:schemeClr val="accent1">
+                  <a:shade val="50000"/>
+                </a:schemeClr>
+              </a:lnRef>
+              <a:fillRef idx="1">
+                <a:schemeClr val="accent1"/>
+              </a:fillRef>
+              <a:effectRef idx="0">
+                <a:schemeClr val="accent1"/>
+              </a:effectRef>
+              <a:fontRef idx="minor">
+                <a:schemeClr val="lt1"/>
+              </a:fontRef>
+            </p:style>
+            <p:txBody>
+              <a:bodyPr rtlCol="0" anchor="ctr"/>
+              <a:lstStyle/>
+              <a:p>
+                <a:pPr algn="ctr"/>
+                <a:endParaRPr lang="ko-KR" altLang="en-US">
+                  <a:latin typeface="여기어때 잘난체 OTF" panose="020B0600000101010101" pitchFamily="34" charset="-127"/>
+                  <a:ea typeface="여기어때 잘난체 OTF" panose="020B0600000101010101" pitchFamily="34" charset="-127"/>
+                </a:endParaRPr>
+              </a:p>
+            </p:txBody>
+          </p:sp>
+        </p:grpSp>
+        <p:grpSp>
+          <p:nvGrpSpPr>
+            <p:cNvPr id="50" name="그룹 49"/>
+            <p:cNvGrpSpPr/>
+            <p:nvPr/>
+          </p:nvGrpSpPr>
+          <p:grpSpPr>
+            <a:xfrm rot="3600000">
+              <a:off x="4444752" y="1340768"/>
+              <a:ext cx="228848" cy="1164952"/>
+              <a:chOff x="4444752" y="1340768"/>
+              <a:chExt cx="228848" cy="1164952"/>
+            </a:xfrm>
+            <a:grpFill/>
+          </p:grpSpPr>
+          <p:sp>
+            <p:nvSpPr>
+              <p:cNvPr id="54" name="타원 53"/>
+              <p:cNvSpPr/>
+              <p:nvPr/>
+            </p:nvSpPr>
+            <p:spPr>
+              <a:xfrm>
+                <a:off x="4444752" y="1340768"/>
+                <a:ext cx="228848" cy="228848"/>
+              </a:xfrm>
+              <a:prstGeom prst="ellipse">
+                <a:avLst/>
+              </a:prstGeom>
+              <a:solidFill>
+                <a:schemeClr val="bg1"/>
+              </a:solidFill>
+              <a:ln>
+                <a:noFill/>
+              </a:ln>
+            </p:spPr>
+            <p:style>
+              <a:lnRef idx="2">
+                <a:schemeClr val="accent1">
+                  <a:shade val="50000"/>
+                </a:schemeClr>
+              </a:lnRef>
+              <a:fillRef idx="1">
+                <a:schemeClr val="accent1"/>
+              </a:fillRef>
+              <a:effectRef idx="0">
+                <a:schemeClr val="accent1"/>
+              </a:effectRef>
+              <a:fontRef idx="minor">
+                <a:schemeClr val="lt1"/>
+              </a:fontRef>
+            </p:style>
+            <p:txBody>
+              <a:bodyPr rtlCol="0" anchor="ctr"/>
+              <a:lstStyle/>
+              <a:p>
+                <a:pPr algn="ctr"/>
+                <a:endParaRPr lang="ko-KR" altLang="en-US">
+                  <a:latin typeface="여기어때 잘난체 OTF" panose="020B0600000101010101" pitchFamily="34" charset="-127"/>
+                  <a:ea typeface="여기어때 잘난체 OTF" panose="020B0600000101010101" pitchFamily="34" charset="-127"/>
+                </a:endParaRPr>
+              </a:p>
+            </p:txBody>
+          </p:sp>
+          <p:sp>
+            <p:nvSpPr>
+              <p:cNvPr id="55" name="타원 54"/>
+              <p:cNvSpPr/>
+              <p:nvPr/>
+            </p:nvSpPr>
+            <p:spPr>
+              <a:xfrm>
+                <a:off x="4444752" y="2276872"/>
+                <a:ext cx="228848" cy="228848"/>
+              </a:xfrm>
+              <a:prstGeom prst="ellipse">
+                <a:avLst/>
+              </a:prstGeom>
+              <a:solidFill>
+                <a:schemeClr val="bg1"/>
+              </a:solidFill>
+              <a:ln>
+                <a:noFill/>
+              </a:ln>
+            </p:spPr>
+            <p:style>
+              <a:lnRef idx="2">
+                <a:schemeClr val="accent1">
+                  <a:shade val="50000"/>
+                </a:schemeClr>
+              </a:lnRef>
+              <a:fillRef idx="1">
+                <a:schemeClr val="accent1"/>
+              </a:fillRef>
+              <a:effectRef idx="0">
+                <a:schemeClr val="accent1"/>
+              </a:effectRef>
+              <a:fontRef idx="minor">
+                <a:schemeClr val="lt1"/>
+              </a:fontRef>
+            </p:style>
+            <p:txBody>
+              <a:bodyPr rtlCol="0" anchor="ctr"/>
+              <a:lstStyle/>
+              <a:p>
+                <a:pPr algn="ctr"/>
+                <a:endParaRPr lang="ko-KR" altLang="en-US">
+                  <a:latin typeface="여기어때 잘난체 OTF" panose="020B0600000101010101" pitchFamily="34" charset="-127"/>
+                  <a:ea typeface="여기어때 잘난체 OTF" panose="020B0600000101010101" pitchFamily="34" charset="-127"/>
+                </a:endParaRPr>
+              </a:p>
+            </p:txBody>
+          </p:sp>
+        </p:grpSp>
+        <p:grpSp>
+          <p:nvGrpSpPr>
+            <p:cNvPr id="51" name="그룹 50"/>
+            <p:cNvGrpSpPr/>
+            <p:nvPr/>
+          </p:nvGrpSpPr>
+          <p:grpSpPr>
+            <a:xfrm rot="7200000">
+              <a:off x="4444752" y="1340768"/>
+              <a:ext cx="228848" cy="1164952"/>
+              <a:chOff x="4444752" y="1340768"/>
+              <a:chExt cx="228848" cy="1164952"/>
+            </a:xfrm>
+            <a:grpFill/>
+          </p:grpSpPr>
+          <p:sp>
+            <p:nvSpPr>
+              <p:cNvPr id="52" name="타원 51"/>
+              <p:cNvSpPr/>
+              <p:nvPr/>
+            </p:nvSpPr>
+            <p:spPr>
+              <a:xfrm>
+                <a:off x="4444752" y="1340768"/>
+                <a:ext cx="228848" cy="228848"/>
+              </a:xfrm>
+              <a:prstGeom prst="ellipse">
+                <a:avLst/>
+              </a:prstGeom>
+              <a:solidFill>
+                <a:schemeClr val="bg1"/>
+              </a:solidFill>
+              <a:ln>
+                <a:noFill/>
+              </a:ln>
+            </p:spPr>
+            <p:style>
+              <a:lnRef idx="2">
+                <a:schemeClr val="accent1">
+                  <a:shade val="50000"/>
+                </a:schemeClr>
+              </a:lnRef>
+              <a:fillRef idx="1">
+                <a:schemeClr val="accent1"/>
+              </a:fillRef>
+              <a:effectRef idx="0">
+                <a:schemeClr val="accent1"/>
+              </a:effectRef>
+              <a:fontRef idx="minor">
+                <a:schemeClr val="lt1"/>
+              </a:fontRef>
+            </p:style>
+            <p:txBody>
+              <a:bodyPr rtlCol="0" anchor="ctr"/>
+              <a:lstStyle/>
+              <a:p>
+                <a:pPr algn="ctr"/>
+                <a:endParaRPr lang="ko-KR" altLang="en-US">
+                  <a:latin typeface="여기어때 잘난체 OTF" panose="020B0600000101010101" pitchFamily="34" charset="-127"/>
+                  <a:ea typeface="여기어때 잘난체 OTF" panose="020B0600000101010101" pitchFamily="34" charset="-127"/>
+                </a:endParaRPr>
+              </a:p>
+            </p:txBody>
+          </p:sp>
+          <p:sp>
+            <p:nvSpPr>
+              <p:cNvPr id="53" name="타원 52"/>
+              <p:cNvSpPr/>
+              <p:nvPr/>
+            </p:nvSpPr>
+            <p:spPr>
+              <a:xfrm>
+                <a:off x="4444752" y="2276872"/>
+                <a:ext cx="228848" cy="228848"/>
+              </a:xfrm>
+              <a:prstGeom prst="ellipse">
+                <a:avLst/>
+              </a:prstGeom>
+              <a:solidFill>
+                <a:schemeClr val="bg1"/>
+              </a:solidFill>
+              <a:ln>
+                <a:noFill/>
+              </a:ln>
+            </p:spPr>
+            <p:style>
+              <a:lnRef idx="2">
+                <a:schemeClr val="accent1">
+                  <a:shade val="50000"/>
+                </a:schemeClr>
+              </a:lnRef>
+              <a:fillRef idx="1">
+                <a:schemeClr val="accent1"/>
+              </a:fillRef>
+              <a:effectRef idx="0">
+                <a:schemeClr val="accent1"/>
+              </a:effectRef>
+              <a:fontRef idx="minor">
+                <a:schemeClr val="lt1"/>
+              </a:fontRef>
+            </p:style>
+            <p:txBody>
+              <a:bodyPr rtlCol="0" anchor="ctr"/>
+              <a:lstStyle/>
+              <a:p>
+                <a:pPr algn="ctr"/>
+                <a:endParaRPr lang="ko-KR" altLang="en-US">
+                  <a:latin typeface="여기어때 잘난체 OTF" panose="020B0600000101010101" pitchFamily="34" charset="-127"/>
+                  <a:ea typeface="여기어때 잘난체 OTF" panose="020B0600000101010101" pitchFamily="34" charset="-127"/>
+                </a:endParaRPr>
+              </a:p>
+            </p:txBody>
+          </p:sp>
+        </p:grpSp>
+      </p:grpSp>
+      <p:sp>
+        <p:nvSpPr>
+          <p:cNvPr id="62" name="TextBox 61">
+            <a:extLst>
+              <a:ext uri="{FF2B5EF4-FFF2-40B4-BE49-F238E27FC236}">
+                <a16:creationId xmlns="" xmlns:a16="http://schemas.microsoft.com/office/drawing/2014/main" id="{0FAB7FCF-396D-4D90-9838-5F8B97B7618D}"/>
+              </a:ext>
+            </a:extLst>
+          </p:cNvPr>
+          <p:cNvSpPr txBox="1"/>
+          <p:nvPr/>
+        </p:nvSpPr>
+        <p:spPr>
+          <a:xfrm>
+            <a:off x="3899423" y="3714443"/>
+            <a:ext cx="3026791" cy="276999"/>
+          </a:xfrm>
+          <a:prstGeom prst="rect">
+            <a:avLst/>
+          </a:prstGeom>
+          <a:noFill/>
+        </p:spPr>
+        <p:txBody>
+          <a:bodyPr wrap="none" rtlCol="0">
+            <a:spAutoFit/>
+          </a:bodyPr>
+          <a:lstStyle/>
+          <a:p>
+            <a:r>
+              <a:rPr lang="ko-KR" altLang="en-US" sz="1200" b="1" dirty="0">
+                <a:latin typeface="여기어때 잘난체 OTF" panose="020B0600000101010101" pitchFamily="34" charset="-127"/>
+                <a:ea typeface="여기어때 잘난체 OTF" panose="020B0600000101010101" pitchFamily="34" charset="-127"/>
+                <a:cs typeface="Open Sans Extrabold" panose="020B0906030804020204" pitchFamily="34" charset="0"/>
+              </a:rPr>
+              <a:t>질문이 있으시면</a:t>
+            </a:r>
+            <a:r>
+              <a:rPr lang="en-US" altLang="ko-KR" sz="1200" b="1" dirty="0">
+                <a:latin typeface="여기어때 잘난체 OTF" panose="020B0600000101010101" pitchFamily="34" charset="-127"/>
+                <a:ea typeface="여기어때 잘난체 OTF" panose="020B0600000101010101" pitchFamily="34" charset="-127"/>
+                <a:cs typeface="Open Sans Extrabold" panose="020B0906030804020204" pitchFamily="34" charset="0"/>
+              </a:rPr>
+              <a:t>, </a:t>
+            </a:r>
+            <a:r>
+              <a:rPr lang="ko-KR" altLang="en-US" sz="1200" b="1" dirty="0">
+                <a:latin typeface="여기어때 잘난체 OTF" panose="020B0600000101010101" pitchFamily="34" charset="-127"/>
+                <a:ea typeface="여기어때 잘난체 OTF" panose="020B0600000101010101" pitchFamily="34" charset="-127"/>
+                <a:cs typeface="Open Sans Extrabold" panose="020B0906030804020204" pitchFamily="34" charset="0"/>
+              </a:rPr>
+              <a:t>자유롭게 말씀해주세요</a:t>
+            </a:r>
+            <a:r>
+              <a:rPr lang="en-US" altLang="ko-KR" sz="1200" b="1" dirty="0">
+                <a:latin typeface="여기어때 잘난체 OTF" panose="020B0600000101010101" pitchFamily="34" charset="-127"/>
+                <a:ea typeface="여기어때 잘난체 OTF" panose="020B0600000101010101" pitchFamily="34" charset="-127"/>
+                <a:cs typeface="Open Sans Extrabold" panose="020B0906030804020204" pitchFamily="34" charset="0"/>
+              </a:rPr>
+              <a:t>!</a:t>
+            </a:r>
+            <a:endParaRPr lang="ko-KR" altLang="en-US" sz="1200" b="1" dirty="0">
+              <a:latin typeface="여기어때 잘난체 OTF" panose="020B0600000101010101" pitchFamily="34" charset="-127"/>
+              <a:ea typeface="여기어때 잘난체 OTF" panose="020B0600000101010101" pitchFamily="34" charset="-127"/>
+              <a:cs typeface="Open Sans Extrabold" panose="020B0906030804020204" pitchFamily="34" charset="0"/>
+            </a:endParaRPr>
+          </a:p>
+        </p:txBody>
+      </p:sp>
+    </p:spTree>
+    <p:extLst>
+      <p:ext uri="{BB962C8B-B14F-4D97-AF65-F5344CB8AC3E}">
+        <p14:creationId xmlns:p14="http://schemas.microsoft.com/office/powerpoint/2010/main" val="627660438"/>
+      </p:ext>
+    </p:extLst>
+  </p:cSld>
+  <p:clrMapOvr>
+    <a:masterClrMapping/>
+  </p:clrMapOvr>
+  <mc:AlternateContent xmlns:mc="http://schemas.openxmlformats.org/markup-compatibility/2006" xmlns:p14="http://schemas.microsoft.com/office/powerpoint/2010/main">
+    <mc:Choice Requires="p14">
+      <p:transition spd="slow" p14:dur="2000" advTm="8000">
+        <p:split orient="vert"/>
+      </p:transition>
+    </mc:Choice>
+    <mc:Fallback xmlns="">
+      <p:transition spd="slow" advTm="8000">
+        <p:split orient="vert"/>
+      </p:transition>
+    </mc:Fallback>
+  </mc:AlternateContent>
+  <p:timing>
+    <p:tnLst>
+      <p:par>
+        <p:cTn id="1" dur="indefinite" restart="never" nodeType="tmRoot">
+          <p:childTnLst>
+            <p:seq concurrent="1" nextAc="seek">
+              <p:cTn id="2" dur="indefinite" nodeType="mainSeq">
+                <p:childTnLst>
+                  <p:par>
+                    <p:cTn id="3" fill="hold">
+                      <p:stCondLst>
+                        <p:cond delay="indefinite"/>
+                        <p:cond evt="onBegin" delay="0">
+                          <p:tn val="2"/>
+                        </p:cond>
+                      </p:stCondLst>
+                      <p:childTnLst>
+                        <p:par>
+                          <p:cTn id="4" fill="hold">
+                            <p:stCondLst>
+                              <p:cond delay="0"/>
+                            </p:stCondLst>
+                            <p:childTnLst>
+                              <p:par>
+                                <p:cTn id="5" presetID="8" presetClass="emph" presetSubtype="0" repeatCount="indefinite" fill="hold" nodeType="withEffect">
+                                  <p:stCondLst>
+                                    <p:cond delay="0"/>
+                                  </p:stCondLst>
+                                  <p:childTnLst>
+                                    <p:animRot by="21600000">
+                                      <p:cBhvr>
+                                        <p:cTn id="6" dur="2000" fill="hold"/>
+                                        <p:tgtEl>
+                                          <p:spTgt spid="36"/>
+                                        </p:tgtEl>
+                                        <p:attrNameLst>
+                                          <p:attrName>r</p:attrName>
+                                        </p:attrNameLst>
+                                      </p:cBhvr>
+                                    </p:animRot>
+                                  </p:childTnLst>
+                                </p:cTn>
+                              </p:par>
+                              <p:par>
+                                <p:cTn id="7" presetID="8" presetClass="emph" presetSubtype="0" repeatCount="indefinite" fill="hold" nodeType="withEffect">
+                                  <p:stCondLst>
+                                    <p:cond delay="0"/>
+                                  </p:stCondLst>
+                                  <p:childTnLst>
+                                    <p:animRot by="-21600000">
+                                      <p:cBhvr>
+                                        <p:cTn id="8" dur="2000" fill="hold"/>
+                                        <p:tgtEl>
+                                          <p:spTgt spid="47"/>
+                                        </p:tgtEl>
+                                        <p:attrNameLst>
+                                          <p:attrName>r</p:attrName>
+                                        </p:attrNameLst>
+                                      </p:cBhvr>
+                                    </p:animRot>
+                                  </p:childTnLst>
+                                </p:cTn>
+                              </p:par>
+                              <p:par>
+                                <p:cTn id="9" presetID="10" presetClass="entr" presetSubtype="0" fill="hold" grpId="0" nodeType="withEffect">
+                                  <p:stCondLst>
+                                    <p:cond delay="800"/>
+                                  </p:stCondLst>
+                                  <p:childTnLst>
+                                    <p:set>
+                                      <p:cBhvr>
+                                        <p:cTn id="10" dur="1" fill="hold">
+                                          <p:stCondLst>
+                                            <p:cond delay="0"/>
+                                          </p:stCondLst>
+                                        </p:cTn>
+                                        <p:tgtEl>
+                                          <p:spTgt spid="24"/>
+                                        </p:tgtEl>
+                                        <p:attrNameLst>
+                                          <p:attrName>style.visibility</p:attrName>
+                                        </p:attrNameLst>
+                                      </p:cBhvr>
+                                      <p:to>
+                                        <p:strVal val="visible"/>
+                                      </p:to>
+                                    </p:set>
+                                    <p:animEffect transition="in" filter="fade">
+                                      <p:cBhvr>
+                                        <p:cTn id="11" dur="1300"/>
+                                        <p:tgtEl>
+                                          <p:spTgt spid="24"/>
+                                        </p:tgtEl>
+                                      </p:cBhvr>
+                                    </p:animEffect>
+                                  </p:childTnLst>
+                                </p:cTn>
+                              </p:par>
+                              <p:par>
+                                <p:cTn id="12" presetID="16" presetClass="entr" presetSubtype="37" fill="hold" grpId="0" nodeType="withEffect">
+                                  <p:stCondLst>
+                                    <p:cond delay="1900"/>
+                                  </p:stCondLst>
+                                  <p:childTnLst>
+                                    <p:set>
+                                      <p:cBhvr>
+                                        <p:cTn id="13" dur="1" fill="hold">
+                                          <p:stCondLst>
+                                            <p:cond delay="0"/>
+                                          </p:stCondLst>
+                                        </p:cTn>
+                                        <p:tgtEl>
+                                          <p:spTgt spid="62"/>
+                                        </p:tgtEl>
+                                        <p:attrNameLst>
+                                          <p:attrName>style.visibility</p:attrName>
+                                        </p:attrNameLst>
+                                      </p:cBhvr>
+                                      <p:to>
+                                        <p:strVal val="visible"/>
+                                      </p:to>
+                                    </p:set>
+                                    <p:animEffect transition="in" filter="barn(outVertical)">
+                                      <p:cBhvr>
+                                        <p:cTn id="14" dur="900"/>
+                                        <p:tgtEl>
+                                          <p:spTgt spid="62"/>
+                                        </p:tgtEl>
+                                      </p:cBhvr>
+                                    </p:animEffect>
+                                  </p:childTnLst>
+                                </p:cTn>
+                              </p:par>
+                            </p:childTnLst>
+                          </p:cTn>
+                        </p:par>
+                      </p:childTnLst>
+                    </p:cTn>
+                  </p:par>
+                </p:childTnLst>
+              </p:cTn>
+              <p:prevCondLst>
+                <p:cond evt="onPrev" delay="0">
+                  <p:tgtEl>
+                    <p:sldTgt/>
+                  </p:tgtEl>
+                </p:cond>
+              </p:prevCondLst>
+              <p:nextCondLst>
+                <p:cond evt="onNext" delay="0">
+                  <p:tgtEl>
+                    <p:sldTgt/>
+                  </p:tgtEl>
+                </p:cond>
+              </p:nextCondLst>
+            </p:seq>
+          </p:childTnLst>
+        </p:cTn>
+      </p:par>
+    </p:tnLst>
+    <p:bldLst>
+      <p:bldP spid="24" grpId="0"/>
+      <p:bldP spid="62" grpId="0"/>
+    </p:bldLst>
+  </p:timing>
+</p:sld>
+</file>
+
+<file path=ppt/slides/slide13.xml><?xml version="1.0" encoding="utf-8"?>
+<p:sld xmlns:a="http://schemas.openxmlformats.org/drawingml/2006/main" xmlns:r="http://schemas.openxmlformats.org/officeDocument/2006/relationships" xmlns:p="http://schemas.openxmlformats.org/presentationml/2006/main">
+  <p:cSld>
+    <p:spTree>
+      <p:nvGrpSpPr>
+        <p:cNvPr id="1" name=""/>
+        <p:cNvGrpSpPr/>
+        <p:nvPr/>
+      </p:nvGrpSpPr>
+      <p:grpSpPr>
+        <a:xfrm>
+          <a:off x="0" y="0"/>
+          <a:ext cx="0" cy="0"/>
+          <a:chOff x="0" y="0"/>
+          <a:chExt cx="0" cy="0"/>
+        </a:xfrm>
+      </p:grpSpPr>
+      <p:pic>
+        <p:nvPicPr>
+          <p:cNvPr id="7" name="그림 6"/>
+          <p:cNvPicPr>
+            <a:picLocks noChangeAspect="1"/>
+          </p:cNvPicPr>
+          <p:nvPr/>
+        </p:nvPicPr>
+        <p:blipFill>
+          <a:blip r:embed="rId2" cstate="print">
+            <a:extLst>
+              <a:ext uri="{28A0092B-C50C-407E-A947-70E740481C1C}">
+                <a14:useLocalDpi xmlns:a14="http://schemas.microsoft.com/office/drawing/2010/main" val="0"/>
+              </a:ext>
+            </a:extLst>
+          </a:blip>
+          <a:stretch>
+            <a:fillRect/>
+          </a:stretch>
+        </p:blipFill>
+        <p:spPr>
+          <a:xfrm>
+            <a:off x="0" y="0"/>
+            <a:ext cx="9144000" cy="6858000"/>
+          </a:xfrm>
+          <a:prstGeom prst="rect">
+            <a:avLst/>
+          </a:prstGeom>
+        </p:spPr>
+      </p:pic>
+      <p:sp>
+        <p:nvSpPr>
           <p:cNvPr id="8" name="TextBox 7"/>
           <p:cNvSpPr txBox="1"/>
           <p:nvPr/>
@@ -6759,7 +9938,7 @@
           <a:p>
             <a:pPr algn="dist"/>
             <a:r>
-              <a:rPr lang="en-US" altLang="ko-KR" sz="2800" b="1" spc="300" dirty="0">
+              <a:rPr lang="en-US" altLang="ko-KR" sz="2800" b="1" spc="300" dirty="0" smtClean="0">
                 <a:solidFill>
                   <a:schemeClr val="bg1"/>
                 </a:solidFill>
@@ -6767,7 +9946,7 @@
                 <a:ea typeface="나눔스퀘어_ac ExtraBold" panose="020B0600000101010101" pitchFamily="50" charset="-127"/>
                 <a:cs typeface="Open Sans Extrabold" panose="020B0906030804020204" pitchFamily="34" charset="0"/>
               </a:rPr>
-              <a:t>MOTION PICTURE PROJECTOR</a:t>
+              <a:t>MOPOMOVIE PROJECT</a:t>
             </a:r>
             <a:endParaRPr lang="ko-KR" altLang="en-US" sz="2800" b="1" spc="300" dirty="0">
               <a:solidFill>
@@ -6837,8 +10016,8 @@
           </p:nvSpPr>
           <p:spPr>
             <a:xfrm>
-              <a:off x="2829067" y="3134128"/>
-              <a:ext cx="3265638" cy="307777"/>
+              <a:off x="3406789" y="3134128"/>
+              <a:ext cx="2110193" cy="307777"/>
             </a:xfrm>
             <a:prstGeom prst="rect">
               <a:avLst/>
@@ -6859,7 +10038,7 @@
             <a:p>
               <a:pPr algn="dist"/>
               <a:r>
-                <a:rPr lang="ko-KR" altLang="en-US" sz="1400" b="1" spc="300" dirty="0">
+                <a:rPr lang="en-US" altLang="ko-KR" sz="1400" b="1" spc="300" dirty="0" smtClean="0">
                   <a:solidFill>
                     <a:schemeClr val="tx1">
                       <a:lumMod val="95000"/>
@@ -6870,7 +10049,35 @@
                   <a:ea typeface="나눔스퀘어_ac Bold" panose="020B0600000101010101" pitchFamily="50" charset="-127"/>
                   <a:cs typeface="Open Sans Extrabold" panose="020B0906030804020204" pitchFamily="34" charset="0"/>
                 </a:rPr>
-                <a:t>영사기 느낌의 심플한 </a:t>
+                <a:t>M</a:t>
+              </a:r>
+              <a:r>
+                <a:rPr lang="en-US" altLang="ko-KR" sz="1400" b="1" spc="300" dirty="0" smtClean="0">
+                  <a:solidFill>
+                    <a:schemeClr val="tx1">
+                      <a:lumMod val="95000"/>
+                      <a:lumOff val="5000"/>
+                    </a:schemeClr>
+                  </a:solidFill>
+                  <a:latin typeface="나눔스퀘어_ac Bold" panose="020B0600000101010101" pitchFamily="50" charset="-127"/>
+                  <a:ea typeface="나눔스퀘어_ac Bold" panose="020B0600000101010101" pitchFamily="50" charset="-127"/>
+                  <a:cs typeface="Open Sans Extrabold" panose="020B0906030804020204" pitchFamily="34" charset="0"/>
+                </a:rPr>
+                <a:t>OVIE</a:t>
+              </a:r>
+              <a:r>
+                <a:rPr lang="ko-KR" altLang="en-US" sz="1400" b="1" spc="300" dirty="0" smtClean="0">
+                  <a:solidFill>
+                    <a:schemeClr val="tx1">
+                      <a:lumMod val="95000"/>
+                      <a:lumOff val="5000"/>
+                    </a:schemeClr>
+                  </a:solidFill>
+                  <a:latin typeface="나눔스퀘어_ac Bold" panose="020B0600000101010101" pitchFamily="50" charset="-127"/>
+                  <a:ea typeface="나눔스퀘어_ac Bold" panose="020B0600000101010101" pitchFamily="50" charset="-127"/>
+                  <a:cs typeface="Open Sans Extrabold" panose="020B0906030804020204" pitchFamily="34" charset="0"/>
+                </a:rPr>
+                <a:t> </a:t>
               </a:r>
               <a:r>
                 <a:rPr lang="en-US" altLang="ko-KR" sz="1400" b="1" spc="300" dirty="0">
@@ -7043,17 +10250,6 @@
               </a:rPr>
               <a:t>운</a:t>
             </a:r>
-            <a:endParaRPr lang="ko-KR" altLang="en-US" sz="1400" b="1" dirty="0">
-              <a:solidFill>
-                <a:schemeClr val="tx1">
-                  <a:lumMod val="95000"/>
-                  <a:lumOff val="5000"/>
-                </a:schemeClr>
-              </a:solidFill>
-              <a:latin typeface="나눔스퀘어_ac Bold" panose="020B0600000101010101" pitchFamily="50" charset="-127"/>
-              <a:ea typeface="나눔스퀘어_ac Bold" panose="020B0600000101010101" pitchFamily="50" charset="-127"/>
-              <a:cs typeface="Open Sans Extrabold" panose="020B0906030804020204" pitchFamily="34" charset="0"/>
-            </a:endParaRPr>
           </a:p>
         </p:txBody>
       </p:sp>
@@ -8163,24 +11359,34 @@
                     <a:lumOff val="15000"/>
                   </a:schemeClr>
                 </a:solidFill>
-                <a:latin typeface="여기어때 잘난체 OTF" panose="020B0600000101010101" pitchFamily="34" charset="-127"/>
-                <a:ea typeface="여기어때 잘난체 OTF" panose="020B0600000101010101" pitchFamily="34" charset="-127"/>
+                <a:latin typeface="나눔스퀘어_ac Bold" panose="020B0600000101010101" pitchFamily="50" charset="-127"/>
+                <a:ea typeface="나눔스퀘어_ac Bold" panose="020B0600000101010101" pitchFamily="50" charset="-127"/>
               </a:rPr>
               <a:t>                                                                       </a:t>
             </a:r>
             <a:r>
-              <a:rPr lang="ko-KR" altLang="en-US" b="1" dirty="0">
+              <a:rPr lang="ko-KR" altLang="en-US" b="1" dirty="0" smtClean="0">
                 <a:solidFill>
                   <a:schemeClr val="tx1">
                     <a:lumMod val="85000"/>
                     <a:lumOff val="15000"/>
                   </a:schemeClr>
                 </a:solidFill>
-                <a:latin typeface="여기어때 잘난체 OTF" panose="020B0600000101010101" pitchFamily="34" charset="-127"/>
-                <a:ea typeface="여기어때 잘난체 OTF" panose="020B0600000101010101" pitchFamily="34" charset="-127"/>
+                <a:latin typeface="나눔스퀘어_ac Bold" panose="020B0600000101010101" pitchFamily="50" charset="-127"/>
+                <a:ea typeface="나눔스퀘어_ac Bold" panose="020B0600000101010101" pitchFamily="50" charset="-127"/>
               </a:rPr>
-              <a:t>제목을 입력해 주세요                    </a:t>
+              <a:t>프로젝트 개요</a:t>
             </a:r>
+            <a:endParaRPr lang="ko-KR" altLang="en-US" b="1" dirty="0">
+              <a:solidFill>
+                <a:schemeClr val="tx1">
+                  <a:lumMod val="85000"/>
+                  <a:lumOff val="15000"/>
+                </a:schemeClr>
+              </a:solidFill>
+              <a:latin typeface="나눔스퀘어_ac Bold" panose="020B0600000101010101" pitchFamily="50" charset="-127"/>
+              <a:ea typeface="나눔스퀘어_ac Bold" panose="020B0600000101010101" pitchFamily="50" charset="-127"/>
+            </a:endParaRPr>
           </a:p>
         </p:txBody>
       </p:sp>
@@ -8238,8 +11444,8 @@
                     <a:lumOff val="5000"/>
                   </a:schemeClr>
                 </a:solidFill>
-                <a:latin typeface="여기어때 잘난체 OTF" panose="020B0600000101010101" pitchFamily="34" charset="-127"/>
-                <a:ea typeface="여기어때 잘난체 OTF" panose="020B0600000101010101" pitchFamily="34" charset="-127"/>
+                <a:latin typeface="나눔스퀘어_ac ExtraBold" panose="020B0600000101010101" pitchFamily="50" charset="-127"/>
+                <a:ea typeface="나눔스퀘어_ac ExtraBold" panose="020B0600000101010101" pitchFamily="50" charset="-127"/>
                 <a:cs typeface="Open Sans Extrabold" panose="020B0906030804020204" pitchFamily="34" charset="0"/>
               </a:rPr>
               <a:t>1</a:t>
@@ -8251,8 +11457,8 @@
                   <a:lumOff val="5000"/>
                 </a:schemeClr>
               </a:solidFill>
-              <a:latin typeface="여기어때 잘난체 OTF" panose="020B0600000101010101" pitchFamily="34" charset="-127"/>
-              <a:ea typeface="여기어때 잘난체 OTF" panose="020B0600000101010101" pitchFamily="34" charset="-127"/>
+              <a:latin typeface="나눔스퀘어_ac ExtraBold" panose="020B0600000101010101" pitchFamily="50" charset="-127"/>
+              <a:ea typeface="나눔스퀘어_ac ExtraBold" panose="020B0600000101010101" pitchFamily="50" charset="-127"/>
               <a:cs typeface="Open Sans Extrabold" panose="020B0906030804020204" pitchFamily="34" charset="0"/>
             </a:endParaRPr>
           </a:p>
@@ -10077,6 +13283,1182 @@
           <a:chExt cx="0" cy="0"/>
         </a:xfrm>
       </p:grpSpPr>
+      <p:pic>
+        <p:nvPicPr>
+          <p:cNvPr id="7" name="그림 6"/>
+          <p:cNvPicPr>
+            <a:picLocks noChangeAspect="1"/>
+          </p:cNvPicPr>
+          <p:nvPr/>
+        </p:nvPicPr>
+        <p:blipFill>
+          <a:blip r:embed="rId2" cstate="print">
+            <a:extLst>
+              <a:ext uri="{28A0092B-C50C-407E-A947-70E740481C1C}">
+                <a14:useLocalDpi xmlns:a14="http://schemas.microsoft.com/office/drawing/2010/main" val="0"/>
+              </a:ext>
+            </a:extLst>
+          </a:blip>
+          <a:stretch>
+            <a:fillRect/>
+          </a:stretch>
+        </p:blipFill>
+        <p:spPr>
+          <a:xfrm>
+            <a:off x="0" y="0"/>
+            <a:ext cx="9144000" cy="6858000"/>
+          </a:xfrm>
+          <a:prstGeom prst="rect">
+            <a:avLst/>
+          </a:prstGeom>
+        </p:spPr>
+      </p:pic>
+      <p:sp>
+        <p:nvSpPr>
+          <p:cNvPr id="15" name="모서리가 둥근 직사각형 14"/>
+          <p:cNvSpPr/>
+          <p:nvPr/>
+        </p:nvSpPr>
+        <p:spPr>
+          <a:xfrm>
+            <a:off x="1257453" y="3333954"/>
+            <a:ext cx="7414135" cy="454619"/>
+          </a:xfrm>
+          <a:prstGeom prst="roundRect">
+            <a:avLst>
+              <a:gd name="adj" fmla="val 50000"/>
+            </a:avLst>
+          </a:prstGeom>
+          <a:solidFill>
+            <a:schemeClr val="bg1">
+              <a:lumMod val="95000"/>
+            </a:schemeClr>
+          </a:solidFill>
+          <a:ln>
+            <a:solidFill>
+              <a:schemeClr val="tx1">
+                <a:lumMod val="85000"/>
+                <a:lumOff val="15000"/>
+              </a:schemeClr>
+            </a:solidFill>
+          </a:ln>
+          <a:scene3d>
+            <a:camera prst="obliqueTopLeft"/>
+            <a:lightRig rig="threePt" dir="t"/>
+          </a:scene3d>
+        </p:spPr>
+        <p:style>
+          <a:lnRef idx="2">
+            <a:schemeClr val="accent1">
+              <a:shade val="50000"/>
+            </a:schemeClr>
+          </a:lnRef>
+          <a:fillRef idx="1">
+            <a:schemeClr val="accent1"/>
+          </a:fillRef>
+          <a:effectRef idx="0">
+            <a:schemeClr val="accent1"/>
+          </a:effectRef>
+          <a:fontRef idx="minor">
+            <a:schemeClr val="lt1"/>
+          </a:fontRef>
+        </p:style>
+        <p:txBody>
+          <a:bodyPr rtlCol="0" anchor="ctr"/>
+          <a:lstStyle/>
+          <a:p>
+            <a:r>
+              <a:rPr lang="en-US" altLang="ko-KR" b="1" dirty="0">
+                <a:solidFill>
+                  <a:schemeClr val="tx1">
+                    <a:lumMod val="85000"/>
+                    <a:lumOff val="15000"/>
+                  </a:schemeClr>
+                </a:solidFill>
+                <a:latin typeface="나눔스퀘어_ac Bold" panose="020B0600000101010101" pitchFamily="50" charset="-127"/>
+                <a:ea typeface="나눔스퀘어_ac Bold" panose="020B0600000101010101" pitchFamily="50" charset="-127"/>
+              </a:rPr>
+              <a:t>                                                                       </a:t>
+            </a:r>
+            <a:r>
+              <a:rPr lang="ko-KR" altLang="en-US" b="1" dirty="0" smtClean="0">
+                <a:solidFill>
+                  <a:schemeClr val="tx1">
+                    <a:lumMod val="85000"/>
+                    <a:lumOff val="15000"/>
+                  </a:schemeClr>
+                </a:solidFill>
+                <a:latin typeface="나눔스퀘어_ac Bold" panose="020B0600000101010101" pitchFamily="50" charset="-127"/>
+                <a:ea typeface="나눔스퀘어_ac Bold" panose="020B0600000101010101" pitchFamily="50" charset="-127"/>
+              </a:rPr>
+              <a:t>프로젝트 스킬</a:t>
+            </a:r>
+            <a:endParaRPr lang="ko-KR" altLang="en-US" b="1" dirty="0">
+              <a:solidFill>
+                <a:schemeClr val="tx1">
+                  <a:lumMod val="85000"/>
+                  <a:lumOff val="15000"/>
+                </a:schemeClr>
+              </a:solidFill>
+              <a:latin typeface="나눔스퀘어_ac Bold" panose="020B0600000101010101" pitchFamily="50" charset="-127"/>
+              <a:ea typeface="나눔스퀘어_ac Bold" panose="020B0600000101010101" pitchFamily="50" charset="-127"/>
+            </a:endParaRPr>
+          </a:p>
+        </p:txBody>
+      </p:sp>
+      <p:sp>
+        <p:nvSpPr>
+          <p:cNvPr id="17" name="타원 16"/>
+          <p:cNvSpPr/>
+          <p:nvPr/>
+        </p:nvSpPr>
+        <p:spPr>
+          <a:xfrm>
+            <a:off x="395536" y="2852936"/>
+            <a:ext cx="1368152" cy="1368152"/>
+          </a:xfrm>
+          <a:prstGeom prst="ellipse">
+            <a:avLst/>
+          </a:prstGeom>
+          <a:solidFill>
+            <a:schemeClr val="bg1"/>
+          </a:solidFill>
+          <a:ln>
+            <a:noFill/>
+          </a:ln>
+          <a:scene3d>
+            <a:camera prst="obliqueTopLeft"/>
+            <a:lightRig rig="threePt" dir="t"/>
+          </a:scene3d>
+        </p:spPr>
+        <p:style>
+          <a:lnRef idx="2">
+            <a:schemeClr val="accent1">
+              <a:shade val="50000"/>
+            </a:schemeClr>
+          </a:lnRef>
+          <a:fillRef idx="1">
+            <a:schemeClr val="accent1"/>
+          </a:fillRef>
+          <a:effectRef idx="0">
+            <a:schemeClr val="accent1"/>
+          </a:effectRef>
+          <a:fontRef idx="minor">
+            <a:schemeClr val="lt1"/>
+          </a:fontRef>
+        </p:style>
+        <p:txBody>
+          <a:bodyPr rtlCol="0" anchor="ctr"/>
+          <a:lstStyle/>
+          <a:p>
+            <a:pPr algn="ctr"/>
+            <a:r>
+              <a:rPr lang="en-US" altLang="ko-KR" sz="4800" dirty="0">
+                <a:solidFill>
+                  <a:schemeClr val="tx1">
+                    <a:lumMod val="95000"/>
+                    <a:lumOff val="5000"/>
+                  </a:schemeClr>
+                </a:solidFill>
+                <a:latin typeface="나눔스퀘어_ac ExtraBold" panose="020B0600000101010101" pitchFamily="50" charset="-127"/>
+                <a:ea typeface="나눔스퀘어_ac ExtraBold" panose="020B0600000101010101" pitchFamily="50" charset="-127"/>
+                <a:cs typeface="Open Sans Extrabold" panose="020B0906030804020204" pitchFamily="34" charset="0"/>
+              </a:rPr>
+              <a:t>2</a:t>
+            </a:r>
+            <a:endParaRPr lang="ko-KR" altLang="en-US" sz="4800" dirty="0">
+              <a:solidFill>
+                <a:schemeClr val="tx1">
+                  <a:lumMod val="95000"/>
+                  <a:lumOff val="5000"/>
+                </a:schemeClr>
+              </a:solidFill>
+              <a:latin typeface="나눔스퀘어_ac ExtraBold" panose="020B0600000101010101" pitchFamily="50" charset="-127"/>
+              <a:ea typeface="나눔스퀘어_ac ExtraBold" panose="020B0600000101010101" pitchFamily="50" charset="-127"/>
+              <a:cs typeface="Open Sans Extrabold" panose="020B0906030804020204" pitchFamily="34" charset="0"/>
+            </a:endParaRPr>
+          </a:p>
+        </p:txBody>
+      </p:sp>
+      <p:grpSp>
+        <p:nvGrpSpPr>
+          <p:cNvPr id="19" name="그룹 18"/>
+          <p:cNvGrpSpPr/>
+          <p:nvPr/>
+        </p:nvGrpSpPr>
+        <p:grpSpPr>
+          <a:xfrm>
+            <a:off x="3832684" y="1196752"/>
+            <a:ext cx="1452984" cy="1452984"/>
+            <a:chOff x="3832684" y="1196752"/>
+            <a:chExt cx="1452984" cy="1452984"/>
+          </a:xfrm>
+        </p:grpSpPr>
+        <p:sp>
+          <p:nvSpPr>
+            <p:cNvPr id="20" name="타원 19"/>
+            <p:cNvSpPr/>
+            <p:nvPr/>
+          </p:nvSpPr>
+          <p:spPr>
+            <a:xfrm>
+              <a:off x="3832684" y="1196752"/>
+              <a:ext cx="1452984" cy="1452984"/>
+            </a:xfrm>
+            <a:prstGeom prst="ellipse">
+              <a:avLst/>
+            </a:prstGeom>
+            <a:solidFill>
+              <a:schemeClr val="bg1"/>
+            </a:solidFill>
+            <a:ln>
+              <a:noFill/>
+            </a:ln>
+          </p:spPr>
+          <p:style>
+            <a:lnRef idx="2">
+              <a:schemeClr val="accent1">
+                <a:shade val="50000"/>
+              </a:schemeClr>
+            </a:lnRef>
+            <a:fillRef idx="1">
+              <a:schemeClr val="accent1"/>
+            </a:fillRef>
+            <a:effectRef idx="0">
+              <a:schemeClr val="accent1"/>
+            </a:effectRef>
+            <a:fontRef idx="minor">
+              <a:schemeClr val="lt1"/>
+            </a:fontRef>
+          </p:style>
+          <p:txBody>
+            <a:bodyPr rtlCol="0" anchor="ctr"/>
+            <a:lstStyle/>
+            <a:p>
+              <a:pPr algn="ctr"/>
+              <a:endParaRPr lang="ko-KR" altLang="en-US"/>
+            </a:p>
+          </p:txBody>
+        </p:sp>
+        <p:grpSp>
+          <p:nvGrpSpPr>
+            <p:cNvPr id="21" name="그룹 20"/>
+            <p:cNvGrpSpPr/>
+            <p:nvPr/>
+          </p:nvGrpSpPr>
+          <p:grpSpPr>
+            <a:xfrm>
+              <a:off x="4444752" y="1340768"/>
+              <a:ext cx="228848" cy="1164952"/>
+              <a:chOff x="4444752" y="1340768"/>
+              <a:chExt cx="228848" cy="1164952"/>
+            </a:xfrm>
+          </p:grpSpPr>
+          <p:sp>
+            <p:nvSpPr>
+              <p:cNvPr id="28" name="타원 27"/>
+              <p:cNvSpPr/>
+              <p:nvPr/>
+            </p:nvSpPr>
+            <p:spPr>
+              <a:xfrm>
+                <a:off x="4444752" y="1340768"/>
+                <a:ext cx="228848" cy="228848"/>
+              </a:xfrm>
+              <a:prstGeom prst="ellipse">
+                <a:avLst/>
+              </a:prstGeom>
+              <a:solidFill>
+                <a:schemeClr val="tx1">
+                  <a:lumMod val="95000"/>
+                  <a:lumOff val="5000"/>
+                </a:schemeClr>
+              </a:solidFill>
+              <a:ln>
+                <a:noFill/>
+              </a:ln>
+            </p:spPr>
+            <p:style>
+              <a:lnRef idx="2">
+                <a:schemeClr val="accent1">
+                  <a:shade val="50000"/>
+                </a:schemeClr>
+              </a:lnRef>
+              <a:fillRef idx="1">
+                <a:schemeClr val="accent1"/>
+              </a:fillRef>
+              <a:effectRef idx="0">
+                <a:schemeClr val="accent1"/>
+              </a:effectRef>
+              <a:fontRef idx="minor">
+                <a:schemeClr val="lt1"/>
+              </a:fontRef>
+            </p:style>
+            <p:txBody>
+              <a:bodyPr rtlCol="0" anchor="ctr"/>
+              <a:lstStyle/>
+              <a:p>
+                <a:pPr algn="ctr"/>
+                <a:endParaRPr lang="ko-KR" altLang="en-US"/>
+              </a:p>
+            </p:txBody>
+          </p:sp>
+          <p:sp>
+            <p:nvSpPr>
+              <p:cNvPr id="29" name="타원 28"/>
+              <p:cNvSpPr/>
+              <p:nvPr/>
+            </p:nvSpPr>
+            <p:spPr>
+              <a:xfrm>
+                <a:off x="4444752" y="2276872"/>
+                <a:ext cx="228848" cy="228848"/>
+              </a:xfrm>
+              <a:prstGeom prst="ellipse">
+                <a:avLst/>
+              </a:prstGeom>
+              <a:solidFill>
+                <a:schemeClr val="tx1">
+                  <a:lumMod val="95000"/>
+                  <a:lumOff val="5000"/>
+                </a:schemeClr>
+              </a:solidFill>
+              <a:ln>
+                <a:noFill/>
+              </a:ln>
+            </p:spPr>
+            <p:style>
+              <a:lnRef idx="2">
+                <a:schemeClr val="accent1">
+                  <a:shade val="50000"/>
+                </a:schemeClr>
+              </a:lnRef>
+              <a:fillRef idx="1">
+                <a:schemeClr val="accent1"/>
+              </a:fillRef>
+              <a:effectRef idx="0">
+                <a:schemeClr val="accent1"/>
+              </a:effectRef>
+              <a:fontRef idx="minor">
+                <a:schemeClr val="lt1"/>
+              </a:fontRef>
+            </p:style>
+            <p:txBody>
+              <a:bodyPr rtlCol="0" anchor="ctr"/>
+              <a:lstStyle/>
+              <a:p>
+                <a:pPr algn="ctr"/>
+                <a:endParaRPr lang="ko-KR" altLang="en-US"/>
+              </a:p>
+            </p:txBody>
+          </p:sp>
+        </p:grpSp>
+        <p:grpSp>
+          <p:nvGrpSpPr>
+            <p:cNvPr id="22" name="그룹 21"/>
+            <p:cNvGrpSpPr/>
+            <p:nvPr/>
+          </p:nvGrpSpPr>
+          <p:grpSpPr>
+            <a:xfrm rot="3600000">
+              <a:off x="4444752" y="1340768"/>
+              <a:ext cx="228848" cy="1164952"/>
+              <a:chOff x="4444752" y="1340768"/>
+              <a:chExt cx="228848" cy="1164952"/>
+            </a:xfrm>
+          </p:grpSpPr>
+          <p:sp>
+            <p:nvSpPr>
+              <p:cNvPr id="26" name="타원 25"/>
+              <p:cNvSpPr/>
+              <p:nvPr/>
+            </p:nvSpPr>
+            <p:spPr>
+              <a:xfrm>
+                <a:off x="4444752" y="1340768"/>
+                <a:ext cx="228848" cy="228848"/>
+              </a:xfrm>
+              <a:prstGeom prst="ellipse">
+                <a:avLst/>
+              </a:prstGeom>
+              <a:solidFill>
+                <a:schemeClr val="tx1">
+                  <a:lumMod val="95000"/>
+                  <a:lumOff val="5000"/>
+                </a:schemeClr>
+              </a:solidFill>
+              <a:ln>
+                <a:noFill/>
+              </a:ln>
+            </p:spPr>
+            <p:style>
+              <a:lnRef idx="2">
+                <a:schemeClr val="accent1">
+                  <a:shade val="50000"/>
+                </a:schemeClr>
+              </a:lnRef>
+              <a:fillRef idx="1">
+                <a:schemeClr val="accent1"/>
+              </a:fillRef>
+              <a:effectRef idx="0">
+                <a:schemeClr val="accent1"/>
+              </a:effectRef>
+              <a:fontRef idx="minor">
+                <a:schemeClr val="lt1"/>
+              </a:fontRef>
+            </p:style>
+            <p:txBody>
+              <a:bodyPr rtlCol="0" anchor="ctr"/>
+              <a:lstStyle/>
+              <a:p>
+                <a:pPr algn="ctr"/>
+                <a:endParaRPr lang="ko-KR" altLang="en-US"/>
+              </a:p>
+            </p:txBody>
+          </p:sp>
+          <p:sp>
+            <p:nvSpPr>
+              <p:cNvPr id="27" name="타원 26"/>
+              <p:cNvSpPr/>
+              <p:nvPr/>
+            </p:nvSpPr>
+            <p:spPr>
+              <a:xfrm>
+                <a:off x="4444752" y="2276872"/>
+                <a:ext cx="228848" cy="228848"/>
+              </a:xfrm>
+              <a:prstGeom prst="ellipse">
+                <a:avLst/>
+              </a:prstGeom>
+              <a:solidFill>
+                <a:schemeClr val="tx1">
+                  <a:lumMod val="95000"/>
+                  <a:lumOff val="5000"/>
+                </a:schemeClr>
+              </a:solidFill>
+              <a:ln>
+                <a:noFill/>
+              </a:ln>
+            </p:spPr>
+            <p:style>
+              <a:lnRef idx="2">
+                <a:schemeClr val="accent1">
+                  <a:shade val="50000"/>
+                </a:schemeClr>
+              </a:lnRef>
+              <a:fillRef idx="1">
+                <a:schemeClr val="accent1"/>
+              </a:fillRef>
+              <a:effectRef idx="0">
+                <a:schemeClr val="accent1"/>
+              </a:effectRef>
+              <a:fontRef idx="minor">
+                <a:schemeClr val="lt1"/>
+              </a:fontRef>
+            </p:style>
+            <p:txBody>
+              <a:bodyPr rtlCol="0" anchor="ctr"/>
+              <a:lstStyle/>
+              <a:p>
+                <a:pPr algn="ctr"/>
+                <a:endParaRPr lang="ko-KR" altLang="en-US"/>
+              </a:p>
+            </p:txBody>
+          </p:sp>
+        </p:grpSp>
+        <p:grpSp>
+          <p:nvGrpSpPr>
+            <p:cNvPr id="23" name="그룹 22"/>
+            <p:cNvGrpSpPr/>
+            <p:nvPr/>
+          </p:nvGrpSpPr>
+          <p:grpSpPr>
+            <a:xfrm rot="7200000">
+              <a:off x="4444752" y="1340768"/>
+              <a:ext cx="228848" cy="1164952"/>
+              <a:chOff x="4444752" y="1340768"/>
+              <a:chExt cx="228848" cy="1164952"/>
+            </a:xfrm>
+          </p:grpSpPr>
+          <p:sp>
+            <p:nvSpPr>
+              <p:cNvPr id="24" name="타원 23"/>
+              <p:cNvSpPr/>
+              <p:nvPr/>
+            </p:nvSpPr>
+            <p:spPr>
+              <a:xfrm>
+                <a:off x="4444752" y="1340768"/>
+                <a:ext cx="228848" cy="228848"/>
+              </a:xfrm>
+              <a:prstGeom prst="ellipse">
+                <a:avLst/>
+              </a:prstGeom>
+              <a:solidFill>
+                <a:schemeClr val="tx1">
+                  <a:lumMod val="95000"/>
+                  <a:lumOff val="5000"/>
+                </a:schemeClr>
+              </a:solidFill>
+              <a:ln>
+                <a:noFill/>
+              </a:ln>
+            </p:spPr>
+            <p:style>
+              <a:lnRef idx="2">
+                <a:schemeClr val="accent1">
+                  <a:shade val="50000"/>
+                </a:schemeClr>
+              </a:lnRef>
+              <a:fillRef idx="1">
+                <a:schemeClr val="accent1"/>
+              </a:fillRef>
+              <a:effectRef idx="0">
+                <a:schemeClr val="accent1"/>
+              </a:effectRef>
+              <a:fontRef idx="minor">
+                <a:schemeClr val="lt1"/>
+              </a:fontRef>
+            </p:style>
+            <p:txBody>
+              <a:bodyPr rtlCol="0" anchor="ctr"/>
+              <a:lstStyle/>
+              <a:p>
+                <a:pPr algn="ctr"/>
+                <a:endParaRPr lang="ko-KR" altLang="en-US"/>
+              </a:p>
+            </p:txBody>
+          </p:sp>
+          <p:sp>
+            <p:nvSpPr>
+              <p:cNvPr id="25" name="타원 24"/>
+              <p:cNvSpPr/>
+              <p:nvPr/>
+            </p:nvSpPr>
+            <p:spPr>
+              <a:xfrm>
+                <a:off x="4444752" y="2276872"/>
+                <a:ext cx="228848" cy="228848"/>
+              </a:xfrm>
+              <a:prstGeom prst="ellipse">
+                <a:avLst/>
+              </a:prstGeom>
+              <a:solidFill>
+                <a:schemeClr val="tx1">
+                  <a:lumMod val="95000"/>
+                  <a:lumOff val="5000"/>
+                </a:schemeClr>
+              </a:solidFill>
+              <a:ln>
+                <a:noFill/>
+              </a:ln>
+            </p:spPr>
+            <p:style>
+              <a:lnRef idx="2">
+                <a:schemeClr val="accent1">
+                  <a:shade val="50000"/>
+                </a:schemeClr>
+              </a:lnRef>
+              <a:fillRef idx="1">
+                <a:schemeClr val="accent1"/>
+              </a:fillRef>
+              <a:effectRef idx="0">
+                <a:schemeClr val="accent1"/>
+              </a:effectRef>
+              <a:fontRef idx="minor">
+                <a:schemeClr val="lt1"/>
+              </a:fontRef>
+            </p:style>
+            <p:txBody>
+              <a:bodyPr rtlCol="0" anchor="ctr"/>
+              <a:lstStyle/>
+              <a:p>
+                <a:pPr algn="ctr"/>
+                <a:endParaRPr lang="ko-KR" altLang="en-US"/>
+              </a:p>
+            </p:txBody>
+          </p:sp>
+        </p:grpSp>
+      </p:grpSp>
+      <p:grpSp>
+        <p:nvGrpSpPr>
+          <p:cNvPr id="30" name="그룹 29"/>
+          <p:cNvGrpSpPr/>
+          <p:nvPr/>
+        </p:nvGrpSpPr>
+        <p:grpSpPr>
+          <a:xfrm>
+            <a:off x="1828096" y="1630889"/>
+            <a:ext cx="1145486" cy="1145486"/>
+            <a:chOff x="3832684" y="1196752"/>
+            <a:chExt cx="1452984" cy="1452984"/>
+          </a:xfrm>
+        </p:grpSpPr>
+        <p:sp>
+          <p:nvSpPr>
+            <p:cNvPr id="31" name="타원 30"/>
+            <p:cNvSpPr/>
+            <p:nvPr/>
+          </p:nvSpPr>
+          <p:spPr>
+            <a:xfrm>
+              <a:off x="3832684" y="1196752"/>
+              <a:ext cx="1452984" cy="1452984"/>
+            </a:xfrm>
+            <a:prstGeom prst="ellipse">
+              <a:avLst/>
+            </a:prstGeom>
+            <a:solidFill>
+              <a:schemeClr val="bg1"/>
+            </a:solidFill>
+            <a:ln>
+              <a:noFill/>
+            </a:ln>
+          </p:spPr>
+          <p:style>
+            <a:lnRef idx="2">
+              <a:schemeClr val="accent1">
+                <a:shade val="50000"/>
+              </a:schemeClr>
+            </a:lnRef>
+            <a:fillRef idx="1">
+              <a:schemeClr val="accent1"/>
+            </a:fillRef>
+            <a:effectRef idx="0">
+              <a:schemeClr val="accent1"/>
+            </a:effectRef>
+            <a:fontRef idx="minor">
+              <a:schemeClr val="lt1"/>
+            </a:fontRef>
+          </p:style>
+          <p:txBody>
+            <a:bodyPr rtlCol="0" anchor="ctr"/>
+            <a:lstStyle/>
+            <a:p>
+              <a:pPr algn="ctr"/>
+              <a:endParaRPr lang="ko-KR" altLang="en-US"/>
+            </a:p>
+          </p:txBody>
+        </p:sp>
+        <p:grpSp>
+          <p:nvGrpSpPr>
+            <p:cNvPr id="32" name="그룹 31"/>
+            <p:cNvGrpSpPr/>
+            <p:nvPr/>
+          </p:nvGrpSpPr>
+          <p:grpSpPr>
+            <a:xfrm>
+              <a:off x="4444752" y="1340768"/>
+              <a:ext cx="228848" cy="1164952"/>
+              <a:chOff x="4444752" y="1340768"/>
+              <a:chExt cx="228848" cy="1164952"/>
+            </a:xfrm>
+          </p:grpSpPr>
+          <p:sp>
+            <p:nvSpPr>
+              <p:cNvPr id="39" name="타원 38"/>
+              <p:cNvSpPr/>
+              <p:nvPr/>
+            </p:nvSpPr>
+            <p:spPr>
+              <a:xfrm>
+                <a:off x="4444752" y="1340768"/>
+                <a:ext cx="228848" cy="228848"/>
+              </a:xfrm>
+              <a:prstGeom prst="ellipse">
+                <a:avLst/>
+              </a:prstGeom>
+              <a:solidFill>
+                <a:schemeClr val="tx1">
+                  <a:lumMod val="95000"/>
+                  <a:lumOff val="5000"/>
+                </a:schemeClr>
+              </a:solidFill>
+              <a:ln>
+                <a:noFill/>
+              </a:ln>
+            </p:spPr>
+            <p:style>
+              <a:lnRef idx="2">
+                <a:schemeClr val="accent1">
+                  <a:shade val="50000"/>
+                </a:schemeClr>
+              </a:lnRef>
+              <a:fillRef idx="1">
+                <a:schemeClr val="accent1"/>
+              </a:fillRef>
+              <a:effectRef idx="0">
+                <a:schemeClr val="accent1"/>
+              </a:effectRef>
+              <a:fontRef idx="minor">
+                <a:schemeClr val="lt1"/>
+              </a:fontRef>
+            </p:style>
+            <p:txBody>
+              <a:bodyPr rtlCol="0" anchor="ctr"/>
+              <a:lstStyle/>
+              <a:p>
+                <a:pPr algn="ctr"/>
+                <a:endParaRPr lang="ko-KR" altLang="en-US"/>
+              </a:p>
+            </p:txBody>
+          </p:sp>
+          <p:sp>
+            <p:nvSpPr>
+              <p:cNvPr id="40" name="타원 39"/>
+              <p:cNvSpPr/>
+              <p:nvPr/>
+            </p:nvSpPr>
+            <p:spPr>
+              <a:xfrm>
+                <a:off x="4444752" y="2276872"/>
+                <a:ext cx="228848" cy="228848"/>
+              </a:xfrm>
+              <a:prstGeom prst="ellipse">
+                <a:avLst/>
+              </a:prstGeom>
+              <a:solidFill>
+                <a:schemeClr val="tx1">
+                  <a:lumMod val="95000"/>
+                  <a:lumOff val="5000"/>
+                </a:schemeClr>
+              </a:solidFill>
+              <a:ln>
+                <a:noFill/>
+              </a:ln>
+            </p:spPr>
+            <p:style>
+              <a:lnRef idx="2">
+                <a:schemeClr val="accent1">
+                  <a:shade val="50000"/>
+                </a:schemeClr>
+              </a:lnRef>
+              <a:fillRef idx="1">
+                <a:schemeClr val="accent1"/>
+              </a:fillRef>
+              <a:effectRef idx="0">
+                <a:schemeClr val="accent1"/>
+              </a:effectRef>
+              <a:fontRef idx="minor">
+                <a:schemeClr val="lt1"/>
+              </a:fontRef>
+            </p:style>
+            <p:txBody>
+              <a:bodyPr rtlCol="0" anchor="ctr"/>
+              <a:lstStyle/>
+              <a:p>
+                <a:pPr algn="ctr"/>
+                <a:endParaRPr lang="ko-KR" altLang="en-US"/>
+              </a:p>
+            </p:txBody>
+          </p:sp>
+        </p:grpSp>
+        <p:grpSp>
+          <p:nvGrpSpPr>
+            <p:cNvPr id="33" name="그룹 32"/>
+            <p:cNvGrpSpPr/>
+            <p:nvPr/>
+          </p:nvGrpSpPr>
+          <p:grpSpPr>
+            <a:xfrm rot="3600000">
+              <a:off x="4444752" y="1340768"/>
+              <a:ext cx="228848" cy="1164952"/>
+              <a:chOff x="4444752" y="1340768"/>
+              <a:chExt cx="228848" cy="1164952"/>
+            </a:xfrm>
+          </p:grpSpPr>
+          <p:sp>
+            <p:nvSpPr>
+              <p:cNvPr id="37" name="타원 36"/>
+              <p:cNvSpPr/>
+              <p:nvPr/>
+            </p:nvSpPr>
+            <p:spPr>
+              <a:xfrm>
+                <a:off x="4444752" y="1340768"/>
+                <a:ext cx="228848" cy="228848"/>
+              </a:xfrm>
+              <a:prstGeom prst="ellipse">
+                <a:avLst/>
+              </a:prstGeom>
+              <a:solidFill>
+                <a:schemeClr val="tx1">
+                  <a:lumMod val="95000"/>
+                  <a:lumOff val="5000"/>
+                </a:schemeClr>
+              </a:solidFill>
+              <a:ln>
+                <a:noFill/>
+              </a:ln>
+            </p:spPr>
+            <p:style>
+              <a:lnRef idx="2">
+                <a:schemeClr val="accent1">
+                  <a:shade val="50000"/>
+                </a:schemeClr>
+              </a:lnRef>
+              <a:fillRef idx="1">
+                <a:schemeClr val="accent1"/>
+              </a:fillRef>
+              <a:effectRef idx="0">
+                <a:schemeClr val="accent1"/>
+              </a:effectRef>
+              <a:fontRef idx="minor">
+                <a:schemeClr val="lt1"/>
+              </a:fontRef>
+            </p:style>
+            <p:txBody>
+              <a:bodyPr rtlCol="0" anchor="ctr"/>
+              <a:lstStyle/>
+              <a:p>
+                <a:pPr algn="ctr"/>
+                <a:endParaRPr lang="ko-KR" altLang="en-US"/>
+              </a:p>
+            </p:txBody>
+          </p:sp>
+          <p:sp>
+            <p:nvSpPr>
+              <p:cNvPr id="38" name="타원 37"/>
+              <p:cNvSpPr/>
+              <p:nvPr/>
+            </p:nvSpPr>
+            <p:spPr>
+              <a:xfrm>
+                <a:off x="4444752" y="2276872"/>
+                <a:ext cx="228848" cy="228848"/>
+              </a:xfrm>
+              <a:prstGeom prst="ellipse">
+                <a:avLst/>
+              </a:prstGeom>
+              <a:solidFill>
+                <a:schemeClr val="tx1">
+                  <a:lumMod val="95000"/>
+                  <a:lumOff val="5000"/>
+                </a:schemeClr>
+              </a:solidFill>
+              <a:ln>
+                <a:noFill/>
+              </a:ln>
+            </p:spPr>
+            <p:style>
+              <a:lnRef idx="2">
+                <a:schemeClr val="accent1">
+                  <a:shade val="50000"/>
+                </a:schemeClr>
+              </a:lnRef>
+              <a:fillRef idx="1">
+                <a:schemeClr val="accent1"/>
+              </a:fillRef>
+              <a:effectRef idx="0">
+                <a:schemeClr val="accent1"/>
+              </a:effectRef>
+              <a:fontRef idx="minor">
+                <a:schemeClr val="lt1"/>
+              </a:fontRef>
+            </p:style>
+            <p:txBody>
+              <a:bodyPr rtlCol="0" anchor="ctr"/>
+              <a:lstStyle/>
+              <a:p>
+                <a:pPr algn="ctr"/>
+                <a:endParaRPr lang="ko-KR" altLang="en-US"/>
+              </a:p>
+            </p:txBody>
+          </p:sp>
+        </p:grpSp>
+        <p:grpSp>
+          <p:nvGrpSpPr>
+            <p:cNvPr id="34" name="그룹 33"/>
+            <p:cNvGrpSpPr/>
+            <p:nvPr/>
+          </p:nvGrpSpPr>
+          <p:grpSpPr>
+            <a:xfrm rot="7200000">
+              <a:off x="4444752" y="1340768"/>
+              <a:ext cx="228848" cy="1164952"/>
+              <a:chOff x="4444752" y="1340768"/>
+              <a:chExt cx="228848" cy="1164952"/>
+            </a:xfrm>
+          </p:grpSpPr>
+          <p:sp>
+            <p:nvSpPr>
+              <p:cNvPr id="35" name="타원 34"/>
+              <p:cNvSpPr/>
+              <p:nvPr/>
+            </p:nvSpPr>
+            <p:spPr>
+              <a:xfrm>
+                <a:off x="4444752" y="1340768"/>
+                <a:ext cx="228848" cy="228848"/>
+              </a:xfrm>
+              <a:prstGeom prst="ellipse">
+                <a:avLst/>
+              </a:prstGeom>
+              <a:solidFill>
+                <a:schemeClr val="tx1">
+                  <a:lumMod val="95000"/>
+                  <a:lumOff val="5000"/>
+                </a:schemeClr>
+              </a:solidFill>
+              <a:ln>
+                <a:noFill/>
+              </a:ln>
+            </p:spPr>
+            <p:style>
+              <a:lnRef idx="2">
+                <a:schemeClr val="accent1">
+                  <a:shade val="50000"/>
+                </a:schemeClr>
+              </a:lnRef>
+              <a:fillRef idx="1">
+                <a:schemeClr val="accent1"/>
+              </a:fillRef>
+              <a:effectRef idx="0">
+                <a:schemeClr val="accent1"/>
+              </a:effectRef>
+              <a:fontRef idx="minor">
+                <a:schemeClr val="lt1"/>
+              </a:fontRef>
+            </p:style>
+            <p:txBody>
+              <a:bodyPr rtlCol="0" anchor="ctr"/>
+              <a:lstStyle/>
+              <a:p>
+                <a:pPr algn="ctr"/>
+                <a:endParaRPr lang="ko-KR" altLang="en-US"/>
+              </a:p>
+            </p:txBody>
+          </p:sp>
+          <p:sp>
+            <p:nvSpPr>
+              <p:cNvPr id="36" name="타원 35"/>
+              <p:cNvSpPr/>
+              <p:nvPr/>
+            </p:nvSpPr>
+            <p:spPr>
+              <a:xfrm>
+                <a:off x="4444752" y="2276872"/>
+                <a:ext cx="228848" cy="228848"/>
+              </a:xfrm>
+              <a:prstGeom prst="ellipse">
+                <a:avLst/>
+              </a:prstGeom>
+              <a:solidFill>
+                <a:schemeClr val="tx1">
+                  <a:lumMod val="95000"/>
+                  <a:lumOff val="5000"/>
+                </a:schemeClr>
+              </a:solidFill>
+              <a:ln>
+                <a:noFill/>
+              </a:ln>
+            </p:spPr>
+            <p:style>
+              <a:lnRef idx="2">
+                <a:schemeClr val="accent1">
+                  <a:shade val="50000"/>
+                </a:schemeClr>
+              </a:lnRef>
+              <a:fillRef idx="1">
+                <a:schemeClr val="accent1"/>
+              </a:fillRef>
+              <a:effectRef idx="0">
+                <a:schemeClr val="accent1"/>
+              </a:effectRef>
+              <a:fontRef idx="minor">
+                <a:schemeClr val="lt1"/>
+              </a:fontRef>
+            </p:style>
+            <p:txBody>
+              <a:bodyPr rtlCol="0" anchor="ctr"/>
+              <a:lstStyle/>
+              <a:p>
+                <a:pPr algn="ctr"/>
+                <a:endParaRPr lang="ko-KR" altLang="en-US"/>
+              </a:p>
+            </p:txBody>
+          </p:sp>
+        </p:grpSp>
+      </p:grpSp>
+    </p:spTree>
+    <p:extLst>
+      <p:ext uri="{BB962C8B-B14F-4D97-AF65-F5344CB8AC3E}">
+        <p14:creationId xmlns:p14="http://schemas.microsoft.com/office/powerpoint/2010/main" val="448068328"/>
+      </p:ext>
+    </p:extLst>
+  </p:cSld>
+  <p:clrMapOvr>
+    <a:masterClrMapping/>
+  </p:clrMapOvr>
+  <mc:AlternateContent xmlns:mc="http://schemas.openxmlformats.org/markup-compatibility/2006" xmlns:p14="http://schemas.microsoft.com/office/powerpoint/2010/main">
+    <mc:Choice Requires="p14">
+      <p:transition spd="slow" p14:dur="1500" advTm="4000">
+        <p:fade/>
+      </p:transition>
+    </mc:Choice>
+    <mc:Fallback xmlns="">
+      <p:transition spd="slow" advTm="4000">
+        <p:fade/>
+      </p:transition>
+    </mc:Fallback>
+  </mc:AlternateContent>
+  <p:timing>
+    <p:tnLst>
+      <p:par>
+        <p:cTn id="1" dur="indefinite" restart="never" nodeType="tmRoot">
+          <p:childTnLst>
+            <p:seq concurrent="1" nextAc="seek">
+              <p:cTn id="2" dur="indefinite" nodeType="mainSeq">
+                <p:childTnLst>
+                  <p:par>
+                    <p:cTn id="3" fill="hold">
+                      <p:stCondLst>
+                        <p:cond delay="indefinite"/>
+                        <p:cond evt="onBegin" delay="0">
+                          <p:tn val="2"/>
+                        </p:cond>
+                      </p:stCondLst>
+                      <p:childTnLst>
+                        <p:par>
+                          <p:cTn id="4" fill="hold">
+                            <p:stCondLst>
+                              <p:cond delay="0"/>
+                            </p:stCondLst>
+                            <p:childTnLst>
+                              <p:par>
+                                <p:cTn id="5" presetID="8" presetClass="emph" presetSubtype="0" repeatCount="indefinite" fill="hold" nodeType="withEffect">
+                                  <p:stCondLst>
+                                    <p:cond delay="0"/>
+                                  </p:stCondLst>
+                                  <p:childTnLst>
+                                    <p:animRot by="21600000">
+                                      <p:cBhvr>
+                                        <p:cTn id="6" dur="2000" fill="hold"/>
+                                        <p:tgtEl>
+                                          <p:spTgt spid="19"/>
+                                        </p:tgtEl>
+                                        <p:attrNameLst>
+                                          <p:attrName>r</p:attrName>
+                                        </p:attrNameLst>
+                                      </p:cBhvr>
+                                    </p:animRot>
+                                  </p:childTnLst>
+                                </p:cTn>
+                              </p:par>
+                              <p:par>
+                                <p:cTn id="7" presetID="8" presetClass="emph" presetSubtype="0" repeatCount="indefinite" fill="hold" nodeType="withEffect">
+                                  <p:stCondLst>
+                                    <p:cond delay="0"/>
+                                  </p:stCondLst>
+                                  <p:childTnLst>
+                                    <p:animRot by="-21600000">
+                                      <p:cBhvr>
+                                        <p:cTn id="8" dur="2000" fill="hold"/>
+                                        <p:tgtEl>
+                                          <p:spTgt spid="30"/>
+                                        </p:tgtEl>
+                                        <p:attrNameLst>
+                                          <p:attrName>r</p:attrName>
+                                        </p:attrNameLst>
+                                      </p:cBhvr>
+                                    </p:animRot>
+                                  </p:childTnLst>
+                                </p:cTn>
+                              </p:par>
+                            </p:childTnLst>
+                          </p:cTn>
+                        </p:par>
+                      </p:childTnLst>
+                    </p:cTn>
+                  </p:par>
+                </p:childTnLst>
+              </p:cTn>
+              <p:prevCondLst>
+                <p:cond evt="onPrev" delay="0">
+                  <p:tgtEl>
+                    <p:sldTgt/>
+                  </p:tgtEl>
+                </p:cond>
+              </p:prevCondLst>
+              <p:nextCondLst>
+                <p:cond evt="onNext" delay="0">
+                  <p:tgtEl>
+                    <p:sldTgt/>
+                  </p:tgtEl>
+                </p:cond>
+              </p:nextCondLst>
+            </p:seq>
+          </p:childTnLst>
+        </p:cTn>
+      </p:par>
+    </p:tnLst>
+  </p:timing>
+</p:sld>
+</file>
+
+<file path=ppt/slides/slide7.xml><?xml version="1.0" encoding="utf-8"?>
+<p:sld xmlns:a="http://schemas.openxmlformats.org/drawingml/2006/main" xmlns:r="http://schemas.openxmlformats.org/officeDocument/2006/relationships" xmlns:p="http://schemas.openxmlformats.org/presentationml/2006/main">
+  <p:cSld>
+    <p:spTree>
+      <p:nvGrpSpPr>
+        <p:cNvPr id="1" name=""/>
+        <p:cNvGrpSpPr/>
+        <p:nvPr/>
+      </p:nvGrpSpPr>
+      <p:grpSpPr>
+        <a:xfrm>
+          <a:off x="0" y="0"/>
+          <a:ext cx="0" cy="0"/>
+          <a:chOff x="0" y="0"/>
+          <a:chExt cx="0" cy="0"/>
+        </a:xfrm>
+      </p:grpSpPr>
+      <p:sp>
+        <p:nvSpPr>
+          <p:cNvPr id="6" name="모서리가 둥근 직사각형 5"/>
+          <p:cNvSpPr/>
+          <p:nvPr/>
+        </p:nvSpPr>
+        <p:spPr>
+          <a:xfrm>
+            <a:off x="1475656" y="1520788"/>
+            <a:ext cx="2304256" cy="4197976"/>
+          </a:xfrm>
+          <a:prstGeom prst="roundRect">
+            <a:avLst/>
+          </a:prstGeom>
+          <a:noFill/>
+          <a:ln>
+            <a:solidFill>
+              <a:srgbClr val="7030A0"/>
+            </a:solidFill>
+          </a:ln>
+        </p:spPr>
+        <p:style>
+          <a:lnRef idx="2">
+            <a:schemeClr val="accent1">
+              <a:shade val="50000"/>
+            </a:schemeClr>
+          </a:lnRef>
+          <a:fillRef idx="1">
+            <a:schemeClr val="accent1"/>
+          </a:fillRef>
+          <a:effectRef idx="0">
+            <a:schemeClr val="accent1"/>
+          </a:effectRef>
+          <a:fontRef idx="minor">
+            <a:schemeClr val="lt1"/>
+          </a:fontRef>
+        </p:style>
+        <p:txBody>
+          <a:bodyPr rtlCol="0" anchor="ctr"/>
+          <a:lstStyle/>
+          <a:p>
+            <a:pPr algn="ctr"/>
+            <a:endParaRPr lang="ko-KR" altLang="en-US"/>
+          </a:p>
+        </p:txBody>
+      </p:sp>
       <p:sp>
         <p:nvSpPr>
           <p:cNvPr id="4" name="직사각형 3"/>
@@ -10714,18 +15096,28 @@
               <a:t>       </a:t>
             </a:r>
             <a:r>
-              <a:rPr lang="ko-KR" altLang="en-US" b="1" dirty="0">
+              <a:rPr lang="ko-KR" altLang="en-US" b="1" dirty="0" smtClean="0">
                 <a:solidFill>
                   <a:schemeClr val="tx1">
                     <a:lumMod val="85000"/>
                     <a:lumOff val="15000"/>
                   </a:schemeClr>
                 </a:solidFill>
-                <a:latin typeface="여기어때 잘난체 OTF" panose="020B0600000101010101" pitchFamily="34" charset="-127"/>
-                <a:ea typeface="여기어때 잘난체 OTF" panose="020B0600000101010101" pitchFamily="34" charset="-127"/>
+                <a:latin typeface="나눔스퀘어_ac Bold" panose="020B0600000101010101" pitchFamily="50" charset="-127"/>
+                <a:ea typeface="나눔스퀘어_ac Bold" panose="020B0600000101010101" pitchFamily="50" charset="-127"/>
               </a:rPr>
-              <a:t>제목을 입력해 주세요</a:t>
+              <a:t>프로젝트 스킬</a:t>
             </a:r>
+            <a:endParaRPr lang="ko-KR" altLang="en-US" b="1" dirty="0">
+              <a:solidFill>
+                <a:schemeClr val="tx1">
+                  <a:lumMod val="85000"/>
+                  <a:lumOff val="15000"/>
+                </a:schemeClr>
+              </a:solidFill>
+              <a:latin typeface="나눔스퀘어_ac Bold" panose="020B0600000101010101" pitchFamily="50" charset="-127"/>
+              <a:ea typeface="나눔스퀘어_ac Bold" panose="020B0600000101010101" pitchFamily="50" charset="-127"/>
+            </a:endParaRPr>
           </a:p>
         </p:txBody>
       </p:sp>
@@ -10894,8 +15286,8 @@
                     <a:lumOff val="15000"/>
                   </a:schemeClr>
                 </a:solidFill>
-                <a:latin typeface="여기어때 잘난체 OTF" panose="020B0600000101010101" pitchFamily="34" charset="-127"/>
-                <a:ea typeface="여기어때 잘난체 OTF" panose="020B0600000101010101" pitchFamily="34" charset="-127"/>
+                <a:latin typeface="나눔스퀘어_ac ExtraBold" panose="020B0600000101010101" pitchFamily="50" charset="-127"/>
+                <a:ea typeface="나눔스퀘어_ac ExtraBold" panose="020B0600000101010101" pitchFamily="50" charset="-127"/>
                 <a:cs typeface="Open Sans Extrabold" panose="020B0906030804020204" pitchFamily="34" charset="0"/>
               </a:rPr>
               <a:t>2</a:t>
@@ -10907,10 +15299,486 @@
                   <a:lumOff val="15000"/>
                 </a:schemeClr>
               </a:solidFill>
-              <a:latin typeface="여기어때 잘난체 OTF" panose="020B0600000101010101" pitchFamily="34" charset="-127"/>
-              <a:ea typeface="여기어때 잘난체 OTF" panose="020B0600000101010101" pitchFamily="34" charset="-127"/>
+              <a:latin typeface="나눔스퀘어_ac ExtraBold" panose="020B0600000101010101" pitchFamily="50" charset="-127"/>
+              <a:ea typeface="나눔스퀘어_ac ExtraBold" panose="020B0600000101010101" pitchFamily="50" charset="-127"/>
               <a:cs typeface="Open Sans Extrabold" panose="020B0906030804020204" pitchFamily="34" charset="0"/>
             </a:endParaRPr>
+          </a:p>
+        </p:txBody>
+      </p:sp>
+      <p:pic>
+        <p:nvPicPr>
+          <p:cNvPr id="1027" name="Picture 3" descr="D:\vsc.png"/>
+          <p:cNvPicPr>
+            <a:picLocks noChangeAspect="1" noChangeArrowheads="1"/>
+          </p:cNvPicPr>
+          <p:nvPr/>
+        </p:nvPicPr>
+        <p:blipFill>
+          <a:blip r:embed="rId2">
+            <a:extLst>
+              <a:ext uri="{28A0092B-C50C-407E-A947-70E740481C1C}">
+                <a14:useLocalDpi xmlns:a14="http://schemas.microsoft.com/office/drawing/2010/main" val="0"/>
+              </a:ext>
+            </a:extLst>
+          </a:blip>
+          <a:srcRect/>
+          <a:stretch>
+            <a:fillRect/>
+          </a:stretch>
+        </p:blipFill>
+        <p:spPr bwMode="auto">
+          <a:xfrm>
+            <a:off x="1718917" y="2309394"/>
+            <a:ext cx="1800000" cy="900000"/>
+          </a:xfrm>
+          <a:prstGeom prst="rect">
+            <a:avLst/>
+          </a:prstGeom>
+          <a:noFill/>
+          <a:extLst>
+            <a:ext uri="{909E8E84-426E-40DD-AFC4-6F175D3DCCD1}">
+              <a14:hiddenFill xmlns:a14="http://schemas.microsoft.com/office/drawing/2010/main">
+                <a:solidFill>
+                  <a:srgbClr val="FFFFFF"/>
+                </a:solidFill>
+              </a14:hiddenFill>
+            </a:ext>
+          </a:extLst>
+        </p:spPr>
+      </p:pic>
+      <p:pic>
+        <p:nvPicPr>
+          <p:cNvPr id="1028" name="Picture 4" descr="C:\Users\user\Downloads\js.png"/>
+          <p:cNvPicPr>
+            <a:picLocks noChangeAspect="1" noChangeArrowheads="1"/>
+          </p:cNvPicPr>
+          <p:nvPr/>
+        </p:nvPicPr>
+        <p:blipFill>
+          <a:blip r:embed="rId3" cstate="print">
+            <a:extLst>
+              <a:ext uri="{28A0092B-C50C-407E-A947-70E740481C1C}">
+                <a14:useLocalDpi xmlns:a14="http://schemas.microsoft.com/office/drawing/2010/main" val="0"/>
+              </a:ext>
+            </a:extLst>
+          </a:blip>
+          <a:srcRect/>
+          <a:stretch>
+            <a:fillRect/>
+          </a:stretch>
+        </p:blipFill>
+        <p:spPr bwMode="auto">
+          <a:xfrm>
+            <a:off x="1750518" y="4581128"/>
+            <a:ext cx="720000" cy="720000"/>
+          </a:xfrm>
+          <a:prstGeom prst="rect">
+            <a:avLst/>
+          </a:prstGeom>
+          <a:noFill/>
+          <a:extLst>
+            <a:ext uri="{909E8E84-426E-40DD-AFC4-6F175D3DCCD1}">
+              <a14:hiddenFill xmlns:a14="http://schemas.microsoft.com/office/drawing/2010/main">
+                <a:solidFill>
+                  <a:srgbClr val="FFFFFF"/>
+                </a:solidFill>
+              </a14:hiddenFill>
+            </a:ext>
+          </a:extLst>
+        </p:spPr>
+      </p:pic>
+      <p:pic>
+        <p:nvPicPr>
+          <p:cNvPr id="1026" name="Picture 2" descr="C:\Users\user\Downloads\csshtml.png"/>
+          <p:cNvPicPr>
+            <a:picLocks noChangeAspect="1" noChangeArrowheads="1"/>
+          </p:cNvPicPr>
+          <p:nvPr/>
+        </p:nvPicPr>
+        <p:blipFill>
+          <a:blip r:embed="rId4">
+            <a:extLst>
+              <a:ext uri="{28A0092B-C50C-407E-A947-70E740481C1C}">
+                <a14:useLocalDpi xmlns:a14="http://schemas.microsoft.com/office/drawing/2010/main" val="0"/>
+              </a:ext>
+            </a:extLst>
+          </a:blip>
+          <a:srcRect/>
+          <a:stretch>
+            <a:fillRect/>
+          </a:stretch>
+        </p:blipFill>
+        <p:spPr bwMode="auto">
+          <a:xfrm>
+            <a:off x="1718917" y="3151256"/>
+            <a:ext cx="1800000" cy="1390315"/>
+          </a:xfrm>
+          <a:prstGeom prst="rect">
+            <a:avLst/>
+          </a:prstGeom>
+          <a:noFill/>
+          <a:extLst>
+            <a:ext uri="{909E8E84-426E-40DD-AFC4-6F175D3DCCD1}">
+              <a14:hiddenFill xmlns:a14="http://schemas.microsoft.com/office/drawing/2010/main">
+                <a:solidFill>
+                  <a:srgbClr val="FFFFFF"/>
+                </a:solidFill>
+              </a14:hiddenFill>
+            </a:ext>
+          </a:extLst>
+        </p:spPr>
+      </p:pic>
+      <p:pic>
+        <p:nvPicPr>
+          <p:cNvPr id="1030" name="Picture 6" descr="D:\img.png"/>
+          <p:cNvPicPr>
+            <a:picLocks noChangeAspect="1" noChangeArrowheads="1"/>
+          </p:cNvPicPr>
+          <p:nvPr/>
+        </p:nvPicPr>
+        <p:blipFill>
+          <a:blip r:embed="rId5">
+            <a:extLst>
+              <a:ext uri="{28A0092B-C50C-407E-A947-70E740481C1C}">
+                <a14:useLocalDpi xmlns:a14="http://schemas.microsoft.com/office/drawing/2010/main" val="0"/>
+              </a:ext>
+            </a:extLst>
+          </a:blip>
+          <a:srcRect/>
+          <a:stretch>
+            <a:fillRect/>
+          </a:stretch>
+        </p:blipFill>
+        <p:spPr bwMode="auto">
+          <a:xfrm>
+            <a:off x="7120206" y="2399394"/>
+            <a:ext cx="952258" cy="720000"/>
+          </a:xfrm>
+          <a:prstGeom prst="rect">
+            <a:avLst/>
+          </a:prstGeom>
+          <a:noFill/>
+          <a:extLst>
+            <a:ext uri="{909E8E84-426E-40DD-AFC4-6F175D3DCCD1}">
+              <a14:hiddenFill xmlns:a14="http://schemas.microsoft.com/office/drawing/2010/main">
+                <a:solidFill>
+                  <a:srgbClr val="FFFFFF"/>
+                </a:solidFill>
+              </a14:hiddenFill>
+            </a:ext>
+          </a:extLst>
+        </p:spPr>
+      </p:pic>
+      <p:pic>
+        <p:nvPicPr>
+          <p:cNvPr id="1033" name="Picture 9" descr="D:\github_img.png"/>
+          <p:cNvPicPr>
+            <a:picLocks noChangeAspect="1" noChangeArrowheads="1"/>
+          </p:cNvPicPr>
+          <p:nvPr/>
+        </p:nvPicPr>
+        <p:blipFill>
+          <a:blip r:embed="rId6">
+            <a:extLst>
+              <a:ext uri="{28A0092B-C50C-407E-A947-70E740481C1C}">
+                <a14:useLocalDpi xmlns:a14="http://schemas.microsoft.com/office/drawing/2010/main" val="0"/>
+              </a:ext>
+            </a:extLst>
+          </a:blip>
+          <a:srcRect/>
+          <a:stretch>
+            <a:fillRect/>
+          </a:stretch>
+        </p:blipFill>
+        <p:spPr bwMode="auto">
+          <a:xfrm>
+            <a:off x="4536056" y="2219394"/>
+            <a:ext cx="1080000" cy="1080000"/>
+          </a:xfrm>
+          <a:prstGeom prst="rect">
+            <a:avLst/>
+          </a:prstGeom>
+          <a:noFill/>
+          <a:extLst>
+            <a:ext uri="{909E8E84-426E-40DD-AFC4-6F175D3DCCD1}">
+              <a14:hiddenFill xmlns:a14="http://schemas.microsoft.com/office/drawing/2010/main">
+                <a:solidFill>
+                  <a:srgbClr val="FFFFFF"/>
+                </a:solidFill>
+              </a14:hiddenFill>
+            </a:ext>
+          </a:extLst>
+        </p:spPr>
+      </p:pic>
+      <p:pic>
+        <p:nvPicPr>
+          <p:cNvPr id="1032" name="Picture 8" descr="D:\netlify.png"/>
+          <p:cNvPicPr>
+            <a:picLocks noChangeAspect="1" noChangeArrowheads="1"/>
+          </p:cNvPicPr>
+          <p:nvPr/>
+        </p:nvPicPr>
+        <p:blipFill>
+          <a:blip r:embed="rId7">
+            <a:extLst>
+              <a:ext uri="{28A0092B-C50C-407E-A947-70E740481C1C}">
+                <a14:useLocalDpi xmlns:a14="http://schemas.microsoft.com/office/drawing/2010/main" val="0"/>
+              </a:ext>
+            </a:extLst>
+          </a:blip>
+          <a:srcRect/>
+          <a:stretch>
+            <a:fillRect/>
+          </a:stretch>
+        </p:blipFill>
+        <p:spPr bwMode="auto">
+          <a:xfrm>
+            <a:off x="4354994" y="3488630"/>
+            <a:ext cx="1431134" cy="715567"/>
+          </a:xfrm>
+          <a:prstGeom prst="rect">
+            <a:avLst/>
+          </a:prstGeom>
+          <a:noFill/>
+          <a:extLst>
+            <a:ext uri="{909E8E84-426E-40DD-AFC4-6F175D3DCCD1}">
+              <a14:hiddenFill xmlns:a14="http://schemas.microsoft.com/office/drawing/2010/main">
+                <a:solidFill>
+                  <a:srgbClr val="FFFFFF"/>
+                </a:solidFill>
+              </a14:hiddenFill>
+            </a:ext>
+          </a:extLst>
+        </p:spPr>
+      </p:pic>
+      <p:pic>
+        <p:nvPicPr>
+          <p:cNvPr id="2" name="그림 1"/>
+          <p:cNvPicPr>
+            <a:picLocks noChangeAspect="1"/>
+          </p:cNvPicPr>
+          <p:nvPr/>
+        </p:nvPicPr>
+        <p:blipFill>
+          <a:blip r:embed="rId8" cstate="print">
+            <a:extLst>
+              <a:ext uri="{28A0092B-C50C-407E-A947-70E740481C1C}">
+                <a14:useLocalDpi xmlns:a14="http://schemas.microsoft.com/office/drawing/2010/main" val="0"/>
+              </a:ext>
+            </a:extLst>
+          </a:blip>
+          <a:stretch>
+            <a:fillRect/>
+          </a:stretch>
+        </p:blipFill>
+        <p:spPr>
+          <a:xfrm>
+            <a:off x="2734934" y="4581128"/>
+            <a:ext cx="720000" cy="720000"/>
+          </a:xfrm>
+          <a:prstGeom prst="rect">
+            <a:avLst/>
+          </a:prstGeom>
+        </p:spPr>
+      </p:pic>
+      <p:sp>
+        <p:nvSpPr>
+          <p:cNvPr id="3" name="TextBox 2"/>
+          <p:cNvSpPr txBox="1"/>
+          <p:nvPr/>
+        </p:nvSpPr>
+        <p:spPr>
+          <a:xfrm>
+            <a:off x="1770364" y="1626754"/>
+            <a:ext cx="1498615" cy="369332"/>
+          </a:xfrm>
+          <a:prstGeom prst="rect">
+            <a:avLst/>
+          </a:prstGeom>
+          <a:noFill/>
+        </p:spPr>
+        <p:txBody>
+          <a:bodyPr wrap="none" rtlCol="0">
+            <a:spAutoFit/>
+          </a:bodyPr>
+          <a:lstStyle/>
+          <a:p>
+            <a:r>
+              <a:rPr lang="en-US" altLang="ko-KR" dirty="0" smtClean="0">
+                <a:latin typeface="나눔스퀘어_ac ExtraBold" panose="020B0600000101010101" pitchFamily="50" charset="-127"/>
+                <a:ea typeface="나눔스퀘어_ac ExtraBold" panose="020B0600000101010101" pitchFamily="50" charset="-127"/>
+              </a:rPr>
+              <a:t>FRONT-END</a:t>
+            </a:r>
+            <a:endParaRPr lang="ko-KR" altLang="en-US" dirty="0">
+              <a:latin typeface="나눔스퀘어_ac ExtraBold" panose="020B0600000101010101" pitchFamily="50" charset="-127"/>
+              <a:ea typeface="나눔스퀘어_ac ExtraBold" panose="020B0600000101010101" pitchFamily="50" charset="-127"/>
+            </a:endParaRPr>
+          </a:p>
+        </p:txBody>
+      </p:sp>
+      <p:sp>
+        <p:nvSpPr>
+          <p:cNvPr id="28" name="TextBox 27"/>
+          <p:cNvSpPr txBox="1"/>
+          <p:nvPr/>
+        </p:nvSpPr>
+        <p:spPr>
+          <a:xfrm>
+            <a:off x="4588692" y="1636046"/>
+            <a:ext cx="1069011" cy="369332"/>
+          </a:xfrm>
+          <a:prstGeom prst="rect">
+            <a:avLst/>
+          </a:prstGeom>
+          <a:noFill/>
+        </p:spPr>
+        <p:txBody>
+          <a:bodyPr wrap="none" rtlCol="0">
+            <a:spAutoFit/>
+          </a:bodyPr>
+          <a:lstStyle/>
+          <a:p>
+            <a:r>
+              <a:rPr lang="en-US" altLang="ko-KR" dirty="0" smtClean="0">
+                <a:latin typeface="나눔스퀘어_ac ExtraBold" panose="020B0600000101010101" pitchFamily="50" charset="-127"/>
+                <a:ea typeface="나눔스퀘어_ac ExtraBold" panose="020B0600000101010101" pitchFamily="50" charset="-127"/>
+              </a:rPr>
+              <a:t>DEPLOY</a:t>
+            </a:r>
+            <a:endParaRPr lang="ko-KR" altLang="en-US" dirty="0">
+              <a:latin typeface="나눔스퀘어_ac ExtraBold" panose="020B0600000101010101" pitchFamily="50" charset="-127"/>
+              <a:ea typeface="나눔스퀘어_ac ExtraBold" panose="020B0600000101010101" pitchFamily="50" charset="-127"/>
+            </a:endParaRPr>
+          </a:p>
+        </p:txBody>
+      </p:sp>
+      <p:sp>
+        <p:nvSpPr>
+          <p:cNvPr id="29" name="TextBox 28"/>
+          <p:cNvSpPr txBox="1"/>
+          <p:nvPr/>
+        </p:nvSpPr>
+        <p:spPr>
+          <a:xfrm>
+            <a:off x="6977416" y="1703408"/>
+            <a:ext cx="1237839" cy="369332"/>
+          </a:xfrm>
+          <a:prstGeom prst="rect">
+            <a:avLst/>
+          </a:prstGeom>
+          <a:noFill/>
+        </p:spPr>
+        <p:txBody>
+          <a:bodyPr wrap="none" rtlCol="0">
+            <a:spAutoFit/>
+          </a:bodyPr>
+          <a:lstStyle/>
+          <a:p>
+            <a:r>
+              <a:rPr lang="en-US" altLang="ko-KR" dirty="0" smtClean="0">
+                <a:latin typeface="나눔스퀘어_ac ExtraBold" panose="020B0600000101010101" pitchFamily="50" charset="-127"/>
+                <a:ea typeface="나눔스퀘어_ac ExtraBold" panose="020B0600000101010101" pitchFamily="50" charset="-127"/>
+              </a:rPr>
+              <a:t>OPEN API</a:t>
+            </a:r>
+            <a:endParaRPr lang="ko-KR" altLang="en-US" dirty="0">
+              <a:latin typeface="나눔스퀘어_ac ExtraBold" panose="020B0600000101010101" pitchFamily="50" charset="-127"/>
+              <a:ea typeface="나눔스퀘어_ac ExtraBold" panose="020B0600000101010101" pitchFamily="50" charset="-127"/>
+            </a:endParaRPr>
+          </a:p>
+        </p:txBody>
+      </p:sp>
+      <p:sp>
+        <p:nvSpPr>
+          <p:cNvPr id="31" name="모서리가 둥근 직사각형 30"/>
+          <p:cNvSpPr/>
+          <p:nvPr/>
+        </p:nvSpPr>
+        <p:spPr>
+          <a:xfrm>
+            <a:off x="3959932" y="1520788"/>
+            <a:ext cx="2304256" cy="4197976"/>
+          </a:xfrm>
+          <a:prstGeom prst="roundRect">
+            <a:avLst/>
+          </a:prstGeom>
+          <a:noFill/>
+          <a:ln>
+            <a:solidFill>
+              <a:srgbClr val="7030A0"/>
+            </a:solidFill>
+          </a:ln>
+        </p:spPr>
+        <p:style>
+          <a:lnRef idx="2">
+            <a:schemeClr val="accent1">
+              <a:shade val="50000"/>
+            </a:schemeClr>
+          </a:lnRef>
+          <a:fillRef idx="1">
+            <a:schemeClr val="accent1"/>
+          </a:fillRef>
+          <a:effectRef idx="0">
+            <a:schemeClr val="accent1"/>
+          </a:effectRef>
+          <a:fontRef idx="minor">
+            <a:schemeClr val="lt1"/>
+          </a:fontRef>
+        </p:style>
+        <p:txBody>
+          <a:bodyPr rtlCol="0" anchor="ctr"/>
+          <a:lstStyle/>
+          <a:p>
+            <a:pPr algn="ctr"/>
+            <a:endParaRPr lang="ko-KR" altLang="en-US"/>
+          </a:p>
+        </p:txBody>
+      </p:sp>
+      <p:sp>
+        <p:nvSpPr>
+          <p:cNvPr id="32" name="모서리가 둥근 직사각형 31"/>
+          <p:cNvSpPr/>
+          <p:nvPr/>
+        </p:nvSpPr>
+        <p:spPr>
+          <a:xfrm>
+            <a:off x="6444208" y="1520788"/>
+            <a:ext cx="2304256" cy="4197976"/>
+          </a:xfrm>
+          <a:prstGeom prst="roundRect">
+            <a:avLst/>
+          </a:prstGeom>
+          <a:noFill/>
+          <a:ln>
+            <a:solidFill>
+              <a:srgbClr val="7030A0"/>
+            </a:solidFill>
+          </a:ln>
+        </p:spPr>
+        <p:style>
+          <a:lnRef idx="2">
+            <a:schemeClr val="accent1">
+              <a:shade val="50000"/>
+            </a:schemeClr>
+          </a:lnRef>
+          <a:fillRef idx="1">
+            <a:schemeClr val="accent1"/>
+          </a:fillRef>
+          <a:effectRef idx="0">
+            <a:schemeClr val="accent1"/>
+          </a:effectRef>
+          <a:fontRef idx="minor">
+            <a:schemeClr val="lt1"/>
+          </a:fontRef>
+        </p:style>
+        <p:txBody>
+          <a:bodyPr rtlCol="0" anchor="ctr"/>
+          <a:lstStyle/>
+          <a:p>
+            <a:pPr algn="ctr"/>
+            <a:endParaRPr lang="ko-KR" altLang="en-US"/>
           </a:p>
         </p:txBody>
       </p:sp>
@@ -10937,7 +15805,1150 @@
 </p:sld>
 </file>
 
-<file path=ppt/slides/slide7.xml><?xml version="1.0" encoding="utf-8"?>
+<file path=ppt/slides/slide8.xml><?xml version="1.0" encoding="utf-8"?>
+<p:sld xmlns:a="http://schemas.openxmlformats.org/drawingml/2006/main" xmlns:r="http://schemas.openxmlformats.org/officeDocument/2006/relationships" xmlns:p="http://schemas.openxmlformats.org/presentationml/2006/main">
+  <p:cSld>
+    <p:spTree>
+      <p:nvGrpSpPr>
+        <p:cNvPr id="1" name=""/>
+        <p:cNvGrpSpPr/>
+        <p:nvPr/>
+      </p:nvGrpSpPr>
+      <p:grpSpPr>
+        <a:xfrm>
+          <a:off x="0" y="0"/>
+          <a:ext cx="0" cy="0"/>
+          <a:chOff x="0" y="0"/>
+          <a:chExt cx="0" cy="0"/>
+        </a:xfrm>
+      </p:grpSpPr>
+      <p:pic>
+        <p:nvPicPr>
+          <p:cNvPr id="7" name="그림 6"/>
+          <p:cNvPicPr>
+            <a:picLocks noChangeAspect="1"/>
+          </p:cNvPicPr>
+          <p:nvPr/>
+        </p:nvPicPr>
+        <p:blipFill>
+          <a:blip r:embed="rId2" cstate="print">
+            <a:extLst>
+              <a:ext uri="{28A0092B-C50C-407E-A947-70E740481C1C}">
+                <a14:useLocalDpi xmlns:a14="http://schemas.microsoft.com/office/drawing/2010/main" val="0"/>
+              </a:ext>
+            </a:extLst>
+          </a:blip>
+          <a:stretch>
+            <a:fillRect/>
+          </a:stretch>
+        </p:blipFill>
+        <p:spPr>
+          <a:xfrm>
+            <a:off x="0" y="0"/>
+            <a:ext cx="9144000" cy="6858000"/>
+          </a:xfrm>
+          <a:prstGeom prst="rect">
+            <a:avLst/>
+          </a:prstGeom>
+        </p:spPr>
+      </p:pic>
+      <p:sp>
+        <p:nvSpPr>
+          <p:cNvPr id="15" name="모서리가 둥근 직사각형 14"/>
+          <p:cNvSpPr/>
+          <p:nvPr/>
+        </p:nvSpPr>
+        <p:spPr>
+          <a:xfrm>
+            <a:off x="1257453" y="3333954"/>
+            <a:ext cx="7414135" cy="454619"/>
+          </a:xfrm>
+          <a:prstGeom prst="roundRect">
+            <a:avLst>
+              <a:gd name="adj" fmla="val 50000"/>
+            </a:avLst>
+          </a:prstGeom>
+          <a:solidFill>
+            <a:schemeClr val="bg1">
+              <a:lumMod val="95000"/>
+            </a:schemeClr>
+          </a:solidFill>
+          <a:ln>
+            <a:solidFill>
+              <a:schemeClr val="tx1">
+                <a:lumMod val="85000"/>
+                <a:lumOff val="15000"/>
+              </a:schemeClr>
+            </a:solidFill>
+          </a:ln>
+          <a:scene3d>
+            <a:camera prst="obliqueTopLeft"/>
+            <a:lightRig rig="threePt" dir="t"/>
+          </a:scene3d>
+        </p:spPr>
+        <p:style>
+          <a:lnRef idx="2">
+            <a:schemeClr val="accent1">
+              <a:shade val="50000"/>
+            </a:schemeClr>
+          </a:lnRef>
+          <a:fillRef idx="1">
+            <a:schemeClr val="accent1"/>
+          </a:fillRef>
+          <a:effectRef idx="0">
+            <a:schemeClr val="accent1"/>
+          </a:effectRef>
+          <a:fontRef idx="minor">
+            <a:schemeClr val="lt1"/>
+          </a:fontRef>
+        </p:style>
+        <p:txBody>
+          <a:bodyPr rtlCol="0" anchor="ctr"/>
+          <a:lstStyle/>
+          <a:p>
+            <a:r>
+              <a:rPr lang="en-US" altLang="ko-KR" b="1" dirty="0">
+                <a:solidFill>
+                  <a:schemeClr val="tx1">
+                    <a:lumMod val="85000"/>
+                    <a:lumOff val="15000"/>
+                  </a:schemeClr>
+                </a:solidFill>
+                <a:latin typeface="나눔스퀘어_ac Bold" panose="020B0600000101010101" pitchFamily="50" charset="-127"/>
+                <a:ea typeface="나눔스퀘어_ac Bold" panose="020B0600000101010101" pitchFamily="50" charset="-127"/>
+              </a:rPr>
+              <a:t>                                                                       </a:t>
+            </a:r>
+            <a:r>
+              <a:rPr lang="ko-KR" altLang="en-US" b="1" dirty="0" smtClean="0">
+                <a:solidFill>
+                  <a:schemeClr val="tx1">
+                    <a:lumMod val="85000"/>
+                    <a:lumOff val="15000"/>
+                  </a:schemeClr>
+                </a:solidFill>
+                <a:latin typeface="나눔스퀘어_ac Bold" panose="020B0600000101010101" pitchFamily="50" charset="-127"/>
+                <a:ea typeface="나눔스퀘어_ac Bold" panose="020B0600000101010101" pitchFamily="50" charset="-127"/>
+              </a:rPr>
+              <a:t>프로젝트 </a:t>
+            </a:r>
+            <a:r>
+              <a:rPr lang="ko-KR" altLang="en-US" b="1" dirty="0" err="1" smtClean="0">
+                <a:solidFill>
+                  <a:schemeClr val="tx1">
+                    <a:lumMod val="85000"/>
+                    <a:lumOff val="15000"/>
+                  </a:schemeClr>
+                </a:solidFill>
+                <a:latin typeface="나눔스퀘어_ac Bold" panose="020B0600000101010101" pitchFamily="50" charset="-127"/>
+                <a:ea typeface="나눔스퀘어_ac Bold" panose="020B0600000101010101" pitchFamily="50" charset="-127"/>
+              </a:rPr>
+              <a:t>느낀점</a:t>
+            </a:r>
+            <a:endParaRPr lang="ko-KR" altLang="en-US" b="1" dirty="0">
+              <a:solidFill>
+                <a:schemeClr val="tx1">
+                  <a:lumMod val="85000"/>
+                  <a:lumOff val="15000"/>
+                </a:schemeClr>
+              </a:solidFill>
+              <a:latin typeface="나눔스퀘어_ac Bold" panose="020B0600000101010101" pitchFamily="50" charset="-127"/>
+              <a:ea typeface="나눔스퀘어_ac Bold" panose="020B0600000101010101" pitchFamily="50" charset="-127"/>
+            </a:endParaRPr>
+          </a:p>
+        </p:txBody>
+      </p:sp>
+      <p:sp>
+        <p:nvSpPr>
+          <p:cNvPr id="17" name="타원 16"/>
+          <p:cNvSpPr/>
+          <p:nvPr/>
+        </p:nvSpPr>
+        <p:spPr>
+          <a:xfrm>
+            <a:off x="395536" y="2852936"/>
+            <a:ext cx="1368152" cy="1368152"/>
+          </a:xfrm>
+          <a:prstGeom prst="ellipse">
+            <a:avLst/>
+          </a:prstGeom>
+          <a:solidFill>
+            <a:schemeClr val="bg1"/>
+          </a:solidFill>
+          <a:ln>
+            <a:noFill/>
+          </a:ln>
+          <a:scene3d>
+            <a:camera prst="obliqueTopLeft"/>
+            <a:lightRig rig="threePt" dir="t"/>
+          </a:scene3d>
+        </p:spPr>
+        <p:style>
+          <a:lnRef idx="2">
+            <a:schemeClr val="accent1">
+              <a:shade val="50000"/>
+            </a:schemeClr>
+          </a:lnRef>
+          <a:fillRef idx="1">
+            <a:schemeClr val="accent1"/>
+          </a:fillRef>
+          <a:effectRef idx="0">
+            <a:schemeClr val="accent1"/>
+          </a:effectRef>
+          <a:fontRef idx="minor">
+            <a:schemeClr val="lt1"/>
+          </a:fontRef>
+        </p:style>
+        <p:txBody>
+          <a:bodyPr rtlCol="0" anchor="ctr"/>
+          <a:lstStyle/>
+          <a:p>
+            <a:pPr algn="ctr"/>
+            <a:r>
+              <a:rPr lang="en-US" altLang="ko-KR" sz="4800" dirty="0">
+                <a:solidFill>
+                  <a:schemeClr val="tx1">
+                    <a:lumMod val="95000"/>
+                    <a:lumOff val="5000"/>
+                  </a:schemeClr>
+                </a:solidFill>
+                <a:latin typeface="나눔스퀘어_ac ExtraBold" panose="020B0600000101010101" pitchFamily="50" charset="-127"/>
+                <a:ea typeface="나눔스퀘어_ac ExtraBold" panose="020B0600000101010101" pitchFamily="50" charset="-127"/>
+                <a:cs typeface="Open Sans Extrabold" panose="020B0906030804020204" pitchFamily="34" charset="0"/>
+              </a:rPr>
+              <a:t>3</a:t>
+            </a:r>
+            <a:endParaRPr lang="ko-KR" altLang="en-US" sz="4800" dirty="0">
+              <a:solidFill>
+                <a:schemeClr val="tx1">
+                  <a:lumMod val="95000"/>
+                  <a:lumOff val="5000"/>
+                </a:schemeClr>
+              </a:solidFill>
+              <a:latin typeface="나눔스퀘어_ac ExtraBold" panose="020B0600000101010101" pitchFamily="50" charset="-127"/>
+              <a:ea typeface="나눔스퀘어_ac ExtraBold" panose="020B0600000101010101" pitchFamily="50" charset="-127"/>
+              <a:cs typeface="Open Sans Extrabold" panose="020B0906030804020204" pitchFamily="34" charset="0"/>
+            </a:endParaRPr>
+          </a:p>
+        </p:txBody>
+      </p:sp>
+      <p:grpSp>
+        <p:nvGrpSpPr>
+          <p:cNvPr id="19" name="그룹 18"/>
+          <p:cNvGrpSpPr/>
+          <p:nvPr/>
+        </p:nvGrpSpPr>
+        <p:grpSpPr>
+          <a:xfrm>
+            <a:off x="3832684" y="1196752"/>
+            <a:ext cx="1452984" cy="1452984"/>
+            <a:chOff x="3832684" y="1196752"/>
+            <a:chExt cx="1452984" cy="1452984"/>
+          </a:xfrm>
+        </p:grpSpPr>
+        <p:sp>
+          <p:nvSpPr>
+            <p:cNvPr id="20" name="타원 19"/>
+            <p:cNvSpPr/>
+            <p:nvPr/>
+          </p:nvSpPr>
+          <p:spPr>
+            <a:xfrm>
+              <a:off x="3832684" y="1196752"/>
+              <a:ext cx="1452984" cy="1452984"/>
+            </a:xfrm>
+            <a:prstGeom prst="ellipse">
+              <a:avLst/>
+            </a:prstGeom>
+            <a:solidFill>
+              <a:schemeClr val="bg1"/>
+            </a:solidFill>
+            <a:ln>
+              <a:noFill/>
+            </a:ln>
+          </p:spPr>
+          <p:style>
+            <a:lnRef idx="2">
+              <a:schemeClr val="accent1">
+                <a:shade val="50000"/>
+              </a:schemeClr>
+            </a:lnRef>
+            <a:fillRef idx="1">
+              <a:schemeClr val="accent1"/>
+            </a:fillRef>
+            <a:effectRef idx="0">
+              <a:schemeClr val="accent1"/>
+            </a:effectRef>
+            <a:fontRef idx="minor">
+              <a:schemeClr val="lt1"/>
+            </a:fontRef>
+          </p:style>
+          <p:txBody>
+            <a:bodyPr rtlCol="0" anchor="ctr"/>
+            <a:lstStyle/>
+            <a:p>
+              <a:pPr algn="ctr"/>
+              <a:endParaRPr lang="ko-KR" altLang="en-US"/>
+            </a:p>
+          </p:txBody>
+        </p:sp>
+        <p:grpSp>
+          <p:nvGrpSpPr>
+            <p:cNvPr id="21" name="그룹 20"/>
+            <p:cNvGrpSpPr/>
+            <p:nvPr/>
+          </p:nvGrpSpPr>
+          <p:grpSpPr>
+            <a:xfrm>
+              <a:off x="4444752" y="1340768"/>
+              <a:ext cx="228848" cy="1164952"/>
+              <a:chOff x="4444752" y="1340768"/>
+              <a:chExt cx="228848" cy="1164952"/>
+            </a:xfrm>
+          </p:grpSpPr>
+          <p:sp>
+            <p:nvSpPr>
+              <p:cNvPr id="28" name="타원 27"/>
+              <p:cNvSpPr/>
+              <p:nvPr/>
+            </p:nvSpPr>
+            <p:spPr>
+              <a:xfrm>
+                <a:off x="4444752" y="1340768"/>
+                <a:ext cx="228848" cy="228848"/>
+              </a:xfrm>
+              <a:prstGeom prst="ellipse">
+                <a:avLst/>
+              </a:prstGeom>
+              <a:solidFill>
+                <a:schemeClr val="tx1">
+                  <a:lumMod val="95000"/>
+                  <a:lumOff val="5000"/>
+                </a:schemeClr>
+              </a:solidFill>
+              <a:ln>
+                <a:noFill/>
+              </a:ln>
+            </p:spPr>
+            <p:style>
+              <a:lnRef idx="2">
+                <a:schemeClr val="accent1">
+                  <a:shade val="50000"/>
+                </a:schemeClr>
+              </a:lnRef>
+              <a:fillRef idx="1">
+                <a:schemeClr val="accent1"/>
+              </a:fillRef>
+              <a:effectRef idx="0">
+                <a:schemeClr val="accent1"/>
+              </a:effectRef>
+              <a:fontRef idx="minor">
+                <a:schemeClr val="lt1"/>
+              </a:fontRef>
+            </p:style>
+            <p:txBody>
+              <a:bodyPr rtlCol="0" anchor="ctr"/>
+              <a:lstStyle/>
+              <a:p>
+                <a:pPr algn="ctr"/>
+                <a:endParaRPr lang="ko-KR" altLang="en-US"/>
+              </a:p>
+            </p:txBody>
+          </p:sp>
+          <p:sp>
+            <p:nvSpPr>
+              <p:cNvPr id="29" name="타원 28"/>
+              <p:cNvSpPr/>
+              <p:nvPr/>
+            </p:nvSpPr>
+            <p:spPr>
+              <a:xfrm>
+                <a:off x="4444752" y="2276872"/>
+                <a:ext cx="228848" cy="228848"/>
+              </a:xfrm>
+              <a:prstGeom prst="ellipse">
+                <a:avLst/>
+              </a:prstGeom>
+              <a:solidFill>
+                <a:schemeClr val="tx1">
+                  <a:lumMod val="95000"/>
+                  <a:lumOff val="5000"/>
+                </a:schemeClr>
+              </a:solidFill>
+              <a:ln>
+                <a:noFill/>
+              </a:ln>
+            </p:spPr>
+            <p:style>
+              <a:lnRef idx="2">
+                <a:schemeClr val="accent1">
+                  <a:shade val="50000"/>
+                </a:schemeClr>
+              </a:lnRef>
+              <a:fillRef idx="1">
+                <a:schemeClr val="accent1"/>
+              </a:fillRef>
+              <a:effectRef idx="0">
+                <a:schemeClr val="accent1"/>
+              </a:effectRef>
+              <a:fontRef idx="minor">
+                <a:schemeClr val="lt1"/>
+              </a:fontRef>
+            </p:style>
+            <p:txBody>
+              <a:bodyPr rtlCol="0" anchor="ctr"/>
+              <a:lstStyle/>
+              <a:p>
+                <a:pPr algn="ctr"/>
+                <a:endParaRPr lang="ko-KR" altLang="en-US"/>
+              </a:p>
+            </p:txBody>
+          </p:sp>
+        </p:grpSp>
+        <p:grpSp>
+          <p:nvGrpSpPr>
+            <p:cNvPr id="22" name="그룹 21"/>
+            <p:cNvGrpSpPr/>
+            <p:nvPr/>
+          </p:nvGrpSpPr>
+          <p:grpSpPr>
+            <a:xfrm rot="3600000">
+              <a:off x="4444752" y="1340768"/>
+              <a:ext cx="228848" cy="1164952"/>
+              <a:chOff x="4444752" y="1340768"/>
+              <a:chExt cx="228848" cy="1164952"/>
+            </a:xfrm>
+          </p:grpSpPr>
+          <p:sp>
+            <p:nvSpPr>
+              <p:cNvPr id="26" name="타원 25"/>
+              <p:cNvSpPr/>
+              <p:nvPr/>
+            </p:nvSpPr>
+            <p:spPr>
+              <a:xfrm>
+                <a:off x="4444752" y="1340768"/>
+                <a:ext cx="228848" cy="228848"/>
+              </a:xfrm>
+              <a:prstGeom prst="ellipse">
+                <a:avLst/>
+              </a:prstGeom>
+              <a:solidFill>
+                <a:schemeClr val="tx1">
+                  <a:lumMod val="95000"/>
+                  <a:lumOff val="5000"/>
+                </a:schemeClr>
+              </a:solidFill>
+              <a:ln>
+                <a:noFill/>
+              </a:ln>
+            </p:spPr>
+            <p:style>
+              <a:lnRef idx="2">
+                <a:schemeClr val="accent1">
+                  <a:shade val="50000"/>
+                </a:schemeClr>
+              </a:lnRef>
+              <a:fillRef idx="1">
+                <a:schemeClr val="accent1"/>
+              </a:fillRef>
+              <a:effectRef idx="0">
+                <a:schemeClr val="accent1"/>
+              </a:effectRef>
+              <a:fontRef idx="minor">
+                <a:schemeClr val="lt1"/>
+              </a:fontRef>
+            </p:style>
+            <p:txBody>
+              <a:bodyPr rtlCol="0" anchor="ctr"/>
+              <a:lstStyle/>
+              <a:p>
+                <a:pPr algn="ctr"/>
+                <a:endParaRPr lang="ko-KR" altLang="en-US"/>
+              </a:p>
+            </p:txBody>
+          </p:sp>
+          <p:sp>
+            <p:nvSpPr>
+              <p:cNvPr id="27" name="타원 26"/>
+              <p:cNvSpPr/>
+              <p:nvPr/>
+            </p:nvSpPr>
+            <p:spPr>
+              <a:xfrm>
+                <a:off x="4444752" y="2276872"/>
+                <a:ext cx="228848" cy="228848"/>
+              </a:xfrm>
+              <a:prstGeom prst="ellipse">
+                <a:avLst/>
+              </a:prstGeom>
+              <a:solidFill>
+                <a:schemeClr val="tx1">
+                  <a:lumMod val="95000"/>
+                  <a:lumOff val="5000"/>
+                </a:schemeClr>
+              </a:solidFill>
+              <a:ln>
+                <a:noFill/>
+              </a:ln>
+            </p:spPr>
+            <p:style>
+              <a:lnRef idx="2">
+                <a:schemeClr val="accent1">
+                  <a:shade val="50000"/>
+                </a:schemeClr>
+              </a:lnRef>
+              <a:fillRef idx="1">
+                <a:schemeClr val="accent1"/>
+              </a:fillRef>
+              <a:effectRef idx="0">
+                <a:schemeClr val="accent1"/>
+              </a:effectRef>
+              <a:fontRef idx="minor">
+                <a:schemeClr val="lt1"/>
+              </a:fontRef>
+            </p:style>
+            <p:txBody>
+              <a:bodyPr rtlCol="0" anchor="ctr"/>
+              <a:lstStyle/>
+              <a:p>
+                <a:pPr algn="ctr"/>
+                <a:endParaRPr lang="ko-KR" altLang="en-US"/>
+              </a:p>
+            </p:txBody>
+          </p:sp>
+        </p:grpSp>
+        <p:grpSp>
+          <p:nvGrpSpPr>
+            <p:cNvPr id="23" name="그룹 22"/>
+            <p:cNvGrpSpPr/>
+            <p:nvPr/>
+          </p:nvGrpSpPr>
+          <p:grpSpPr>
+            <a:xfrm rot="7200000">
+              <a:off x="4444752" y="1340768"/>
+              <a:ext cx="228848" cy="1164952"/>
+              <a:chOff x="4444752" y="1340768"/>
+              <a:chExt cx="228848" cy="1164952"/>
+            </a:xfrm>
+          </p:grpSpPr>
+          <p:sp>
+            <p:nvSpPr>
+              <p:cNvPr id="24" name="타원 23"/>
+              <p:cNvSpPr/>
+              <p:nvPr/>
+            </p:nvSpPr>
+            <p:spPr>
+              <a:xfrm>
+                <a:off x="4444752" y="1340768"/>
+                <a:ext cx="228848" cy="228848"/>
+              </a:xfrm>
+              <a:prstGeom prst="ellipse">
+                <a:avLst/>
+              </a:prstGeom>
+              <a:solidFill>
+                <a:schemeClr val="tx1">
+                  <a:lumMod val="95000"/>
+                  <a:lumOff val="5000"/>
+                </a:schemeClr>
+              </a:solidFill>
+              <a:ln>
+                <a:noFill/>
+              </a:ln>
+            </p:spPr>
+            <p:style>
+              <a:lnRef idx="2">
+                <a:schemeClr val="accent1">
+                  <a:shade val="50000"/>
+                </a:schemeClr>
+              </a:lnRef>
+              <a:fillRef idx="1">
+                <a:schemeClr val="accent1"/>
+              </a:fillRef>
+              <a:effectRef idx="0">
+                <a:schemeClr val="accent1"/>
+              </a:effectRef>
+              <a:fontRef idx="minor">
+                <a:schemeClr val="lt1"/>
+              </a:fontRef>
+            </p:style>
+            <p:txBody>
+              <a:bodyPr rtlCol="0" anchor="ctr"/>
+              <a:lstStyle/>
+              <a:p>
+                <a:pPr algn="ctr"/>
+                <a:endParaRPr lang="ko-KR" altLang="en-US"/>
+              </a:p>
+            </p:txBody>
+          </p:sp>
+          <p:sp>
+            <p:nvSpPr>
+              <p:cNvPr id="25" name="타원 24"/>
+              <p:cNvSpPr/>
+              <p:nvPr/>
+            </p:nvSpPr>
+            <p:spPr>
+              <a:xfrm>
+                <a:off x="4444752" y="2276872"/>
+                <a:ext cx="228848" cy="228848"/>
+              </a:xfrm>
+              <a:prstGeom prst="ellipse">
+                <a:avLst/>
+              </a:prstGeom>
+              <a:solidFill>
+                <a:schemeClr val="tx1">
+                  <a:lumMod val="95000"/>
+                  <a:lumOff val="5000"/>
+                </a:schemeClr>
+              </a:solidFill>
+              <a:ln>
+                <a:noFill/>
+              </a:ln>
+            </p:spPr>
+            <p:style>
+              <a:lnRef idx="2">
+                <a:schemeClr val="accent1">
+                  <a:shade val="50000"/>
+                </a:schemeClr>
+              </a:lnRef>
+              <a:fillRef idx="1">
+                <a:schemeClr val="accent1"/>
+              </a:fillRef>
+              <a:effectRef idx="0">
+                <a:schemeClr val="accent1"/>
+              </a:effectRef>
+              <a:fontRef idx="minor">
+                <a:schemeClr val="lt1"/>
+              </a:fontRef>
+            </p:style>
+            <p:txBody>
+              <a:bodyPr rtlCol="0" anchor="ctr"/>
+              <a:lstStyle/>
+              <a:p>
+                <a:pPr algn="ctr"/>
+                <a:endParaRPr lang="ko-KR" altLang="en-US"/>
+              </a:p>
+            </p:txBody>
+          </p:sp>
+        </p:grpSp>
+      </p:grpSp>
+      <p:grpSp>
+        <p:nvGrpSpPr>
+          <p:cNvPr id="30" name="그룹 29"/>
+          <p:cNvGrpSpPr/>
+          <p:nvPr/>
+        </p:nvGrpSpPr>
+        <p:grpSpPr>
+          <a:xfrm>
+            <a:off x="1828096" y="1630889"/>
+            <a:ext cx="1145486" cy="1145486"/>
+            <a:chOff x="3832684" y="1196752"/>
+            <a:chExt cx="1452984" cy="1452984"/>
+          </a:xfrm>
+        </p:grpSpPr>
+        <p:sp>
+          <p:nvSpPr>
+            <p:cNvPr id="31" name="타원 30"/>
+            <p:cNvSpPr/>
+            <p:nvPr/>
+          </p:nvSpPr>
+          <p:spPr>
+            <a:xfrm>
+              <a:off x="3832684" y="1196752"/>
+              <a:ext cx="1452984" cy="1452984"/>
+            </a:xfrm>
+            <a:prstGeom prst="ellipse">
+              <a:avLst/>
+            </a:prstGeom>
+            <a:solidFill>
+              <a:schemeClr val="bg1"/>
+            </a:solidFill>
+            <a:ln>
+              <a:noFill/>
+            </a:ln>
+          </p:spPr>
+          <p:style>
+            <a:lnRef idx="2">
+              <a:schemeClr val="accent1">
+                <a:shade val="50000"/>
+              </a:schemeClr>
+            </a:lnRef>
+            <a:fillRef idx="1">
+              <a:schemeClr val="accent1"/>
+            </a:fillRef>
+            <a:effectRef idx="0">
+              <a:schemeClr val="accent1"/>
+            </a:effectRef>
+            <a:fontRef idx="minor">
+              <a:schemeClr val="lt1"/>
+            </a:fontRef>
+          </p:style>
+          <p:txBody>
+            <a:bodyPr rtlCol="0" anchor="ctr"/>
+            <a:lstStyle/>
+            <a:p>
+              <a:pPr algn="ctr"/>
+              <a:endParaRPr lang="ko-KR" altLang="en-US"/>
+            </a:p>
+          </p:txBody>
+        </p:sp>
+        <p:grpSp>
+          <p:nvGrpSpPr>
+            <p:cNvPr id="32" name="그룹 31"/>
+            <p:cNvGrpSpPr/>
+            <p:nvPr/>
+          </p:nvGrpSpPr>
+          <p:grpSpPr>
+            <a:xfrm>
+              <a:off x="4444752" y="1340768"/>
+              <a:ext cx="228848" cy="1164952"/>
+              <a:chOff x="4444752" y="1340768"/>
+              <a:chExt cx="228848" cy="1164952"/>
+            </a:xfrm>
+          </p:grpSpPr>
+          <p:sp>
+            <p:nvSpPr>
+              <p:cNvPr id="39" name="타원 38"/>
+              <p:cNvSpPr/>
+              <p:nvPr/>
+            </p:nvSpPr>
+            <p:spPr>
+              <a:xfrm>
+                <a:off x="4444752" y="1340768"/>
+                <a:ext cx="228848" cy="228848"/>
+              </a:xfrm>
+              <a:prstGeom prst="ellipse">
+                <a:avLst/>
+              </a:prstGeom>
+              <a:solidFill>
+                <a:schemeClr val="tx1">
+                  <a:lumMod val="95000"/>
+                  <a:lumOff val="5000"/>
+                </a:schemeClr>
+              </a:solidFill>
+              <a:ln>
+                <a:noFill/>
+              </a:ln>
+            </p:spPr>
+            <p:style>
+              <a:lnRef idx="2">
+                <a:schemeClr val="accent1">
+                  <a:shade val="50000"/>
+                </a:schemeClr>
+              </a:lnRef>
+              <a:fillRef idx="1">
+                <a:schemeClr val="accent1"/>
+              </a:fillRef>
+              <a:effectRef idx="0">
+                <a:schemeClr val="accent1"/>
+              </a:effectRef>
+              <a:fontRef idx="minor">
+                <a:schemeClr val="lt1"/>
+              </a:fontRef>
+            </p:style>
+            <p:txBody>
+              <a:bodyPr rtlCol="0" anchor="ctr"/>
+              <a:lstStyle/>
+              <a:p>
+                <a:pPr algn="ctr"/>
+                <a:endParaRPr lang="ko-KR" altLang="en-US"/>
+              </a:p>
+            </p:txBody>
+          </p:sp>
+          <p:sp>
+            <p:nvSpPr>
+              <p:cNvPr id="40" name="타원 39"/>
+              <p:cNvSpPr/>
+              <p:nvPr/>
+            </p:nvSpPr>
+            <p:spPr>
+              <a:xfrm>
+                <a:off x="4444752" y="2276872"/>
+                <a:ext cx="228848" cy="228848"/>
+              </a:xfrm>
+              <a:prstGeom prst="ellipse">
+                <a:avLst/>
+              </a:prstGeom>
+              <a:solidFill>
+                <a:schemeClr val="tx1">
+                  <a:lumMod val="95000"/>
+                  <a:lumOff val="5000"/>
+                </a:schemeClr>
+              </a:solidFill>
+              <a:ln>
+                <a:noFill/>
+              </a:ln>
+            </p:spPr>
+            <p:style>
+              <a:lnRef idx="2">
+                <a:schemeClr val="accent1">
+                  <a:shade val="50000"/>
+                </a:schemeClr>
+              </a:lnRef>
+              <a:fillRef idx="1">
+                <a:schemeClr val="accent1"/>
+              </a:fillRef>
+              <a:effectRef idx="0">
+                <a:schemeClr val="accent1"/>
+              </a:effectRef>
+              <a:fontRef idx="minor">
+                <a:schemeClr val="lt1"/>
+              </a:fontRef>
+            </p:style>
+            <p:txBody>
+              <a:bodyPr rtlCol="0" anchor="ctr"/>
+              <a:lstStyle/>
+              <a:p>
+                <a:pPr algn="ctr"/>
+                <a:endParaRPr lang="ko-KR" altLang="en-US"/>
+              </a:p>
+            </p:txBody>
+          </p:sp>
+        </p:grpSp>
+        <p:grpSp>
+          <p:nvGrpSpPr>
+            <p:cNvPr id="33" name="그룹 32"/>
+            <p:cNvGrpSpPr/>
+            <p:nvPr/>
+          </p:nvGrpSpPr>
+          <p:grpSpPr>
+            <a:xfrm rot="3600000">
+              <a:off x="4444752" y="1340768"/>
+              <a:ext cx="228848" cy="1164952"/>
+              <a:chOff x="4444752" y="1340768"/>
+              <a:chExt cx="228848" cy="1164952"/>
+            </a:xfrm>
+          </p:grpSpPr>
+          <p:sp>
+            <p:nvSpPr>
+              <p:cNvPr id="37" name="타원 36"/>
+              <p:cNvSpPr/>
+              <p:nvPr/>
+            </p:nvSpPr>
+            <p:spPr>
+              <a:xfrm>
+                <a:off x="4444752" y="1340768"/>
+                <a:ext cx="228848" cy="228848"/>
+              </a:xfrm>
+              <a:prstGeom prst="ellipse">
+                <a:avLst/>
+              </a:prstGeom>
+              <a:solidFill>
+                <a:schemeClr val="tx1">
+                  <a:lumMod val="95000"/>
+                  <a:lumOff val="5000"/>
+                </a:schemeClr>
+              </a:solidFill>
+              <a:ln>
+                <a:noFill/>
+              </a:ln>
+            </p:spPr>
+            <p:style>
+              <a:lnRef idx="2">
+                <a:schemeClr val="accent1">
+                  <a:shade val="50000"/>
+                </a:schemeClr>
+              </a:lnRef>
+              <a:fillRef idx="1">
+                <a:schemeClr val="accent1"/>
+              </a:fillRef>
+              <a:effectRef idx="0">
+                <a:schemeClr val="accent1"/>
+              </a:effectRef>
+              <a:fontRef idx="minor">
+                <a:schemeClr val="lt1"/>
+              </a:fontRef>
+            </p:style>
+            <p:txBody>
+              <a:bodyPr rtlCol="0" anchor="ctr"/>
+              <a:lstStyle/>
+              <a:p>
+                <a:pPr algn="ctr"/>
+                <a:endParaRPr lang="ko-KR" altLang="en-US"/>
+              </a:p>
+            </p:txBody>
+          </p:sp>
+          <p:sp>
+            <p:nvSpPr>
+              <p:cNvPr id="38" name="타원 37"/>
+              <p:cNvSpPr/>
+              <p:nvPr/>
+            </p:nvSpPr>
+            <p:spPr>
+              <a:xfrm>
+                <a:off x="4444752" y="2276872"/>
+                <a:ext cx="228848" cy="228848"/>
+              </a:xfrm>
+              <a:prstGeom prst="ellipse">
+                <a:avLst/>
+              </a:prstGeom>
+              <a:solidFill>
+                <a:schemeClr val="tx1">
+                  <a:lumMod val="95000"/>
+                  <a:lumOff val="5000"/>
+                </a:schemeClr>
+              </a:solidFill>
+              <a:ln>
+                <a:noFill/>
+              </a:ln>
+            </p:spPr>
+            <p:style>
+              <a:lnRef idx="2">
+                <a:schemeClr val="accent1">
+                  <a:shade val="50000"/>
+                </a:schemeClr>
+              </a:lnRef>
+              <a:fillRef idx="1">
+                <a:schemeClr val="accent1"/>
+              </a:fillRef>
+              <a:effectRef idx="0">
+                <a:schemeClr val="accent1"/>
+              </a:effectRef>
+              <a:fontRef idx="minor">
+                <a:schemeClr val="lt1"/>
+              </a:fontRef>
+            </p:style>
+            <p:txBody>
+              <a:bodyPr rtlCol="0" anchor="ctr"/>
+              <a:lstStyle/>
+              <a:p>
+                <a:pPr algn="ctr"/>
+                <a:endParaRPr lang="ko-KR" altLang="en-US"/>
+              </a:p>
+            </p:txBody>
+          </p:sp>
+        </p:grpSp>
+        <p:grpSp>
+          <p:nvGrpSpPr>
+            <p:cNvPr id="34" name="그룹 33"/>
+            <p:cNvGrpSpPr/>
+            <p:nvPr/>
+          </p:nvGrpSpPr>
+          <p:grpSpPr>
+            <a:xfrm rot="7200000">
+              <a:off x="4444752" y="1340768"/>
+              <a:ext cx="228848" cy="1164952"/>
+              <a:chOff x="4444752" y="1340768"/>
+              <a:chExt cx="228848" cy="1164952"/>
+            </a:xfrm>
+          </p:grpSpPr>
+          <p:sp>
+            <p:nvSpPr>
+              <p:cNvPr id="35" name="타원 34"/>
+              <p:cNvSpPr/>
+              <p:nvPr/>
+            </p:nvSpPr>
+            <p:spPr>
+              <a:xfrm>
+                <a:off x="4444752" y="1340768"/>
+                <a:ext cx="228848" cy="228848"/>
+              </a:xfrm>
+              <a:prstGeom prst="ellipse">
+                <a:avLst/>
+              </a:prstGeom>
+              <a:solidFill>
+                <a:schemeClr val="tx1">
+                  <a:lumMod val="95000"/>
+                  <a:lumOff val="5000"/>
+                </a:schemeClr>
+              </a:solidFill>
+              <a:ln>
+                <a:noFill/>
+              </a:ln>
+            </p:spPr>
+            <p:style>
+              <a:lnRef idx="2">
+                <a:schemeClr val="accent1">
+                  <a:shade val="50000"/>
+                </a:schemeClr>
+              </a:lnRef>
+              <a:fillRef idx="1">
+                <a:schemeClr val="accent1"/>
+              </a:fillRef>
+              <a:effectRef idx="0">
+                <a:schemeClr val="accent1"/>
+              </a:effectRef>
+              <a:fontRef idx="minor">
+                <a:schemeClr val="lt1"/>
+              </a:fontRef>
+            </p:style>
+            <p:txBody>
+              <a:bodyPr rtlCol="0" anchor="ctr"/>
+              <a:lstStyle/>
+              <a:p>
+                <a:pPr algn="ctr"/>
+                <a:endParaRPr lang="ko-KR" altLang="en-US"/>
+              </a:p>
+            </p:txBody>
+          </p:sp>
+          <p:sp>
+            <p:nvSpPr>
+              <p:cNvPr id="36" name="타원 35"/>
+              <p:cNvSpPr/>
+              <p:nvPr/>
+            </p:nvSpPr>
+            <p:spPr>
+              <a:xfrm>
+                <a:off x="4444752" y="2276872"/>
+                <a:ext cx="228848" cy="228848"/>
+              </a:xfrm>
+              <a:prstGeom prst="ellipse">
+                <a:avLst/>
+              </a:prstGeom>
+              <a:solidFill>
+                <a:schemeClr val="tx1">
+                  <a:lumMod val="95000"/>
+                  <a:lumOff val="5000"/>
+                </a:schemeClr>
+              </a:solidFill>
+              <a:ln>
+                <a:noFill/>
+              </a:ln>
+            </p:spPr>
+            <p:style>
+              <a:lnRef idx="2">
+                <a:schemeClr val="accent1">
+                  <a:shade val="50000"/>
+                </a:schemeClr>
+              </a:lnRef>
+              <a:fillRef idx="1">
+                <a:schemeClr val="accent1"/>
+              </a:fillRef>
+              <a:effectRef idx="0">
+                <a:schemeClr val="accent1"/>
+              </a:effectRef>
+              <a:fontRef idx="minor">
+                <a:schemeClr val="lt1"/>
+              </a:fontRef>
+            </p:style>
+            <p:txBody>
+              <a:bodyPr rtlCol="0" anchor="ctr"/>
+              <a:lstStyle/>
+              <a:p>
+                <a:pPr algn="ctr"/>
+                <a:endParaRPr lang="ko-KR" altLang="en-US"/>
+              </a:p>
+            </p:txBody>
+          </p:sp>
+        </p:grpSp>
+      </p:grpSp>
+    </p:spTree>
+    <p:extLst>
+      <p:ext uri="{BB962C8B-B14F-4D97-AF65-F5344CB8AC3E}">
+        <p14:creationId xmlns:p14="http://schemas.microsoft.com/office/powerpoint/2010/main" val="1099140832"/>
+      </p:ext>
+    </p:extLst>
+  </p:cSld>
+  <p:clrMapOvr>
+    <a:masterClrMapping/>
+  </p:clrMapOvr>
+  <mc:AlternateContent xmlns:mc="http://schemas.openxmlformats.org/markup-compatibility/2006" xmlns:p14="http://schemas.microsoft.com/office/powerpoint/2010/main">
+    <mc:Choice Requires="p14">
+      <p:transition spd="slow" p14:dur="1500" advTm="4000">
+        <p:fade/>
+      </p:transition>
+    </mc:Choice>
+    <mc:Fallback xmlns="">
+      <p:transition spd="slow" advTm="4000">
+        <p:fade/>
+      </p:transition>
+    </mc:Fallback>
+  </mc:AlternateContent>
+  <p:timing>
+    <p:tnLst>
+      <p:par>
+        <p:cTn id="1" dur="indefinite" restart="never" nodeType="tmRoot">
+          <p:childTnLst>
+            <p:seq concurrent="1" nextAc="seek">
+              <p:cTn id="2" dur="indefinite" nodeType="mainSeq">
+                <p:childTnLst>
+                  <p:par>
+                    <p:cTn id="3" fill="hold">
+                      <p:stCondLst>
+                        <p:cond delay="indefinite"/>
+                        <p:cond evt="onBegin" delay="0">
+                          <p:tn val="2"/>
+                        </p:cond>
+                      </p:stCondLst>
+                      <p:childTnLst>
+                        <p:par>
+                          <p:cTn id="4" fill="hold">
+                            <p:stCondLst>
+                              <p:cond delay="0"/>
+                            </p:stCondLst>
+                            <p:childTnLst>
+                              <p:par>
+                                <p:cTn id="5" presetID="8" presetClass="emph" presetSubtype="0" repeatCount="indefinite" fill="hold" nodeType="withEffect">
+                                  <p:stCondLst>
+                                    <p:cond delay="0"/>
+                                  </p:stCondLst>
+                                  <p:childTnLst>
+                                    <p:animRot by="21600000">
+                                      <p:cBhvr>
+                                        <p:cTn id="6" dur="2000" fill="hold"/>
+                                        <p:tgtEl>
+                                          <p:spTgt spid="19"/>
+                                        </p:tgtEl>
+                                        <p:attrNameLst>
+                                          <p:attrName>r</p:attrName>
+                                        </p:attrNameLst>
+                                      </p:cBhvr>
+                                    </p:animRot>
+                                  </p:childTnLst>
+                                </p:cTn>
+                              </p:par>
+                              <p:par>
+                                <p:cTn id="7" presetID="8" presetClass="emph" presetSubtype="0" repeatCount="indefinite" fill="hold" nodeType="withEffect">
+                                  <p:stCondLst>
+                                    <p:cond delay="0"/>
+                                  </p:stCondLst>
+                                  <p:childTnLst>
+                                    <p:animRot by="-21600000">
+                                      <p:cBhvr>
+                                        <p:cTn id="8" dur="2000" fill="hold"/>
+                                        <p:tgtEl>
+                                          <p:spTgt spid="30"/>
+                                        </p:tgtEl>
+                                        <p:attrNameLst>
+                                          <p:attrName>r</p:attrName>
+                                        </p:attrNameLst>
+                                      </p:cBhvr>
+                                    </p:animRot>
+                                  </p:childTnLst>
+                                </p:cTn>
+                              </p:par>
+                            </p:childTnLst>
+                          </p:cTn>
+                        </p:par>
+                      </p:childTnLst>
+                    </p:cTn>
+                  </p:par>
+                </p:childTnLst>
+              </p:cTn>
+              <p:prevCondLst>
+                <p:cond evt="onPrev" delay="0">
+                  <p:tgtEl>
+                    <p:sldTgt/>
+                  </p:tgtEl>
+                </p:cond>
+              </p:prevCondLst>
+              <p:nextCondLst>
+                <p:cond evt="onNext" delay="0">
+                  <p:tgtEl>
+                    <p:sldTgt/>
+                  </p:tgtEl>
+                </p:cond>
+              </p:nextCondLst>
+            </p:seq>
+          </p:childTnLst>
+        </p:cTn>
+      </p:par>
+    </p:tnLst>
+  </p:timing>
+</p:sld>
+</file>
+
+<file path=ppt/slides/slide9.xml><?xml version="1.0" encoding="utf-8"?>
 <p:sld xmlns:a="http://schemas.openxmlformats.org/drawingml/2006/main" xmlns:r="http://schemas.openxmlformats.org/officeDocument/2006/relationships" xmlns:p="http://schemas.openxmlformats.org/presentationml/2006/main">
   <p:cSld>
     <p:spTree>
@@ -11591,18 +17602,41 @@
               <a:t>       </a:t>
             </a:r>
             <a:r>
-              <a:rPr lang="ko-KR" altLang="en-US" b="1" dirty="0">
+              <a:rPr lang="ko-KR" altLang="en-US" b="1" dirty="0" smtClean="0">
                 <a:solidFill>
                   <a:schemeClr val="tx1">
                     <a:lumMod val="85000"/>
                     <a:lumOff val="15000"/>
                   </a:schemeClr>
                 </a:solidFill>
-                <a:latin typeface="여기어때 잘난체 OTF" panose="020B0600000101010101" pitchFamily="34" charset="-127"/>
-                <a:ea typeface="여기어때 잘난체 OTF" panose="020B0600000101010101" pitchFamily="34" charset="-127"/>
+                <a:latin typeface="나눔스퀘어_ac Bold" panose="020B0600000101010101" pitchFamily="50" charset="-127"/>
+                <a:ea typeface="나눔스퀘어_ac Bold" panose="020B0600000101010101" pitchFamily="50" charset="-127"/>
               </a:rPr>
-              <a:t>제목을 입력해 주세요</a:t>
+              <a:t>프로젝트 </a:t>
             </a:r>
+            <a:r>
+              <a:rPr lang="ko-KR" altLang="en-US" b="1" dirty="0" err="1" smtClean="0">
+                <a:solidFill>
+                  <a:schemeClr val="tx1">
+                    <a:lumMod val="85000"/>
+                    <a:lumOff val="15000"/>
+                  </a:schemeClr>
+                </a:solidFill>
+                <a:latin typeface="나눔스퀘어_ac Bold" panose="020B0600000101010101" pitchFamily="50" charset="-127"/>
+                <a:ea typeface="나눔스퀘어_ac Bold" panose="020B0600000101010101" pitchFamily="50" charset="-127"/>
+              </a:rPr>
+              <a:t>느낀점</a:t>
+            </a:r>
+            <a:endParaRPr lang="ko-KR" altLang="en-US" b="1" dirty="0">
+              <a:solidFill>
+                <a:schemeClr val="tx1">
+                  <a:lumMod val="85000"/>
+                  <a:lumOff val="15000"/>
+                </a:schemeClr>
+              </a:solidFill>
+              <a:latin typeface="나눔스퀘어_ac Bold" panose="020B0600000101010101" pitchFamily="50" charset="-127"/>
+              <a:ea typeface="나눔스퀘어_ac Bold" panose="020B0600000101010101" pitchFamily="50" charset="-127"/>
+            </a:endParaRPr>
           </a:p>
         </p:txBody>
       </p:sp>
@@ -11771,8 +17805,8 @@
                     <a:lumOff val="15000"/>
                   </a:schemeClr>
                 </a:solidFill>
-                <a:latin typeface="여기어때 잘난체 OTF" panose="020B0600000101010101" pitchFamily="34" charset="-127"/>
-                <a:ea typeface="여기어때 잘난체 OTF" panose="020B0600000101010101" pitchFamily="34" charset="-127"/>
+                <a:latin typeface="나눔스퀘어_ac ExtraBold" panose="020B0600000101010101" pitchFamily="50" charset="-127"/>
+                <a:ea typeface="나눔스퀘어_ac ExtraBold" panose="020B0600000101010101" pitchFamily="50" charset="-127"/>
                 <a:cs typeface="Open Sans Extrabold" panose="020B0906030804020204" pitchFamily="34" charset="0"/>
               </a:rPr>
               <a:t>3</a:t>
@@ -11784,9 +17818,424 @@
                   <a:lumOff val="15000"/>
                 </a:schemeClr>
               </a:solidFill>
-              <a:latin typeface="여기어때 잘난체 OTF" panose="020B0600000101010101" pitchFamily="34" charset="-127"/>
-              <a:ea typeface="여기어때 잘난체 OTF" panose="020B0600000101010101" pitchFamily="34" charset="-127"/>
+              <a:latin typeface="나눔스퀘어_ac ExtraBold" panose="020B0600000101010101" pitchFamily="50" charset="-127"/>
+              <a:ea typeface="나눔스퀘어_ac ExtraBold" panose="020B0600000101010101" pitchFamily="50" charset="-127"/>
               <a:cs typeface="Open Sans Extrabold" panose="020B0906030804020204" pitchFamily="34" charset="0"/>
+            </a:endParaRPr>
+          </a:p>
+        </p:txBody>
+      </p:sp>
+      <p:sp>
+        <p:nvSpPr>
+          <p:cNvPr id="2" name="직사각형 1"/>
+          <p:cNvSpPr/>
+          <p:nvPr/>
+        </p:nvSpPr>
+        <p:spPr>
+          <a:xfrm>
+            <a:off x="1907704" y="1328559"/>
+            <a:ext cx="4572000" cy="830997"/>
+          </a:xfrm>
+          <a:prstGeom prst="rect">
+            <a:avLst/>
+          </a:prstGeom>
+        </p:spPr>
+        <p:txBody>
+          <a:bodyPr>
+            <a:spAutoFit/>
+          </a:bodyPr>
+          <a:lstStyle/>
+          <a:p>
+            <a:r>
+              <a:rPr lang="en-US" altLang="ko-KR" sz="1600" dirty="0" err="1" smtClean="0">
+                <a:latin typeface="나눔스퀘어_ac Bold" panose="020B0600000101010101" pitchFamily="50" charset="-127"/>
+                <a:ea typeface="나눔스퀘어_ac Bold" panose="020B0600000101010101" pitchFamily="50" charset="-127"/>
+              </a:rPr>
+              <a:t>HTML,CSS,JavaScript,jQuery</a:t>
+            </a:r>
+            <a:r>
+              <a:rPr lang="ko-KR" altLang="en-US" sz="1600" dirty="0" smtClean="0">
+                <a:latin typeface="나눔스퀘어_ac Bold" panose="020B0600000101010101" pitchFamily="50" charset="-127"/>
+                <a:ea typeface="나눔스퀘어_ac Bold" panose="020B0600000101010101" pitchFamily="50" charset="-127"/>
+              </a:rPr>
+              <a:t>에 대해서 많이 </a:t>
+            </a:r>
+            <a:r>
+              <a:rPr lang="ko-KR" altLang="en-US" sz="1600" dirty="0" err="1" smtClean="0">
+                <a:latin typeface="나눔스퀘어_ac Bold" panose="020B0600000101010101" pitchFamily="50" charset="-127"/>
+                <a:ea typeface="나눔스퀘어_ac Bold" panose="020B0600000101010101" pitchFamily="50" charset="-127"/>
+              </a:rPr>
+              <a:t>공부하게되었고</a:t>
+            </a:r>
+            <a:r>
+              <a:rPr lang="ko-KR" altLang="en-US" sz="1600" dirty="0" smtClean="0">
+                <a:latin typeface="나눔스퀘어_ac Bold" panose="020B0600000101010101" pitchFamily="50" charset="-127"/>
+                <a:ea typeface="나눔스퀘어_ac Bold" panose="020B0600000101010101" pitchFamily="50" charset="-127"/>
+              </a:rPr>
+              <a:t> 스스로 직접 코드 해보면서 </a:t>
+            </a:r>
+            <a:r>
+              <a:rPr lang="ko-KR" altLang="en-US" sz="1600" dirty="0" err="1" smtClean="0">
+                <a:latin typeface="나눔스퀘어_ac Bold" panose="020B0600000101010101" pitchFamily="50" charset="-127"/>
+                <a:ea typeface="나눔스퀘어_ac Bold" panose="020B0600000101010101" pitchFamily="50" charset="-127"/>
+              </a:rPr>
+              <a:t>웹페이지</a:t>
+            </a:r>
+            <a:r>
+              <a:rPr lang="ko-KR" altLang="en-US" sz="1600" dirty="0" smtClean="0">
+                <a:latin typeface="나눔스퀘어_ac Bold" panose="020B0600000101010101" pitchFamily="50" charset="-127"/>
+                <a:ea typeface="나눔스퀘어_ac Bold" panose="020B0600000101010101" pitchFamily="50" charset="-127"/>
+              </a:rPr>
+              <a:t> 구현에 </a:t>
+            </a:r>
+            <a:r>
+              <a:rPr lang="ko-KR" altLang="en-US" sz="1600" dirty="0" err="1" smtClean="0">
+                <a:latin typeface="나눔스퀘어_ac Bold" panose="020B0600000101010101" pitchFamily="50" charset="-127"/>
+                <a:ea typeface="나눔스퀘어_ac Bold" panose="020B0600000101010101" pitchFamily="50" charset="-127"/>
+              </a:rPr>
+              <a:t>적응하게되었습니다</a:t>
+            </a:r>
+            <a:r>
+              <a:rPr lang="en-US" altLang="ko-KR" sz="1600" dirty="0" smtClean="0">
+                <a:latin typeface="나눔스퀘어_ac Bold" panose="020B0600000101010101" pitchFamily="50" charset="-127"/>
+                <a:ea typeface="나눔스퀘어_ac Bold" panose="020B0600000101010101" pitchFamily="50" charset="-127"/>
+              </a:rPr>
+              <a:t>.</a:t>
+            </a:r>
+            <a:endParaRPr lang="ko-KR" altLang="en-US" sz="1600" dirty="0">
+              <a:latin typeface="나눔스퀘어_ac Bold" panose="020B0600000101010101" pitchFamily="50" charset="-127"/>
+              <a:ea typeface="나눔스퀘어_ac Bold" panose="020B0600000101010101" pitchFamily="50" charset="-127"/>
+            </a:endParaRPr>
+          </a:p>
+        </p:txBody>
+      </p:sp>
+      <p:sp>
+        <p:nvSpPr>
+          <p:cNvPr id="3" name="직사각형 2"/>
+          <p:cNvSpPr/>
+          <p:nvPr/>
+        </p:nvSpPr>
+        <p:spPr>
+          <a:xfrm>
+            <a:off x="1907704" y="2387495"/>
+            <a:ext cx="4572000" cy="1323439"/>
+          </a:xfrm>
+          <a:prstGeom prst="rect">
+            <a:avLst/>
+          </a:prstGeom>
+        </p:spPr>
+        <p:txBody>
+          <a:bodyPr>
+            <a:spAutoFit/>
+          </a:bodyPr>
+          <a:lstStyle/>
+          <a:p>
+            <a:r>
+              <a:rPr lang="ko-KR" altLang="en-US" sz="1600" dirty="0">
+                <a:latin typeface="나눔스퀘어_ac Bold" panose="020B0600000101010101" pitchFamily="50" charset="-127"/>
+                <a:ea typeface="나눔스퀘어_ac Bold" panose="020B0600000101010101" pitchFamily="50" charset="-127"/>
+              </a:rPr>
+              <a:t> </a:t>
+            </a:r>
+            <a:r>
+              <a:rPr lang="en-US" altLang="ko-KR" sz="1600" dirty="0" smtClean="0">
+                <a:latin typeface="나눔스퀘어_ac Bold" panose="020B0600000101010101" pitchFamily="50" charset="-127"/>
+                <a:ea typeface="나눔스퀘어_ac Bold" panose="020B0600000101010101" pitchFamily="50" charset="-127"/>
+              </a:rPr>
+              <a:t>GitHub</a:t>
+            </a:r>
+            <a:r>
+              <a:rPr lang="ko-KR" altLang="en-US" sz="1600" dirty="0">
+                <a:latin typeface="나눔스퀘어_ac Bold" panose="020B0600000101010101" pitchFamily="50" charset="-127"/>
+                <a:ea typeface="나눔스퀘어_ac Bold" panose="020B0600000101010101" pitchFamily="50" charset="-127"/>
+              </a:rPr>
+              <a:t> </a:t>
+            </a:r>
+            <a:r>
+              <a:rPr lang="ko-KR" altLang="en-US" sz="1600" dirty="0" smtClean="0">
+                <a:latin typeface="나눔스퀘어_ac Bold" panose="020B0600000101010101" pitchFamily="50" charset="-127"/>
+                <a:ea typeface="나눔스퀘어_ac Bold" panose="020B0600000101010101" pitchFamily="50" charset="-127"/>
+              </a:rPr>
+              <a:t>처음 사용하면서 저장기능이나 </a:t>
+            </a:r>
+            <a:r>
+              <a:rPr lang="ko-KR" altLang="en-US" sz="1600" dirty="0" err="1" smtClean="0">
+                <a:latin typeface="나눔스퀘어_ac Bold" panose="020B0600000101010101" pitchFamily="50" charset="-127"/>
+                <a:ea typeface="나눔스퀘어_ac Bold" panose="020B0600000101010101" pitchFamily="50" charset="-127"/>
+              </a:rPr>
+              <a:t>프로젝트할경우에는</a:t>
+            </a:r>
+            <a:r>
+              <a:rPr lang="ko-KR" altLang="en-US" sz="1600" dirty="0" smtClean="0">
+                <a:latin typeface="나눔스퀘어_ac Bold" panose="020B0600000101010101" pitchFamily="50" charset="-127"/>
+                <a:ea typeface="나눔스퀘어_ac Bold" panose="020B0600000101010101" pitchFamily="50" charset="-127"/>
+              </a:rPr>
+              <a:t> 정말 필수요소인 프로그램이었습니다</a:t>
+            </a:r>
+            <a:r>
+              <a:rPr lang="en-US" altLang="ko-KR" sz="1600" dirty="0" smtClean="0">
+                <a:latin typeface="나눔스퀘어_ac Bold" panose="020B0600000101010101" pitchFamily="50" charset="-127"/>
+                <a:ea typeface="나눔스퀘어_ac Bold" panose="020B0600000101010101" pitchFamily="50" charset="-127"/>
+              </a:rPr>
+              <a:t>.</a:t>
+            </a:r>
+          </a:p>
+          <a:p>
+            <a:r>
+              <a:rPr lang="ko-KR" altLang="en-US" sz="1600" dirty="0">
+                <a:latin typeface="나눔스퀘어_ac Bold" panose="020B0600000101010101" pitchFamily="50" charset="-127"/>
+                <a:ea typeface="나눔스퀘어_ac Bold" panose="020B0600000101010101" pitchFamily="50" charset="-127"/>
+              </a:rPr>
+              <a:t/>
+            </a:r>
+            <a:br>
+              <a:rPr lang="ko-KR" altLang="en-US" sz="1600" dirty="0">
+                <a:latin typeface="나눔스퀘어_ac Bold" panose="020B0600000101010101" pitchFamily="50" charset="-127"/>
+                <a:ea typeface="나눔스퀘어_ac Bold" panose="020B0600000101010101" pitchFamily="50" charset="-127"/>
+              </a:rPr>
+            </a:br>
+            <a:r>
+              <a:rPr lang="ko-KR" altLang="en-US" sz="1600" dirty="0">
+                <a:latin typeface="나눔스퀘어_ac Bold" panose="020B0600000101010101" pitchFamily="50" charset="-127"/>
+                <a:ea typeface="나눔스퀘어_ac Bold" panose="020B0600000101010101" pitchFamily="50" charset="-127"/>
+              </a:rPr>
+              <a:t> </a:t>
+            </a:r>
+            <a:r>
+              <a:rPr lang="en-US" altLang="ko-KR" sz="1600" dirty="0" err="1" smtClean="0">
+                <a:latin typeface="나눔스퀘어_ac Bold" panose="020B0600000101010101" pitchFamily="50" charset="-127"/>
+                <a:ea typeface="나눔스퀘어_ac Bold" panose="020B0600000101010101" pitchFamily="50" charset="-127"/>
+              </a:rPr>
+              <a:t>Netlify</a:t>
+            </a:r>
+            <a:r>
+              <a:rPr lang="ko-KR" altLang="en-US" sz="1600" dirty="0">
+                <a:latin typeface="나눔스퀘어_ac Bold" panose="020B0600000101010101" pitchFamily="50" charset="-127"/>
+                <a:ea typeface="나눔스퀘어_ac Bold" panose="020B0600000101010101" pitchFamily="50" charset="-127"/>
+              </a:rPr>
+              <a:t> </a:t>
+            </a:r>
+            <a:r>
+              <a:rPr lang="ko-KR" altLang="en-US" sz="1600" dirty="0" smtClean="0">
+                <a:latin typeface="나눔스퀘어_ac Bold" panose="020B0600000101010101" pitchFamily="50" charset="-127"/>
+                <a:ea typeface="나눔스퀘어_ac Bold" panose="020B0600000101010101" pitchFamily="50" charset="-127"/>
+              </a:rPr>
+              <a:t>통해 자신만의 홈페이지를 </a:t>
+            </a:r>
+            <a:r>
+              <a:rPr lang="ko-KR" altLang="en-US" sz="1600" dirty="0" err="1" smtClean="0">
+                <a:latin typeface="나눔스퀘어_ac Bold" panose="020B0600000101010101" pitchFamily="50" charset="-127"/>
+                <a:ea typeface="나눔스퀘어_ac Bold" panose="020B0600000101010101" pitchFamily="50" charset="-127"/>
+              </a:rPr>
+              <a:t>부여받아</a:t>
+            </a:r>
+            <a:r>
+              <a:rPr lang="ko-KR" altLang="en-US" sz="1600" dirty="0" smtClean="0">
+                <a:latin typeface="나눔스퀘어_ac Bold" panose="020B0600000101010101" pitchFamily="50" charset="-127"/>
+                <a:ea typeface="나눔스퀘어_ac Bold" panose="020B0600000101010101" pitchFamily="50" charset="-127"/>
+              </a:rPr>
+              <a:t> </a:t>
+            </a:r>
+            <a:r>
+              <a:rPr lang="ko-KR" altLang="en-US" sz="1600" dirty="0" err="1" smtClean="0">
+                <a:latin typeface="나눔스퀘어_ac Bold" panose="020B0600000101010101" pitchFamily="50" charset="-127"/>
+                <a:ea typeface="나눔스퀘어_ac Bold" panose="020B0600000101010101" pitchFamily="50" charset="-127"/>
+              </a:rPr>
+              <a:t>깃허브와함께</a:t>
+            </a:r>
+            <a:r>
+              <a:rPr lang="ko-KR" altLang="en-US" sz="1600" dirty="0" smtClean="0">
+                <a:latin typeface="나눔스퀘어_ac Bold" panose="020B0600000101010101" pitchFamily="50" charset="-127"/>
+                <a:ea typeface="나눔스퀘어_ac Bold" panose="020B0600000101010101" pitchFamily="50" charset="-127"/>
+              </a:rPr>
+              <a:t> 연동해서 사용하는 기능을 배웠습니다</a:t>
+            </a:r>
+            <a:r>
+              <a:rPr lang="en-US" altLang="ko-KR" sz="1600" dirty="0" smtClean="0">
+                <a:latin typeface="나눔스퀘어_ac Bold" panose="020B0600000101010101" pitchFamily="50" charset="-127"/>
+                <a:ea typeface="나눔스퀘어_ac Bold" panose="020B0600000101010101" pitchFamily="50" charset="-127"/>
+              </a:rPr>
+              <a:t>.</a:t>
+            </a:r>
+            <a:endParaRPr lang="ko-KR" altLang="en-US" sz="1600" dirty="0">
+              <a:latin typeface="나눔스퀘어_ac Bold" panose="020B0600000101010101" pitchFamily="50" charset="-127"/>
+              <a:ea typeface="나눔스퀘어_ac Bold" panose="020B0600000101010101" pitchFamily="50" charset="-127"/>
+            </a:endParaRPr>
+          </a:p>
+        </p:txBody>
+      </p:sp>
+      <p:sp>
+        <p:nvSpPr>
+          <p:cNvPr id="6" name="직사각형 5"/>
+          <p:cNvSpPr/>
+          <p:nvPr/>
+        </p:nvSpPr>
+        <p:spPr>
+          <a:xfrm>
+            <a:off x="1907704" y="3938873"/>
+            <a:ext cx="4572000" cy="2062103"/>
+          </a:xfrm>
+          <a:prstGeom prst="rect">
+            <a:avLst/>
+          </a:prstGeom>
+        </p:spPr>
+        <p:txBody>
+          <a:bodyPr>
+            <a:spAutoFit/>
+          </a:bodyPr>
+          <a:lstStyle/>
+          <a:p>
+            <a:r>
+              <a:rPr lang="en-US" altLang="ko-KR" sz="1600" dirty="0" err="1" smtClean="0">
+                <a:latin typeface="나눔스퀘어_ac Bold" panose="020B0600000101010101" pitchFamily="50" charset="-127"/>
+                <a:ea typeface="나눔스퀘어_ac Bold" panose="020B0600000101010101" pitchFamily="50" charset="-127"/>
+              </a:rPr>
+              <a:t>vscode</a:t>
+            </a:r>
+            <a:r>
+              <a:rPr lang="ko-KR" altLang="en-US" sz="1600" dirty="0" smtClean="0">
+                <a:latin typeface="나눔스퀘어_ac Bold" panose="020B0600000101010101" pitchFamily="50" charset="-127"/>
+                <a:ea typeface="나눔스퀘어_ac Bold" panose="020B0600000101010101" pitchFamily="50" charset="-127"/>
+              </a:rPr>
+              <a:t>를 여기서 시작해서 지금까지 사용하는데 정말 </a:t>
+            </a:r>
+            <a:r>
+              <a:rPr lang="ko-KR" altLang="en-US" sz="1600" dirty="0" err="1" smtClean="0">
+                <a:latin typeface="나눔스퀘어_ac Bold" panose="020B0600000101010101" pitchFamily="50" charset="-127"/>
+                <a:ea typeface="나눔스퀘어_ac Bold" panose="020B0600000101010101" pitchFamily="50" charset="-127"/>
+              </a:rPr>
+              <a:t>편한프로그램이라고</a:t>
+            </a:r>
+            <a:r>
+              <a:rPr lang="ko-KR" altLang="en-US" sz="1600" dirty="0" smtClean="0">
+                <a:latin typeface="나눔스퀘어_ac Bold" panose="020B0600000101010101" pitchFamily="50" charset="-127"/>
+                <a:ea typeface="나눔스퀘어_ac Bold" panose="020B0600000101010101" pitchFamily="50" charset="-127"/>
+              </a:rPr>
+              <a:t> 생각했습니다 그전에는 </a:t>
+            </a:r>
+            <a:r>
+              <a:rPr lang="ko-KR" altLang="en-US" sz="1600" dirty="0" err="1" smtClean="0">
+                <a:latin typeface="나눔스퀘어_ac Bold" panose="020B0600000101010101" pitchFamily="50" charset="-127"/>
+                <a:ea typeface="나눔스퀘어_ac Bold" panose="020B0600000101010101" pitchFamily="50" charset="-127"/>
+              </a:rPr>
+              <a:t>브라켓을</a:t>
+            </a:r>
+            <a:r>
+              <a:rPr lang="ko-KR" altLang="en-US" sz="1600" dirty="0" smtClean="0">
+                <a:latin typeface="나눔스퀘어_ac Bold" panose="020B0600000101010101" pitchFamily="50" charset="-127"/>
+                <a:ea typeface="나눔스퀘어_ac Bold" panose="020B0600000101010101" pitchFamily="50" charset="-127"/>
+              </a:rPr>
+              <a:t> 정말 자주 사용했는데 이제는 </a:t>
+            </a:r>
+            <a:r>
+              <a:rPr lang="en-US" altLang="ko-KR" sz="1600" dirty="0" err="1" smtClean="0">
+                <a:latin typeface="나눔스퀘어_ac Bold" panose="020B0600000101010101" pitchFamily="50" charset="-127"/>
+                <a:ea typeface="나눔스퀘어_ac Bold" panose="020B0600000101010101" pitchFamily="50" charset="-127"/>
+              </a:rPr>
+              <a:t>vscode</a:t>
+            </a:r>
+            <a:r>
+              <a:rPr lang="ko-KR" altLang="en-US" sz="1600" dirty="0" smtClean="0">
+                <a:latin typeface="나눔스퀘어_ac Bold" panose="020B0600000101010101" pitchFamily="50" charset="-127"/>
+                <a:ea typeface="나눔스퀘어_ac Bold" panose="020B0600000101010101" pitchFamily="50" charset="-127"/>
+              </a:rPr>
+              <a:t>가 정말 </a:t>
+            </a:r>
+            <a:r>
+              <a:rPr lang="ko-KR" altLang="en-US" sz="1600" dirty="0" err="1" smtClean="0">
+                <a:latin typeface="나눔스퀘어_ac Bold" panose="020B0600000101010101" pitchFamily="50" charset="-127"/>
+                <a:ea typeface="나눔스퀘어_ac Bold" panose="020B0600000101010101" pitchFamily="50" charset="-127"/>
+              </a:rPr>
+              <a:t>좋은프로그램이었습니다</a:t>
+            </a:r>
+            <a:r>
+              <a:rPr lang="en-US" altLang="ko-KR" sz="1600" dirty="0" smtClean="0">
+                <a:latin typeface="나눔스퀘어_ac Bold" panose="020B0600000101010101" pitchFamily="50" charset="-127"/>
+                <a:ea typeface="나눔스퀘어_ac Bold" panose="020B0600000101010101" pitchFamily="50" charset="-127"/>
+              </a:rPr>
+              <a:t>.</a:t>
+            </a:r>
+          </a:p>
+          <a:p>
+            <a:r>
+              <a:rPr lang="ko-KR" altLang="en-US" sz="1600" dirty="0">
+                <a:latin typeface="나눔스퀘어_ac Bold" panose="020B0600000101010101" pitchFamily="50" charset="-127"/>
+                <a:ea typeface="나눔스퀘어_ac Bold" panose="020B0600000101010101" pitchFamily="50" charset="-127"/>
+              </a:rPr>
+              <a:t/>
+            </a:r>
+            <a:br>
+              <a:rPr lang="ko-KR" altLang="en-US" sz="1600" dirty="0">
+                <a:latin typeface="나눔스퀘어_ac Bold" panose="020B0600000101010101" pitchFamily="50" charset="-127"/>
+                <a:ea typeface="나눔스퀘어_ac Bold" panose="020B0600000101010101" pitchFamily="50" charset="-127"/>
+              </a:rPr>
+            </a:br>
+            <a:r>
+              <a:rPr lang="en-US" altLang="ko-KR" sz="1600" dirty="0" err="1" smtClean="0">
+                <a:latin typeface="나눔스퀘어_ac Bold" panose="020B0600000101010101" pitchFamily="50" charset="-127"/>
+                <a:ea typeface="나눔스퀘어_ac Bold" panose="020B0600000101010101" pitchFamily="50" charset="-127"/>
+              </a:rPr>
+              <a:t>KakaoMap</a:t>
+            </a:r>
+            <a:r>
+              <a:rPr lang="en-US" altLang="ko-KR" sz="1600" dirty="0" smtClean="0">
+                <a:latin typeface="나눔스퀘어_ac Bold" panose="020B0600000101010101" pitchFamily="50" charset="-127"/>
+                <a:ea typeface="나눔스퀘어_ac Bold" panose="020B0600000101010101" pitchFamily="50" charset="-127"/>
+              </a:rPr>
+              <a:t> </a:t>
+            </a:r>
+            <a:r>
+              <a:rPr lang="en-US" altLang="ko-KR" sz="1600" dirty="0">
+                <a:latin typeface="나눔스퀘어_ac Bold" panose="020B0600000101010101" pitchFamily="50" charset="-127"/>
+                <a:ea typeface="나눔스퀘어_ac Bold" panose="020B0600000101010101" pitchFamily="50" charset="-127"/>
+              </a:rPr>
+              <a:t>Maps API</a:t>
+            </a:r>
+            <a:r>
+              <a:rPr lang="ko-KR" altLang="en-US" sz="1600" dirty="0">
+                <a:latin typeface="나눔스퀘어_ac Bold" panose="020B0600000101010101" pitchFamily="50" charset="-127"/>
+                <a:ea typeface="나눔스퀘어_ac Bold" panose="020B0600000101010101" pitchFamily="50" charset="-127"/>
+              </a:rPr>
+              <a:t>를 통해 </a:t>
+            </a:r>
+            <a:r>
+              <a:rPr lang="en-US" altLang="ko-KR" sz="1600" dirty="0">
+                <a:latin typeface="나눔스퀘어_ac Bold" panose="020B0600000101010101" pitchFamily="50" charset="-127"/>
+                <a:ea typeface="나눔스퀘어_ac Bold" panose="020B0600000101010101" pitchFamily="50" charset="-127"/>
+              </a:rPr>
+              <a:t>API</a:t>
+            </a:r>
+            <a:r>
+              <a:rPr lang="ko-KR" altLang="en-US" sz="1600" dirty="0" smtClean="0">
+                <a:latin typeface="나눔스퀘어_ac Bold" panose="020B0600000101010101" pitchFamily="50" charset="-127"/>
+                <a:ea typeface="나눔스퀘어_ac Bold" panose="020B0600000101010101" pitchFamily="50" charset="-127"/>
+              </a:rPr>
+              <a:t>에 대해 배우고 홈페이지에 직접 지도를 </a:t>
+            </a:r>
+            <a:r>
+              <a:rPr lang="ko-KR" altLang="en-US" sz="1600" dirty="0" err="1" smtClean="0">
+                <a:latin typeface="나눔스퀘어_ac Bold" panose="020B0600000101010101" pitchFamily="50" charset="-127"/>
+                <a:ea typeface="나눔스퀘어_ac Bold" panose="020B0600000101010101" pitchFamily="50" charset="-127"/>
+              </a:rPr>
+              <a:t>구현하는것도</a:t>
+            </a:r>
+            <a:r>
+              <a:rPr lang="ko-KR" altLang="en-US" sz="1600" dirty="0" smtClean="0">
+                <a:latin typeface="나눔스퀘어_ac Bold" panose="020B0600000101010101" pitchFamily="50" charset="-127"/>
+                <a:ea typeface="나눔스퀘어_ac Bold" panose="020B0600000101010101" pitchFamily="50" charset="-127"/>
+              </a:rPr>
+              <a:t> 매우 흥미로웠습니다</a:t>
+            </a:r>
+            <a:r>
+              <a:rPr lang="en-US" altLang="ko-KR" sz="1600" dirty="0" smtClean="0">
+                <a:latin typeface="나눔스퀘어_ac Bold" panose="020B0600000101010101" pitchFamily="50" charset="-127"/>
+                <a:ea typeface="나눔스퀘어_ac Bold" panose="020B0600000101010101" pitchFamily="50" charset="-127"/>
+              </a:rPr>
+              <a:t>.</a:t>
+            </a:r>
+            <a:endParaRPr lang="ko-KR" altLang="en-US" sz="1600" dirty="0">
+              <a:latin typeface="나눔스퀘어_ac Bold" panose="020B0600000101010101" pitchFamily="50" charset="-127"/>
+              <a:ea typeface="나눔스퀘어_ac Bold" panose="020B0600000101010101" pitchFamily="50" charset="-127"/>
             </a:endParaRPr>
           </a:p>
         </p:txBody>
@@ -11810,2039 +18259,6 @@
         <p:cTn id="1" dur="indefinite" restart="never" nodeType="tmRoot"/>
       </p:par>
     </p:tnLst>
-  </p:timing>
-</p:sld>
-</file>
-
-<file path=ppt/slides/slide8.xml><?xml version="1.0" encoding="utf-8"?>
-<p:sld xmlns:a="http://schemas.openxmlformats.org/drawingml/2006/main" xmlns:r="http://schemas.openxmlformats.org/officeDocument/2006/relationships" xmlns:p="http://schemas.openxmlformats.org/presentationml/2006/main">
-  <p:cSld>
-    <p:spTree>
-      <p:nvGrpSpPr>
-        <p:cNvPr id="1" name=""/>
-        <p:cNvGrpSpPr/>
-        <p:nvPr/>
-      </p:nvGrpSpPr>
-      <p:grpSpPr>
-        <a:xfrm>
-          <a:off x="0" y="0"/>
-          <a:ext cx="0" cy="0"/>
-          <a:chOff x="0" y="0"/>
-          <a:chExt cx="0" cy="0"/>
-        </a:xfrm>
-      </p:grpSpPr>
-      <p:sp>
-        <p:nvSpPr>
-          <p:cNvPr id="4" name="직사각형 3"/>
-          <p:cNvSpPr/>
-          <p:nvPr/>
-        </p:nvSpPr>
-        <p:spPr>
-          <a:xfrm>
-            <a:off x="0" y="0"/>
-            <a:ext cx="1187624" cy="6858000"/>
-          </a:xfrm>
-          <a:prstGeom prst="rect">
-            <a:avLst/>
-          </a:prstGeom>
-          <a:solidFill>
-            <a:schemeClr val="tx1">
-              <a:lumMod val="85000"/>
-              <a:lumOff val="15000"/>
-            </a:schemeClr>
-          </a:solidFill>
-          <a:ln>
-            <a:noFill/>
-          </a:ln>
-        </p:spPr>
-        <p:style>
-          <a:lnRef idx="2">
-            <a:schemeClr val="accent1">
-              <a:shade val="50000"/>
-            </a:schemeClr>
-          </a:lnRef>
-          <a:fillRef idx="1">
-            <a:schemeClr val="accent1"/>
-          </a:fillRef>
-          <a:effectRef idx="0">
-            <a:schemeClr val="accent1"/>
-          </a:effectRef>
-          <a:fontRef idx="minor">
-            <a:schemeClr val="lt1"/>
-          </a:fontRef>
-        </p:style>
-        <p:txBody>
-          <a:bodyPr rtlCol="0" anchor="ctr"/>
-          <a:lstStyle/>
-          <a:p>
-            <a:pPr algn="ctr"/>
-            <a:endParaRPr lang="ko-KR" altLang="en-US"/>
-          </a:p>
-        </p:txBody>
-      </p:sp>
-      <p:grpSp>
-        <p:nvGrpSpPr>
-          <p:cNvPr id="11" name="그룹 10"/>
-          <p:cNvGrpSpPr/>
-          <p:nvPr/>
-        </p:nvGrpSpPr>
-        <p:grpSpPr>
-          <a:xfrm>
-            <a:off x="1259632" y="0"/>
-            <a:ext cx="108012" cy="6858000"/>
-            <a:chOff x="1632464" y="0"/>
-            <a:chExt cx="108012" cy="6858000"/>
-          </a:xfrm>
-        </p:grpSpPr>
-        <p:sp>
-          <p:nvSpPr>
-            <p:cNvPr id="5" name="직사각형 4"/>
-            <p:cNvSpPr/>
-            <p:nvPr/>
-          </p:nvSpPr>
-          <p:spPr>
-            <a:xfrm>
-              <a:off x="1632464" y="0"/>
-              <a:ext cx="108012" cy="4581128"/>
-            </a:xfrm>
-            <a:prstGeom prst="rect">
-              <a:avLst/>
-            </a:prstGeom>
-            <a:solidFill>
-              <a:schemeClr val="tx1">
-                <a:lumMod val="85000"/>
-                <a:lumOff val="15000"/>
-              </a:schemeClr>
-            </a:solidFill>
-            <a:ln>
-              <a:noFill/>
-            </a:ln>
-          </p:spPr>
-          <p:style>
-            <a:lnRef idx="2">
-              <a:schemeClr val="accent1">
-                <a:shade val="50000"/>
-              </a:schemeClr>
-            </a:lnRef>
-            <a:fillRef idx="1">
-              <a:schemeClr val="accent1"/>
-            </a:fillRef>
-            <a:effectRef idx="0">
-              <a:schemeClr val="accent1"/>
-            </a:effectRef>
-            <a:fontRef idx="minor">
-              <a:schemeClr val="lt1"/>
-            </a:fontRef>
-          </p:style>
-          <p:txBody>
-            <a:bodyPr rtlCol="0" anchor="ctr"/>
-            <a:lstStyle/>
-            <a:p>
-              <a:pPr algn="ctr"/>
-              <a:endParaRPr lang="ko-KR" altLang="en-US"/>
-            </a:p>
-          </p:txBody>
-        </p:sp>
-        <p:sp>
-          <p:nvSpPr>
-            <p:cNvPr id="7" name="직사각형 6"/>
-            <p:cNvSpPr/>
-            <p:nvPr/>
-          </p:nvSpPr>
-          <p:spPr>
-            <a:xfrm>
-              <a:off x="1632464" y="4753902"/>
-              <a:ext cx="108012" cy="216024"/>
-            </a:xfrm>
-            <a:prstGeom prst="rect">
-              <a:avLst/>
-            </a:prstGeom>
-            <a:solidFill>
-              <a:schemeClr val="tx1">
-                <a:lumMod val="85000"/>
-                <a:lumOff val="15000"/>
-              </a:schemeClr>
-            </a:solidFill>
-            <a:ln>
-              <a:noFill/>
-            </a:ln>
-          </p:spPr>
-          <p:style>
-            <a:lnRef idx="2">
-              <a:schemeClr val="accent1">
-                <a:shade val="50000"/>
-              </a:schemeClr>
-            </a:lnRef>
-            <a:fillRef idx="1">
-              <a:schemeClr val="accent1"/>
-            </a:fillRef>
-            <a:effectRef idx="0">
-              <a:schemeClr val="accent1"/>
-            </a:effectRef>
-            <a:fontRef idx="minor">
-              <a:schemeClr val="lt1"/>
-            </a:fontRef>
-          </p:style>
-          <p:txBody>
-            <a:bodyPr rtlCol="0" anchor="ctr"/>
-            <a:lstStyle/>
-            <a:p>
-              <a:pPr algn="ctr"/>
-              <a:endParaRPr lang="ko-KR" altLang="en-US"/>
-            </a:p>
-          </p:txBody>
-        </p:sp>
-        <p:sp>
-          <p:nvSpPr>
-            <p:cNvPr id="8" name="직사각형 7"/>
-            <p:cNvSpPr/>
-            <p:nvPr/>
-          </p:nvSpPr>
-          <p:spPr>
-            <a:xfrm>
-              <a:off x="1632464" y="5113942"/>
-              <a:ext cx="108012" cy="216024"/>
-            </a:xfrm>
-            <a:prstGeom prst="rect">
-              <a:avLst/>
-            </a:prstGeom>
-            <a:solidFill>
-              <a:schemeClr val="tx1">
-                <a:lumMod val="85000"/>
-                <a:lumOff val="15000"/>
-              </a:schemeClr>
-            </a:solidFill>
-            <a:ln>
-              <a:noFill/>
-            </a:ln>
-          </p:spPr>
-          <p:style>
-            <a:lnRef idx="2">
-              <a:schemeClr val="accent1">
-                <a:shade val="50000"/>
-              </a:schemeClr>
-            </a:lnRef>
-            <a:fillRef idx="1">
-              <a:schemeClr val="accent1"/>
-            </a:fillRef>
-            <a:effectRef idx="0">
-              <a:schemeClr val="accent1"/>
-            </a:effectRef>
-            <a:fontRef idx="minor">
-              <a:schemeClr val="lt1"/>
-            </a:fontRef>
-          </p:style>
-          <p:txBody>
-            <a:bodyPr rtlCol="0" anchor="ctr"/>
-            <a:lstStyle/>
-            <a:p>
-              <a:pPr algn="ctr"/>
-              <a:endParaRPr lang="ko-KR" altLang="en-US"/>
-            </a:p>
-          </p:txBody>
-        </p:sp>
-        <p:sp>
-          <p:nvSpPr>
-            <p:cNvPr id="9" name="직사각형 8"/>
-            <p:cNvSpPr/>
-            <p:nvPr/>
-          </p:nvSpPr>
-          <p:spPr>
-            <a:xfrm>
-              <a:off x="1632464" y="5473982"/>
-              <a:ext cx="108012" cy="216024"/>
-            </a:xfrm>
-            <a:prstGeom prst="rect">
-              <a:avLst/>
-            </a:prstGeom>
-            <a:solidFill>
-              <a:schemeClr val="tx1">
-                <a:lumMod val="85000"/>
-                <a:lumOff val="15000"/>
-              </a:schemeClr>
-            </a:solidFill>
-            <a:ln>
-              <a:noFill/>
-            </a:ln>
-          </p:spPr>
-          <p:style>
-            <a:lnRef idx="2">
-              <a:schemeClr val="accent1">
-                <a:shade val="50000"/>
-              </a:schemeClr>
-            </a:lnRef>
-            <a:fillRef idx="1">
-              <a:schemeClr val="accent1"/>
-            </a:fillRef>
-            <a:effectRef idx="0">
-              <a:schemeClr val="accent1"/>
-            </a:effectRef>
-            <a:fontRef idx="minor">
-              <a:schemeClr val="lt1"/>
-            </a:fontRef>
-          </p:style>
-          <p:txBody>
-            <a:bodyPr rtlCol="0" anchor="ctr"/>
-            <a:lstStyle/>
-            <a:p>
-              <a:pPr algn="ctr"/>
-              <a:endParaRPr lang="ko-KR" altLang="en-US"/>
-            </a:p>
-          </p:txBody>
-        </p:sp>
-        <p:sp>
-          <p:nvSpPr>
-            <p:cNvPr id="10" name="직사각형 9"/>
-            <p:cNvSpPr/>
-            <p:nvPr/>
-          </p:nvSpPr>
-          <p:spPr>
-            <a:xfrm>
-              <a:off x="1632464" y="5877272"/>
-              <a:ext cx="108012" cy="980728"/>
-            </a:xfrm>
-            <a:prstGeom prst="rect">
-              <a:avLst/>
-            </a:prstGeom>
-            <a:solidFill>
-              <a:schemeClr val="tx1">
-                <a:lumMod val="85000"/>
-                <a:lumOff val="15000"/>
-              </a:schemeClr>
-            </a:solidFill>
-            <a:ln>
-              <a:noFill/>
-            </a:ln>
-          </p:spPr>
-          <p:style>
-            <a:lnRef idx="2">
-              <a:schemeClr val="accent1">
-                <a:shade val="50000"/>
-              </a:schemeClr>
-            </a:lnRef>
-            <a:fillRef idx="1">
-              <a:schemeClr val="accent1"/>
-            </a:fillRef>
-            <a:effectRef idx="0">
-              <a:schemeClr val="accent1"/>
-            </a:effectRef>
-            <a:fontRef idx="minor">
-              <a:schemeClr val="lt1"/>
-            </a:fontRef>
-          </p:style>
-          <p:txBody>
-            <a:bodyPr rtlCol="0" anchor="ctr"/>
-            <a:lstStyle/>
-            <a:p>
-              <a:pPr algn="ctr"/>
-              <a:endParaRPr lang="ko-KR" altLang="en-US"/>
-            </a:p>
-          </p:txBody>
-        </p:sp>
-      </p:grpSp>
-      <p:grpSp>
-        <p:nvGrpSpPr>
-          <p:cNvPr id="12" name="그룹 11"/>
-          <p:cNvGrpSpPr/>
-          <p:nvPr/>
-        </p:nvGrpSpPr>
-        <p:grpSpPr>
-          <a:xfrm flipV="1">
-            <a:off x="8970737" y="0"/>
-            <a:ext cx="108012" cy="6858000"/>
-            <a:chOff x="1632464" y="0"/>
-            <a:chExt cx="108012" cy="6858000"/>
-          </a:xfrm>
-        </p:grpSpPr>
-        <p:sp>
-          <p:nvSpPr>
-            <p:cNvPr id="13" name="직사각형 12"/>
-            <p:cNvSpPr/>
-            <p:nvPr/>
-          </p:nvSpPr>
-          <p:spPr>
-            <a:xfrm>
-              <a:off x="1632464" y="0"/>
-              <a:ext cx="108012" cy="4581128"/>
-            </a:xfrm>
-            <a:prstGeom prst="rect">
-              <a:avLst/>
-            </a:prstGeom>
-            <a:solidFill>
-              <a:schemeClr val="tx1">
-                <a:lumMod val="85000"/>
-                <a:lumOff val="15000"/>
-              </a:schemeClr>
-            </a:solidFill>
-            <a:ln>
-              <a:noFill/>
-            </a:ln>
-          </p:spPr>
-          <p:style>
-            <a:lnRef idx="2">
-              <a:schemeClr val="accent1">
-                <a:shade val="50000"/>
-              </a:schemeClr>
-            </a:lnRef>
-            <a:fillRef idx="1">
-              <a:schemeClr val="accent1"/>
-            </a:fillRef>
-            <a:effectRef idx="0">
-              <a:schemeClr val="accent1"/>
-            </a:effectRef>
-            <a:fontRef idx="minor">
-              <a:schemeClr val="lt1"/>
-            </a:fontRef>
-          </p:style>
-          <p:txBody>
-            <a:bodyPr rtlCol="0" anchor="ctr"/>
-            <a:lstStyle/>
-            <a:p>
-              <a:pPr algn="ctr"/>
-              <a:endParaRPr lang="ko-KR" altLang="en-US"/>
-            </a:p>
-          </p:txBody>
-        </p:sp>
-        <p:sp>
-          <p:nvSpPr>
-            <p:cNvPr id="14" name="직사각형 13"/>
-            <p:cNvSpPr/>
-            <p:nvPr/>
-          </p:nvSpPr>
-          <p:spPr>
-            <a:xfrm>
-              <a:off x="1632464" y="4753902"/>
-              <a:ext cx="108012" cy="216024"/>
-            </a:xfrm>
-            <a:prstGeom prst="rect">
-              <a:avLst/>
-            </a:prstGeom>
-            <a:solidFill>
-              <a:schemeClr val="tx1">
-                <a:lumMod val="85000"/>
-                <a:lumOff val="15000"/>
-              </a:schemeClr>
-            </a:solidFill>
-            <a:ln>
-              <a:noFill/>
-            </a:ln>
-          </p:spPr>
-          <p:style>
-            <a:lnRef idx="2">
-              <a:schemeClr val="accent1">
-                <a:shade val="50000"/>
-              </a:schemeClr>
-            </a:lnRef>
-            <a:fillRef idx="1">
-              <a:schemeClr val="accent1"/>
-            </a:fillRef>
-            <a:effectRef idx="0">
-              <a:schemeClr val="accent1"/>
-            </a:effectRef>
-            <a:fontRef idx="minor">
-              <a:schemeClr val="lt1"/>
-            </a:fontRef>
-          </p:style>
-          <p:txBody>
-            <a:bodyPr rtlCol="0" anchor="ctr"/>
-            <a:lstStyle/>
-            <a:p>
-              <a:pPr algn="ctr"/>
-              <a:endParaRPr lang="ko-KR" altLang="en-US"/>
-            </a:p>
-          </p:txBody>
-        </p:sp>
-        <p:sp>
-          <p:nvSpPr>
-            <p:cNvPr id="15" name="직사각형 14"/>
-            <p:cNvSpPr/>
-            <p:nvPr/>
-          </p:nvSpPr>
-          <p:spPr>
-            <a:xfrm>
-              <a:off x="1632464" y="5113942"/>
-              <a:ext cx="108012" cy="216024"/>
-            </a:xfrm>
-            <a:prstGeom prst="rect">
-              <a:avLst/>
-            </a:prstGeom>
-            <a:solidFill>
-              <a:schemeClr val="tx1">
-                <a:lumMod val="85000"/>
-                <a:lumOff val="15000"/>
-              </a:schemeClr>
-            </a:solidFill>
-            <a:ln>
-              <a:noFill/>
-            </a:ln>
-          </p:spPr>
-          <p:style>
-            <a:lnRef idx="2">
-              <a:schemeClr val="accent1">
-                <a:shade val="50000"/>
-              </a:schemeClr>
-            </a:lnRef>
-            <a:fillRef idx="1">
-              <a:schemeClr val="accent1"/>
-            </a:fillRef>
-            <a:effectRef idx="0">
-              <a:schemeClr val="accent1"/>
-            </a:effectRef>
-            <a:fontRef idx="minor">
-              <a:schemeClr val="lt1"/>
-            </a:fontRef>
-          </p:style>
-          <p:txBody>
-            <a:bodyPr rtlCol="0" anchor="ctr"/>
-            <a:lstStyle/>
-            <a:p>
-              <a:pPr algn="ctr"/>
-              <a:endParaRPr lang="ko-KR" altLang="en-US"/>
-            </a:p>
-          </p:txBody>
-        </p:sp>
-        <p:sp>
-          <p:nvSpPr>
-            <p:cNvPr id="16" name="직사각형 15"/>
-            <p:cNvSpPr/>
-            <p:nvPr/>
-          </p:nvSpPr>
-          <p:spPr>
-            <a:xfrm>
-              <a:off x="1632464" y="5473982"/>
-              <a:ext cx="108012" cy="216024"/>
-            </a:xfrm>
-            <a:prstGeom prst="rect">
-              <a:avLst/>
-            </a:prstGeom>
-            <a:solidFill>
-              <a:schemeClr val="tx1">
-                <a:lumMod val="85000"/>
-                <a:lumOff val="15000"/>
-              </a:schemeClr>
-            </a:solidFill>
-            <a:ln>
-              <a:noFill/>
-            </a:ln>
-          </p:spPr>
-          <p:style>
-            <a:lnRef idx="2">
-              <a:schemeClr val="accent1">
-                <a:shade val="50000"/>
-              </a:schemeClr>
-            </a:lnRef>
-            <a:fillRef idx="1">
-              <a:schemeClr val="accent1"/>
-            </a:fillRef>
-            <a:effectRef idx="0">
-              <a:schemeClr val="accent1"/>
-            </a:effectRef>
-            <a:fontRef idx="minor">
-              <a:schemeClr val="lt1"/>
-            </a:fontRef>
-          </p:style>
-          <p:txBody>
-            <a:bodyPr rtlCol="0" anchor="ctr"/>
-            <a:lstStyle/>
-            <a:p>
-              <a:pPr algn="ctr"/>
-              <a:endParaRPr lang="ko-KR" altLang="en-US"/>
-            </a:p>
-          </p:txBody>
-        </p:sp>
-        <p:sp>
-          <p:nvSpPr>
-            <p:cNvPr id="17" name="직사각형 16"/>
-            <p:cNvSpPr/>
-            <p:nvPr/>
-          </p:nvSpPr>
-          <p:spPr>
-            <a:xfrm>
-              <a:off x="1632464" y="5877272"/>
-              <a:ext cx="108012" cy="980728"/>
-            </a:xfrm>
-            <a:prstGeom prst="rect">
-              <a:avLst/>
-            </a:prstGeom>
-            <a:solidFill>
-              <a:schemeClr val="tx1">
-                <a:lumMod val="85000"/>
-                <a:lumOff val="15000"/>
-              </a:schemeClr>
-            </a:solidFill>
-            <a:ln>
-              <a:noFill/>
-            </a:ln>
-          </p:spPr>
-          <p:style>
-            <a:lnRef idx="2">
-              <a:schemeClr val="accent1">
-                <a:shade val="50000"/>
-              </a:schemeClr>
-            </a:lnRef>
-            <a:fillRef idx="1">
-              <a:schemeClr val="accent1"/>
-            </a:fillRef>
-            <a:effectRef idx="0">
-              <a:schemeClr val="accent1"/>
-            </a:effectRef>
-            <a:fontRef idx="minor">
-              <a:schemeClr val="lt1"/>
-            </a:fontRef>
-          </p:style>
-          <p:txBody>
-            <a:bodyPr rtlCol="0" anchor="ctr"/>
-            <a:lstStyle/>
-            <a:p>
-              <a:pPr algn="ctr"/>
-              <a:endParaRPr lang="ko-KR" altLang="en-US"/>
-            </a:p>
-          </p:txBody>
-        </p:sp>
-      </p:grpSp>
-      <p:sp>
-        <p:nvSpPr>
-          <p:cNvPr id="21" name="모서리가 둥근 직사각형 20"/>
-          <p:cNvSpPr/>
-          <p:nvPr/>
-        </p:nvSpPr>
-        <p:spPr>
-          <a:xfrm>
-            <a:off x="286622" y="229501"/>
-            <a:ext cx="5616624" cy="521723"/>
-          </a:xfrm>
-          <a:prstGeom prst="roundRect">
-            <a:avLst>
-              <a:gd name="adj" fmla="val 50000"/>
-            </a:avLst>
-          </a:prstGeom>
-          <a:solidFill>
-            <a:schemeClr val="bg1">
-              <a:lumMod val="95000"/>
-            </a:schemeClr>
-          </a:solidFill>
-          <a:ln>
-            <a:solidFill>
-              <a:schemeClr val="tx1">
-                <a:lumMod val="85000"/>
-                <a:lumOff val="15000"/>
-              </a:schemeClr>
-            </a:solidFill>
-          </a:ln>
-          <a:scene3d>
-            <a:camera prst="obliqueTopLeft"/>
-            <a:lightRig rig="threePt" dir="t"/>
-          </a:scene3d>
-        </p:spPr>
-        <p:style>
-          <a:lnRef idx="2">
-            <a:schemeClr val="accent1">
-              <a:shade val="50000"/>
-            </a:schemeClr>
-          </a:lnRef>
-          <a:fillRef idx="1">
-            <a:schemeClr val="accent1"/>
-          </a:fillRef>
-          <a:effectRef idx="0">
-            <a:schemeClr val="accent1"/>
-          </a:effectRef>
-          <a:fontRef idx="minor">
-            <a:schemeClr val="lt1"/>
-          </a:fontRef>
-        </p:style>
-        <p:txBody>
-          <a:bodyPr rtlCol="0" anchor="ctr"/>
-          <a:lstStyle/>
-          <a:p>
-            <a:r>
-              <a:rPr lang="en-US" altLang="ko-KR" b="1" dirty="0">
-                <a:solidFill>
-                  <a:schemeClr val="tx1">
-                    <a:lumMod val="85000"/>
-                    <a:lumOff val="15000"/>
-                  </a:schemeClr>
-                </a:solidFill>
-                <a:latin typeface="여기어때 잘난체 OTF" panose="020B0600000101010101" pitchFamily="34" charset="-127"/>
-                <a:ea typeface="여기어때 잘난체 OTF" panose="020B0600000101010101" pitchFamily="34" charset="-127"/>
-              </a:rPr>
-              <a:t>       </a:t>
-            </a:r>
-            <a:r>
-              <a:rPr lang="ko-KR" altLang="en-US" b="1" dirty="0">
-                <a:solidFill>
-                  <a:schemeClr val="tx1">
-                    <a:lumMod val="85000"/>
-                    <a:lumOff val="15000"/>
-                  </a:schemeClr>
-                </a:solidFill>
-                <a:latin typeface="여기어때 잘난체 OTF" panose="020B0600000101010101" pitchFamily="34" charset="-127"/>
-                <a:ea typeface="여기어때 잘난체 OTF" panose="020B0600000101010101" pitchFamily="34" charset="-127"/>
-              </a:rPr>
-              <a:t>제목을 입력해 주세요</a:t>
-            </a:r>
-          </a:p>
-        </p:txBody>
-      </p:sp>
-      <p:grpSp>
-        <p:nvGrpSpPr>
-          <p:cNvPr id="22" name="그룹 21"/>
-          <p:cNvGrpSpPr/>
-          <p:nvPr/>
-        </p:nvGrpSpPr>
-        <p:grpSpPr>
-          <a:xfrm>
-            <a:off x="403826" y="6177650"/>
-            <a:ext cx="379971" cy="379971"/>
-            <a:chOff x="7164288" y="2924944"/>
-            <a:chExt cx="1368152" cy="1368152"/>
-          </a:xfrm>
-        </p:grpSpPr>
-        <p:sp>
-          <p:nvSpPr>
-            <p:cNvPr id="23" name="타원 22"/>
-            <p:cNvSpPr/>
-            <p:nvPr/>
-          </p:nvSpPr>
-          <p:spPr>
-            <a:xfrm>
-              <a:off x="7164288" y="2924944"/>
-              <a:ext cx="1368152" cy="1368152"/>
-            </a:xfrm>
-            <a:prstGeom prst="ellipse">
-              <a:avLst/>
-            </a:prstGeom>
-            <a:solidFill>
-              <a:schemeClr val="bg1">
-                <a:lumMod val="95000"/>
-              </a:schemeClr>
-            </a:solidFill>
-            <a:ln>
-              <a:noFill/>
-            </a:ln>
-          </p:spPr>
-          <p:style>
-            <a:lnRef idx="2">
-              <a:schemeClr val="accent1">
-                <a:shade val="50000"/>
-              </a:schemeClr>
-            </a:lnRef>
-            <a:fillRef idx="1">
-              <a:schemeClr val="accent1"/>
-            </a:fillRef>
-            <a:effectRef idx="0">
-              <a:schemeClr val="accent1"/>
-            </a:effectRef>
-            <a:fontRef idx="minor">
-              <a:schemeClr val="lt1"/>
-            </a:fontRef>
-          </p:style>
-          <p:txBody>
-            <a:bodyPr rtlCol="0" anchor="ctr"/>
-            <a:lstStyle/>
-            <a:p>
-              <a:pPr algn="ctr"/>
-              <a:endParaRPr lang="ko-KR" altLang="en-US"/>
-            </a:p>
-          </p:txBody>
-        </p:sp>
-        <p:sp>
-          <p:nvSpPr>
-            <p:cNvPr id="24" name="이등변 삼각형 23"/>
-            <p:cNvSpPr/>
-            <p:nvPr/>
-          </p:nvSpPr>
-          <p:spPr>
-            <a:xfrm rot="5400000">
-              <a:off x="7628616" y="3360717"/>
-              <a:ext cx="576064" cy="496607"/>
-            </a:xfrm>
-            <a:prstGeom prst="triangle">
-              <a:avLst/>
-            </a:prstGeom>
-            <a:solidFill>
-              <a:schemeClr val="tx1">
-                <a:lumMod val="85000"/>
-                <a:lumOff val="15000"/>
-              </a:schemeClr>
-            </a:solidFill>
-            <a:ln>
-              <a:noFill/>
-            </a:ln>
-          </p:spPr>
-          <p:style>
-            <a:lnRef idx="2">
-              <a:schemeClr val="accent1">
-                <a:shade val="50000"/>
-              </a:schemeClr>
-            </a:lnRef>
-            <a:fillRef idx="1">
-              <a:schemeClr val="accent1"/>
-            </a:fillRef>
-            <a:effectRef idx="0">
-              <a:schemeClr val="accent1"/>
-            </a:effectRef>
-            <a:fontRef idx="minor">
-              <a:schemeClr val="lt1"/>
-            </a:fontRef>
-          </p:style>
-          <p:txBody>
-            <a:bodyPr rtlCol="0" anchor="ctr"/>
-            <a:lstStyle/>
-            <a:p>
-              <a:pPr algn="ctr"/>
-              <a:endParaRPr lang="ko-KR" altLang="en-US"/>
-            </a:p>
-          </p:txBody>
-        </p:sp>
-      </p:grpSp>
-      <p:sp>
-        <p:nvSpPr>
-          <p:cNvPr id="25" name="타원 24"/>
-          <p:cNvSpPr/>
-          <p:nvPr/>
-        </p:nvSpPr>
-        <p:spPr>
-          <a:xfrm>
-            <a:off x="385022" y="304496"/>
-            <a:ext cx="365297" cy="365297"/>
-          </a:xfrm>
-          <a:prstGeom prst="ellipse">
-            <a:avLst/>
-          </a:prstGeom>
-          <a:noFill/>
-          <a:ln>
-            <a:solidFill>
-              <a:schemeClr val="tx1">
-                <a:lumMod val="85000"/>
-                <a:lumOff val="15000"/>
-              </a:schemeClr>
-            </a:solidFill>
-          </a:ln>
-        </p:spPr>
-        <p:style>
-          <a:lnRef idx="2">
-            <a:schemeClr val="accent1">
-              <a:shade val="50000"/>
-            </a:schemeClr>
-          </a:lnRef>
-          <a:fillRef idx="1">
-            <a:schemeClr val="accent1"/>
-          </a:fillRef>
-          <a:effectRef idx="0">
-            <a:schemeClr val="accent1"/>
-          </a:effectRef>
-          <a:fontRef idx="minor">
-            <a:schemeClr val="lt1"/>
-          </a:fontRef>
-        </p:style>
-        <p:txBody>
-          <a:bodyPr rtlCol="0" anchor="ctr"/>
-          <a:lstStyle/>
-          <a:p>
-            <a:pPr algn="ctr"/>
-            <a:r>
-              <a:rPr lang="en-US" altLang="ko-KR" dirty="0">
-                <a:solidFill>
-                  <a:schemeClr val="tx1">
-                    <a:lumMod val="85000"/>
-                    <a:lumOff val="15000"/>
-                  </a:schemeClr>
-                </a:solidFill>
-                <a:latin typeface="여기어때 잘난체 OTF" panose="020B0600000101010101" pitchFamily="34" charset="-127"/>
-                <a:ea typeface="여기어때 잘난체 OTF" panose="020B0600000101010101" pitchFamily="34" charset="-127"/>
-                <a:cs typeface="Open Sans Extrabold" panose="020B0906030804020204" pitchFamily="34" charset="0"/>
-              </a:rPr>
-              <a:t>4</a:t>
-            </a:r>
-            <a:endParaRPr lang="ko-KR" altLang="en-US" dirty="0">
-              <a:solidFill>
-                <a:schemeClr val="tx1">
-                  <a:lumMod val="85000"/>
-                  <a:lumOff val="15000"/>
-                </a:schemeClr>
-              </a:solidFill>
-              <a:latin typeface="여기어때 잘난체 OTF" panose="020B0600000101010101" pitchFamily="34" charset="-127"/>
-              <a:ea typeface="여기어때 잘난체 OTF" panose="020B0600000101010101" pitchFamily="34" charset="-127"/>
-              <a:cs typeface="Open Sans Extrabold" panose="020B0906030804020204" pitchFamily="34" charset="0"/>
-            </a:endParaRPr>
-          </a:p>
-        </p:txBody>
-      </p:sp>
-    </p:spTree>
-    <p:extLst>
-      <p:ext uri="{BB962C8B-B14F-4D97-AF65-F5344CB8AC3E}">
-        <p14:creationId xmlns:p14="http://schemas.microsoft.com/office/powerpoint/2010/main" val="430816450"/>
-      </p:ext>
-    </p:extLst>
-  </p:cSld>
-  <p:clrMapOvr>
-    <a:masterClrMapping/>
-  </p:clrMapOvr>
-  <p:transition spd="slow" advTm="3000">
-    <p:push dir="u"/>
-  </p:transition>
-</p:sld>
-</file>
-
-<file path=ppt/slides/slide9.xml><?xml version="1.0" encoding="utf-8"?>
-<p:sld xmlns:a="http://schemas.openxmlformats.org/drawingml/2006/main" xmlns:r="http://schemas.openxmlformats.org/officeDocument/2006/relationships" xmlns:p="http://schemas.openxmlformats.org/presentationml/2006/main">
-  <p:cSld>
-    <p:spTree>
-      <p:nvGrpSpPr>
-        <p:cNvPr id="1" name=""/>
-        <p:cNvGrpSpPr/>
-        <p:nvPr/>
-      </p:nvGrpSpPr>
-      <p:grpSpPr>
-        <a:xfrm>
-          <a:off x="0" y="0"/>
-          <a:ext cx="0" cy="0"/>
-          <a:chOff x="0" y="0"/>
-          <a:chExt cx="0" cy="0"/>
-        </a:xfrm>
-      </p:grpSpPr>
-      <p:pic>
-        <p:nvPicPr>
-          <p:cNvPr id="63" name="그림 62"/>
-          <p:cNvPicPr>
-            <a:picLocks noChangeAspect="1"/>
-          </p:cNvPicPr>
-          <p:nvPr/>
-        </p:nvPicPr>
-        <p:blipFill>
-          <a:blip r:embed="rId2">
-            <a:extLst>
-              <a:ext uri="{28A0092B-C50C-407E-A947-70E740481C1C}">
-                <a14:useLocalDpi xmlns:a14="http://schemas.microsoft.com/office/drawing/2010/main" val="0"/>
-              </a:ext>
-            </a:extLst>
-          </a:blip>
-          <a:stretch>
-            <a:fillRect/>
-          </a:stretch>
-        </p:blipFill>
-        <p:spPr>
-          <a:xfrm>
-            <a:off x="-12824" y="742"/>
-            <a:ext cx="9156824" cy="6858000"/>
-          </a:xfrm>
-          <a:prstGeom prst="rect">
-            <a:avLst/>
-          </a:prstGeom>
-        </p:spPr>
-      </p:pic>
-      <p:grpSp>
-        <p:nvGrpSpPr>
-          <p:cNvPr id="36" name="그룹 35"/>
-          <p:cNvGrpSpPr/>
-          <p:nvPr/>
-        </p:nvGrpSpPr>
-        <p:grpSpPr>
-          <a:xfrm>
-            <a:off x="3832684" y="1210430"/>
-            <a:ext cx="1452984" cy="1452984"/>
-            <a:chOff x="3832684" y="1196752"/>
-            <a:chExt cx="1452984" cy="1452984"/>
-          </a:xfrm>
-          <a:solidFill>
-            <a:schemeClr val="tx1">
-              <a:lumMod val="95000"/>
-              <a:lumOff val="5000"/>
-            </a:schemeClr>
-          </a:solidFill>
-        </p:grpSpPr>
-        <p:sp>
-          <p:nvSpPr>
-            <p:cNvPr id="37" name="타원 36"/>
-            <p:cNvSpPr/>
-            <p:nvPr/>
-          </p:nvSpPr>
-          <p:spPr>
-            <a:xfrm>
-              <a:off x="3832684" y="1196752"/>
-              <a:ext cx="1452984" cy="1452984"/>
-            </a:xfrm>
-            <a:prstGeom prst="ellipse">
-              <a:avLst/>
-            </a:prstGeom>
-            <a:grpFill/>
-            <a:ln>
-              <a:noFill/>
-            </a:ln>
-          </p:spPr>
-          <p:style>
-            <a:lnRef idx="2">
-              <a:schemeClr val="accent1">
-                <a:shade val="50000"/>
-              </a:schemeClr>
-            </a:lnRef>
-            <a:fillRef idx="1">
-              <a:schemeClr val="accent1"/>
-            </a:fillRef>
-            <a:effectRef idx="0">
-              <a:schemeClr val="accent1"/>
-            </a:effectRef>
-            <a:fontRef idx="minor">
-              <a:schemeClr val="lt1"/>
-            </a:fontRef>
-          </p:style>
-          <p:txBody>
-            <a:bodyPr rtlCol="0" anchor="ctr"/>
-            <a:lstStyle/>
-            <a:p>
-              <a:pPr algn="ctr"/>
-              <a:endParaRPr lang="ko-KR" altLang="en-US">
-                <a:latin typeface="여기어때 잘난체 OTF" panose="020B0600000101010101" pitchFamily="34" charset="-127"/>
-                <a:ea typeface="여기어때 잘난체 OTF" panose="020B0600000101010101" pitchFamily="34" charset="-127"/>
-              </a:endParaRPr>
-            </a:p>
-          </p:txBody>
-        </p:sp>
-        <p:grpSp>
-          <p:nvGrpSpPr>
-            <p:cNvPr id="38" name="그룹 37"/>
-            <p:cNvGrpSpPr/>
-            <p:nvPr/>
-          </p:nvGrpSpPr>
-          <p:grpSpPr>
-            <a:xfrm>
-              <a:off x="4444752" y="1340768"/>
-              <a:ext cx="228848" cy="1164952"/>
-              <a:chOff x="4444752" y="1340768"/>
-              <a:chExt cx="228848" cy="1164952"/>
-            </a:xfrm>
-            <a:grpFill/>
-          </p:grpSpPr>
-          <p:sp>
-            <p:nvSpPr>
-              <p:cNvPr id="45" name="타원 44"/>
-              <p:cNvSpPr/>
-              <p:nvPr/>
-            </p:nvSpPr>
-            <p:spPr>
-              <a:xfrm>
-                <a:off x="4444752" y="1340768"/>
-                <a:ext cx="228848" cy="228848"/>
-              </a:xfrm>
-              <a:prstGeom prst="ellipse">
-                <a:avLst/>
-              </a:prstGeom>
-              <a:solidFill>
-                <a:schemeClr val="bg1"/>
-              </a:solidFill>
-              <a:ln>
-                <a:noFill/>
-              </a:ln>
-            </p:spPr>
-            <p:style>
-              <a:lnRef idx="2">
-                <a:schemeClr val="accent1">
-                  <a:shade val="50000"/>
-                </a:schemeClr>
-              </a:lnRef>
-              <a:fillRef idx="1">
-                <a:schemeClr val="accent1"/>
-              </a:fillRef>
-              <a:effectRef idx="0">
-                <a:schemeClr val="accent1"/>
-              </a:effectRef>
-              <a:fontRef idx="minor">
-                <a:schemeClr val="lt1"/>
-              </a:fontRef>
-            </p:style>
-            <p:txBody>
-              <a:bodyPr rtlCol="0" anchor="ctr"/>
-              <a:lstStyle/>
-              <a:p>
-                <a:pPr algn="ctr"/>
-                <a:endParaRPr lang="ko-KR" altLang="en-US">
-                  <a:latin typeface="여기어때 잘난체 OTF" panose="020B0600000101010101" pitchFamily="34" charset="-127"/>
-                  <a:ea typeface="여기어때 잘난체 OTF" panose="020B0600000101010101" pitchFamily="34" charset="-127"/>
-                </a:endParaRPr>
-              </a:p>
-            </p:txBody>
-          </p:sp>
-          <p:sp>
-            <p:nvSpPr>
-              <p:cNvPr id="46" name="타원 45"/>
-              <p:cNvSpPr/>
-              <p:nvPr/>
-            </p:nvSpPr>
-            <p:spPr>
-              <a:xfrm>
-                <a:off x="4444752" y="2276872"/>
-                <a:ext cx="228848" cy="228848"/>
-              </a:xfrm>
-              <a:prstGeom prst="ellipse">
-                <a:avLst/>
-              </a:prstGeom>
-              <a:solidFill>
-                <a:schemeClr val="bg1"/>
-              </a:solidFill>
-              <a:ln>
-                <a:noFill/>
-              </a:ln>
-            </p:spPr>
-            <p:style>
-              <a:lnRef idx="2">
-                <a:schemeClr val="accent1">
-                  <a:shade val="50000"/>
-                </a:schemeClr>
-              </a:lnRef>
-              <a:fillRef idx="1">
-                <a:schemeClr val="accent1"/>
-              </a:fillRef>
-              <a:effectRef idx="0">
-                <a:schemeClr val="accent1"/>
-              </a:effectRef>
-              <a:fontRef idx="minor">
-                <a:schemeClr val="lt1"/>
-              </a:fontRef>
-            </p:style>
-            <p:txBody>
-              <a:bodyPr rtlCol="0" anchor="ctr"/>
-              <a:lstStyle/>
-              <a:p>
-                <a:pPr algn="ctr"/>
-                <a:endParaRPr lang="ko-KR" altLang="en-US">
-                  <a:latin typeface="여기어때 잘난체 OTF" panose="020B0600000101010101" pitchFamily="34" charset="-127"/>
-                  <a:ea typeface="여기어때 잘난체 OTF" panose="020B0600000101010101" pitchFamily="34" charset="-127"/>
-                </a:endParaRPr>
-              </a:p>
-            </p:txBody>
-          </p:sp>
-        </p:grpSp>
-        <p:grpSp>
-          <p:nvGrpSpPr>
-            <p:cNvPr id="39" name="그룹 38"/>
-            <p:cNvGrpSpPr/>
-            <p:nvPr/>
-          </p:nvGrpSpPr>
-          <p:grpSpPr>
-            <a:xfrm rot="3600000">
-              <a:off x="4444752" y="1340768"/>
-              <a:ext cx="228848" cy="1164952"/>
-              <a:chOff x="4444752" y="1340768"/>
-              <a:chExt cx="228848" cy="1164952"/>
-            </a:xfrm>
-            <a:grpFill/>
-          </p:grpSpPr>
-          <p:sp>
-            <p:nvSpPr>
-              <p:cNvPr id="43" name="타원 42"/>
-              <p:cNvSpPr/>
-              <p:nvPr/>
-            </p:nvSpPr>
-            <p:spPr>
-              <a:xfrm>
-                <a:off x="4444752" y="1340768"/>
-                <a:ext cx="228848" cy="228848"/>
-              </a:xfrm>
-              <a:prstGeom prst="ellipse">
-                <a:avLst/>
-              </a:prstGeom>
-              <a:solidFill>
-                <a:schemeClr val="bg1"/>
-              </a:solidFill>
-              <a:ln>
-                <a:noFill/>
-              </a:ln>
-            </p:spPr>
-            <p:style>
-              <a:lnRef idx="2">
-                <a:schemeClr val="accent1">
-                  <a:shade val="50000"/>
-                </a:schemeClr>
-              </a:lnRef>
-              <a:fillRef idx="1">
-                <a:schemeClr val="accent1"/>
-              </a:fillRef>
-              <a:effectRef idx="0">
-                <a:schemeClr val="accent1"/>
-              </a:effectRef>
-              <a:fontRef idx="minor">
-                <a:schemeClr val="lt1"/>
-              </a:fontRef>
-            </p:style>
-            <p:txBody>
-              <a:bodyPr rtlCol="0" anchor="ctr"/>
-              <a:lstStyle/>
-              <a:p>
-                <a:pPr algn="ctr"/>
-                <a:endParaRPr lang="ko-KR" altLang="en-US">
-                  <a:latin typeface="여기어때 잘난체 OTF" panose="020B0600000101010101" pitchFamily="34" charset="-127"/>
-                  <a:ea typeface="여기어때 잘난체 OTF" panose="020B0600000101010101" pitchFamily="34" charset="-127"/>
-                </a:endParaRPr>
-              </a:p>
-            </p:txBody>
-          </p:sp>
-          <p:sp>
-            <p:nvSpPr>
-              <p:cNvPr id="44" name="타원 43"/>
-              <p:cNvSpPr/>
-              <p:nvPr/>
-            </p:nvSpPr>
-            <p:spPr>
-              <a:xfrm>
-                <a:off x="4444752" y="2276872"/>
-                <a:ext cx="228848" cy="228848"/>
-              </a:xfrm>
-              <a:prstGeom prst="ellipse">
-                <a:avLst/>
-              </a:prstGeom>
-              <a:solidFill>
-                <a:schemeClr val="bg1"/>
-              </a:solidFill>
-              <a:ln>
-                <a:noFill/>
-              </a:ln>
-            </p:spPr>
-            <p:style>
-              <a:lnRef idx="2">
-                <a:schemeClr val="accent1">
-                  <a:shade val="50000"/>
-                </a:schemeClr>
-              </a:lnRef>
-              <a:fillRef idx="1">
-                <a:schemeClr val="accent1"/>
-              </a:fillRef>
-              <a:effectRef idx="0">
-                <a:schemeClr val="accent1"/>
-              </a:effectRef>
-              <a:fontRef idx="minor">
-                <a:schemeClr val="lt1"/>
-              </a:fontRef>
-            </p:style>
-            <p:txBody>
-              <a:bodyPr rtlCol="0" anchor="ctr"/>
-              <a:lstStyle/>
-              <a:p>
-                <a:pPr algn="ctr"/>
-                <a:endParaRPr lang="ko-KR" altLang="en-US">
-                  <a:latin typeface="여기어때 잘난체 OTF" panose="020B0600000101010101" pitchFamily="34" charset="-127"/>
-                  <a:ea typeface="여기어때 잘난체 OTF" panose="020B0600000101010101" pitchFamily="34" charset="-127"/>
-                </a:endParaRPr>
-              </a:p>
-            </p:txBody>
-          </p:sp>
-        </p:grpSp>
-        <p:grpSp>
-          <p:nvGrpSpPr>
-            <p:cNvPr id="40" name="그룹 39"/>
-            <p:cNvGrpSpPr/>
-            <p:nvPr/>
-          </p:nvGrpSpPr>
-          <p:grpSpPr>
-            <a:xfrm rot="7200000">
-              <a:off x="4444752" y="1340768"/>
-              <a:ext cx="228848" cy="1164952"/>
-              <a:chOff x="4444752" y="1340768"/>
-              <a:chExt cx="228848" cy="1164952"/>
-            </a:xfrm>
-            <a:grpFill/>
-          </p:grpSpPr>
-          <p:sp>
-            <p:nvSpPr>
-              <p:cNvPr id="41" name="타원 40"/>
-              <p:cNvSpPr/>
-              <p:nvPr/>
-            </p:nvSpPr>
-            <p:spPr>
-              <a:xfrm>
-                <a:off x="4444752" y="1340768"/>
-                <a:ext cx="228848" cy="228848"/>
-              </a:xfrm>
-              <a:prstGeom prst="ellipse">
-                <a:avLst/>
-              </a:prstGeom>
-              <a:solidFill>
-                <a:schemeClr val="bg1"/>
-              </a:solidFill>
-              <a:ln>
-                <a:noFill/>
-              </a:ln>
-            </p:spPr>
-            <p:style>
-              <a:lnRef idx="2">
-                <a:schemeClr val="accent1">
-                  <a:shade val="50000"/>
-                </a:schemeClr>
-              </a:lnRef>
-              <a:fillRef idx="1">
-                <a:schemeClr val="accent1"/>
-              </a:fillRef>
-              <a:effectRef idx="0">
-                <a:schemeClr val="accent1"/>
-              </a:effectRef>
-              <a:fontRef idx="minor">
-                <a:schemeClr val="lt1"/>
-              </a:fontRef>
-            </p:style>
-            <p:txBody>
-              <a:bodyPr rtlCol="0" anchor="ctr"/>
-              <a:lstStyle/>
-              <a:p>
-                <a:pPr algn="ctr"/>
-                <a:endParaRPr lang="ko-KR" altLang="en-US">
-                  <a:latin typeface="여기어때 잘난체 OTF" panose="020B0600000101010101" pitchFamily="34" charset="-127"/>
-                  <a:ea typeface="여기어때 잘난체 OTF" panose="020B0600000101010101" pitchFamily="34" charset="-127"/>
-                </a:endParaRPr>
-              </a:p>
-            </p:txBody>
-          </p:sp>
-          <p:sp>
-            <p:nvSpPr>
-              <p:cNvPr id="42" name="타원 41"/>
-              <p:cNvSpPr/>
-              <p:nvPr/>
-            </p:nvSpPr>
-            <p:spPr>
-              <a:xfrm>
-                <a:off x="4444752" y="2276872"/>
-                <a:ext cx="228848" cy="228848"/>
-              </a:xfrm>
-              <a:prstGeom prst="ellipse">
-                <a:avLst/>
-              </a:prstGeom>
-              <a:solidFill>
-                <a:schemeClr val="bg1"/>
-              </a:solidFill>
-              <a:ln>
-                <a:noFill/>
-              </a:ln>
-            </p:spPr>
-            <p:style>
-              <a:lnRef idx="2">
-                <a:schemeClr val="accent1">
-                  <a:shade val="50000"/>
-                </a:schemeClr>
-              </a:lnRef>
-              <a:fillRef idx="1">
-                <a:schemeClr val="accent1"/>
-              </a:fillRef>
-              <a:effectRef idx="0">
-                <a:schemeClr val="accent1"/>
-              </a:effectRef>
-              <a:fontRef idx="minor">
-                <a:schemeClr val="lt1"/>
-              </a:fontRef>
-            </p:style>
-            <p:txBody>
-              <a:bodyPr rtlCol="0" anchor="ctr"/>
-              <a:lstStyle/>
-              <a:p>
-                <a:pPr algn="ctr"/>
-                <a:endParaRPr lang="ko-KR" altLang="en-US">
-                  <a:latin typeface="여기어때 잘난체 OTF" panose="020B0600000101010101" pitchFamily="34" charset="-127"/>
-                  <a:ea typeface="여기어때 잘난체 OTF" panose="020B0600000101010101" pitchFamily="34" charset="-127"/>
-                </a:endParaRPr>
-              </a:p>
-            </p:txBody>
-          </p:sp>
-        </p:grpSp>
-      </p:grpSp>
-      <p:sp>
-        <p:nvSpPr>
-          <p:cNvPr id="24" name="TextBox 23"/>
-          <p:cNvSpPr txBox="1"/>
-          <p:nvPr/>
-        </p:nvSpPr>
-        <p:spPr>
-          <a:xfrm>
-            <a:off x="3318334" y="3056947"/>
-            <a:ext cx="4188967" cy="523220"/>
-          </a:xfrm>
-          <a:prstGeom prst="rect">
-            <a:avLst/>
-          </a:prstGeom>
-          <a:noFill/>
-        </p:spPr>
-        <p:txBody>
-          <a:bodyPr wrap="none" rtlCol="0">
-            <a:spAutoFit/>
-          </a:bodyPr>
-          <a:lstStyle/>
-          <a:p>
-            <a:r>
-              <a:rPr lang="en-US" altLang="ko-KR" sz="2800" b="1" dirty="0">
-                <a:latin typeface="여기어때 잘난체 OTF" panose="020B0600000101010101" pitchFamily="34" charset="-127"/>
-                <a:ea typeface="여기어때 잘난체 OTF" panose="020B0600000101010101" pitchFamily="34" charset="-127"/>
-                <a:cs typeface="Open Sans Extrabold" panose="020B0906030804020204" pitchFamily="34" charset="0"/>
-              </a:rPr>
-              <a:t>QUESTION &amp; ANSWER</a:t>
-            </a:r>
-            <a:endParaRPr lang="ko-KR" altLang="en-US" sz="2800" b="1" dirty="0">
-              <a:latin typeface="여기어때 잘난체 OTF" panose="020B0600000101010101" pitchFamily="34" charset="-127"/>
-              <a:ea typeface="여기어때 잘난체 OTF" panose="020B0600000101010101" pitchFamily="34" charset="-127"/>
-              <a:cs typeface="Open Sans Extrabold" panose="020B0906030804020204" pitchFamily="34" charset="0"/>
-            </a:endParaRPr>
-          </a:p>
-        </p:txBody>
-      </p:sp>
-      <p:grpSp>
-        <p:nvGrpSpPr>
-          <p:cNvPr id="47" name="그룹 46"/>
-          <p:cNvGrpSpPr/>
-          <p:nvPr/>
-        </p:nvGrpSpPr>
-        <p:grpSpPr>
-          <a:xfrm>
-            <a:off x="1828095" y="1583294"/>
-            <a:ext cx="1206759" cy="1206759"/>
-            <a:chOff x="3832684" y="1196752"/>
-            <a:chExt cx="1452984" cy="1452984"/>
-          </a:xfrm>
-          <a:solidFill>
-            <a:schemeClr val="tx1">
-              <a:lumMod val="95000"/>
-              <a:lumOff val="5000"/>
-            </a:schemeClr>
-          </a:solidFill>
-        </p:grpSpPr>
-        <p:sp>
-          <p:nvSpPr>
-            <p:cNvPr id="48" name="타원 47"/>
-            <p:cNvSpPr/>
-            <p:nvPr/>
-          </p:nvSpPr>
-          <p:spPr>
-            <a:xfrm>
-              <a:off x="3832684" y="1196752"/>
-              <a:ext cx="1452984" cy="1452984"/>
-            </a:xfrm>
-            <a:prstGeom prst="ellipse">
-              <a:avLst/>
-            </a:prstGeom>
-            <a:grpFill/>
-            <a:ln>
-              <a:noFill/>
-            </a:ln>
-          </p:spPr>
-          <p:style>
-            <a:lnRef idx="2">
-              <a:schemeClr val="accent1">
-                <a:shade val="50000"/>
-              </a:schemeClr>
-            </a:lnRef>
-            <a:fillRef idx="1">
-              <a:schemeClr val="accent1"/>
-            </a:fillRef>
-            <a:effectRef idx="0">
-              <a:schemeClr val="accent1"/>
-            </a:effectRef>
-            <a:fontRef idx="minor">
-              <a:schemeClr val="lt1"/>
-            </a:fontRef>
-          </p:style>
-          <p:txBody>
-            <a:bodyPr rtlCol="0" anchor="ctr"/>
-            <a:lstStyle/>
-            <a:p>
-              <a:pPr algn="ctr"/>
-              <a:endParaRPr lang="ko-KR" altLang="en-US">
-                <a:latin typeface="여기어때 잘난체 OTF" panose="020B0600000101010101" pitchFamily="34" charset="-127"/>
-                <a:ea typeface="여기어때 잘난체 OTF" panose="020B0600000101010101" pitchFamily="34" charset="-127"/>
-              </a:endParaRPr>
-            </a:p>
-          </p:txBody>
-        </p:sp>
-        <p:grpSp>
-          <p:nvGrpSpPr>
-            <p:cNvPr id="49" name="그룹 48"/>
-            <p:cNvGrpSpPr/>
-            <p:nvPr/>
-          </p:nvGrpSpPr>
-          <p:grpSpPr>
-            <a:xfrm>
-              <a:off x="4444752" y="1340768"/>
-              <a:ext cx="228848" cy="1164952"/>
-              <a:chOff x="4444752" y="1340768"/>
-              <a:chExt cx="228848" cy="1164952"/>
-            </a:xfrm>
-            <a:grpFill/>
-          </p:grpSpPr>
-          <p:sp>
-            <p:nvSpPr>
-              <p:cNvPr id="56" name="타원 55"/>
-              <p:cNvSpPr/>
-              <p:nvPr/>
-            </p:nvSpPr>
-            <p:spPr>
-              <a:xfrm>
-                <a:off x="4444752" y="1340768"/>
-                <a:ext cx="228848" cy="228848"/>
-              </a:xfrm>
-              <a:prstGeom prst="ellipse">
-                <a:avLst/>
-              </a:prstGeom>
-              <a:solidFill>
-                <a:schemeClr val="bg1"/>
-              </a:solidFill>
-              <a:ln>
-                <a:noFill/>
-              </a:ln>
-            </p:spPr>
-            <p:style>
-              <a:lnRef idx="2">
-                <a:schemeClr val="accent1">
-                  <a:shade val="50000"/>
-                </a:schemeClr>
-              </a:lnRef>
-              <a:fillRef idx="1">
-                <a:schemeClr val="accent1"/>
-              </a:fillRef>
-              <a:effectRef idx="0">
-                <a:schemeClr val="accent1"/>
-              </a:effectRef>
-              <a:fontRef idx="minor">
-                <a:schemeClr val="lt1"/>
-              </a:fontRef>
-            </p:style>
-            <p:txBody>
-              <a:bodyPr rtlCol="0" anchor="ctr"/>
-              <a:lstStyle/>
-              <a:p>
-                <a:pPr algn="ctr"/>
-                <a:endParaRPr lang="ko-KR" altLang="en-US">
-                  <a:latin typeface="여기어때 잘난체 OTF" panose="020B0600000101010101" pitchFamily="34" charset="-127"/>
-                  <a:ea typeface="여기어때 잘난체 OTF" panose="020B0600000101010101" pitchFamily="34" charset="-127"/>
-                </a:endParaRPr>
-              </a:p>
-            </p:txBody>
-          </p:sp>
-          <p:sp>
-            <p:nvSpPr>
-              <p:cNvPr id="57" name="타원 56"/>
-              <p:cNvSpPr/>
-              <p:nvPr/>
-            </p:nvSpPr>
-            <p:spPr>
-              <a:xfrm>
-                <a:off x="4444752" y="2276872"/>
-                <a:ext cx="228848" cy="228848"/>
-              </a:xfrm>
-              <a:prstGeom prst="ellipse">
-                <a:avLst/>
-              </a:prstGeom>
-              <a:solidFill>
-                <a:schemeClr val="bg1"/>
-              </a:solidFill>
-              <a:ln>
-                <a:noFill/>
-              </a:ln>
-            </p:spPr>
-            <p:style>
-              <a:lnRef idx="2">
-                <a:schemeClr val="accent1">
-                  <a:shade val="50000"/>
-                </a:schemeClr>
-              </a:lnRef>
-              <a:fillRef idx="1">
-                <a:schemeClr val="accent1"/>
-              </a:fillRef>
-              <a:effectRef idx="0">
-                <a:schemeClr val="accent1"/>
-              </a:effectRef>
-              <a:fontRef idx="minor">
-                <a:schemeClr val="lt1"/>
-              </a:fontRef>
-            </p:style>
-            <p:txBody>
-              <a:bodyPr rtlCol="0" anchor="ctr"/>
-              <a:lstStyle/>
-              <a:p>
-                <a:pPr algn="ctr"/>
-                <a:endParaRPr lang="ko-KR" altLang="en-US">
-                  <a:latin typeface="여기어때 잘난체 OTF" panose="020B0600000101010101" pitchFamily="34" charset="-127"/>
-                  <a:ea typeface="여기어때 잘난체 OTF" panose="020B0600000101010101" pitchFamily="34" charset="-127"/>
-                </a:endParaRPr>
-              </a:p>
-            </p:txBody>
-          </p:sp>
-        </p:grpSp>
-        <p:grpSp>
-          <p:nvGrpSpPr>
-            <p:cNvPr id="50" name="그룹 49"/>
-            <p:cNvGrpSpPr/>
-            <p:nvPr/>
-          </p:nvGrpSpPr>
-          <p:grpSpPr>
-            <a:xfrm rot="3600000">
-              <a:off x="4444752" y="1340768"/>
-              <a:ext cx="228848" cy="1164952"/>
-              <a:chOff x="4444752" y="1340768"/>
-              <a:chExt cx="228848" cy="1164952"/>
-            </a:xfrm>
-            <a:grpFill/>
-          </p:grpSpPr>
-          <p:sp>
-            <p:nvSpPr>
-              <p:cNvPr id="54" name="타원 53"/>
-              <p:cNvSpPr/>
-              <p:nvPr/>
-            </p:nvSpPr>
-            <p:spPr>
-              <a:xfrm>
-                <a:off x="4444752" y="1340768"/>
-                <a:ext cx="228848" cy="228848"/>
-              </a:xfrm>
-              <a:prstGeom prst="ellipse">
-                <a:avLst/>
-              </a:prstGeom>
-              <a:solidFill>
-                <a:schemeClr val="bg1"/>
-              </a:solidFill>
-              <a:ln>
-                <a:noFill/>
-              </a:ln>
-            </p:spPr>
-            <p:style>
-              <a:lnRef idx="2">
-                <a:schemeClr val="accent1">
-                  <a:shade val="50000"/>
-                </a:schemeClr>
-              </a:lnRef>
-              <a:fillRef idx="1">
-                <a:schemeClr val="accent1"/>
-              </a:fillRef>
-              <a:effectRef idx="0">
-                <a:schemeClr val="accent1"/>
-              </a:effectRef>
-              <a:fontRef idx="minor">
-                <a:schemeClr val="lt1"/>
-              </a:fontRef>
-            </p:style>
-            <p:txBody>
-              <a:bodyPr rtlCol="0" anchor="ctr"/>
-              <a:lstStyle/>
-              <a:p>
-                <a:pPr algn="ctr"/>
-                <a:endParaRPr lang="ko-KR" altLang="en-US">
-                  <a:latin typeface="여기어때 잘난체 OTF" panose="020B0600000101010101" pitchFamily="34" charset="-127"/>
-                  <a:ea typeface="여기어때 잘난체 OTF" panose="020B0600000101010101" pitchFamily="34" charset="-127"/>
-                </a:endParaRPr>
-              </a:p>
-            </p:txBody>
-          </p:sp>
-          <p:sp>
-            <p:nvSpPr>
-              <p:cNvPr id="55" name="타원 54"/>
-              <p:cNvSpPr/>
-              <p:nvPr/>
-            </p:nvSpPr>
-            <p:spPr>
-              <a:xfrm>
-                <a:off x="4444752" y="2276872"/>
-                <a:ext cx="228848" cy="228848"/>
-              </a:xfrm>
-              <a:prstGeom prst="ellipse">
-                <a:avLst/>
-              </a:prstGeom>
-              <a:solidFill>
-                <a:schemeClr val="bg1"/>
-              </a:solidFill>
-              <a:ln>
-                <a:noFill/>
-              </a:ln>
-            </p:spPr>
-            <p:style>
-              <a:lnRef idx="2">
-                <a:schemeClr val="accent1">
-                  <a:shade val="50000"/>
-                </a:schemeClr>
-              </a:lnRef>
-              <a:fillRef idx="1">
-                <a:schemeClr val="accent1"/>
-              </a:fillRef>
-              <a:effectRef idx="0">
-                <a:schemeClr val="accent1"/>
-              </a:effectRef>
-              <a:fontRef idx="minor">
-                <a:schemeClr val="lt1"/>
-              </a:fontRef>
-            </p:style>
-            <p:txBody>
-              <a:bodyPr rtlCol="0" anchor="ctr"/>
-              <a:lstStyle/>
-              <a:p>
-                <a:pPr algn="ctr"/>
-                <a:endParaRPr lang="ko-KR" altLang="en-US">
-                  <a:latin typeface="여기어때 잘난체 OTF" panose="020B0600000101010101" pitchFamily="34" charset="-127"/>
-                  <a:ea typeface="여기어때 잘난체 OTF" panose="020B0600000101010101" pitchFamily="34" charset="-127"/>
-                </a:endParaRPr>
-              </a:p>
-            </p:txBody>
-          </p:sp>
-        </p:grpSp>
-        <p:grpSp>
-          <p:nvGrpSpPr>
-            <p:cNvPr id="51" name="그룹 50"/>
-            <p:cNvGrpSpPr/>
-            <p:nvPr/>
-          </p:nvGrpSpPr>
-          <p:grpSpPr>
-            <a:xfrm rot="7200000">
-              <a:off x="4444752" y="1340768"/>
-              <a:ext cx="228848" cy="1164952"/>
-              <a:chOff x="4444752" y="1340768"/>
-              <a:chExt cx="228848" cy="1164952"/>
-            </a:xfrm>
-            <a:grpFill/>
-          </p:grpSpPr>
-          <p:sp>
-            <p:nvSpPr>
-              <p:cNvPr id="52" name="타원 51"/>
-              <p:cNvSpPr/>
-              <p:nvPr/>
-            </p:nvSpPr>
-            <p:spPr>
-              <a:xfrm>
-                <a:off x="4444752" y="1340768"/>
-                <a:ext cx="228848" cy="228848"/>
-              </a:xfrm>
-              <a:prstGeom prst="ellipse">
-                <a:avLst/>
-              </a:prstGeom>
-              <a:solidFill>
-                <a:schemeClr val="bg1"/>
-              </a:solidFill>
-              <a:ln>
-                <a:noFill/>
-              </a:ln>
-            </p:spPr>
-            <p:style>
-              <a:lnRef idx="2">
-                <a:schemeClr val="accent1">
-                  <a:shade val="50000"/>
-                </a:schemeClr>
-              </a:lnRef>
-              <a:fillRef idx="1">
-                <a:schemeClr val="accent1"/>
-              </a:fillRef>
-              <a:effectRef idx="0">
-                <a:schemeClr val="accent1"/>
-              </a:effectRef>
-              <a:fontRef idx="minor">
-                <a:schemeClr val="lt1"/>
-              </a:fontRef>
-            </p:style>
-            <p:txBody>
-              <a:bodyPr rtlCol="0" anchor="ctr"/>
-              <a:lstStyle/>
-              <a:p>
-                <a:pPr algn="ctr"/>
-                <a:endParaRPr lang="ko-KR" altLang="en-US">
-                  <a:latin typeface="여기어때 잘난체 OTF" panose="020B0600000101010101" pitchFamily="34" charset="-127"/>
-                  <a:ea typeface="여기어때 잘난체 OTF" panose="020B0600000101010101" pitchFamily="34" charset="-127"/>
-                </a:endParaRPr>
-              </a:p>
-            </p:txBody>
-          </p:sp>
-          <p:sp>
-            <p:nvSpPr>
-              <p:cNvPr id="53" name="타원 52"/>
-              <p:cNvSpPr/>
-              <p:nvPr/>
-            </p:nvSpPr>
-            <p:spPr>
-              <a:xfrm>
-                <a:off x="4444752" y="2276872"/>
-                <a:ext cx="228848" cy="228848"/>
-              </a:xfrm>
-              <a:prstGeom prst="ellipse">
-                <a:avLst/>
-              </a:prstGeom>
-              <a:solidFill>
-                <a:schemeClr val="bg1"/>
-              </a:solidFill>
-              <a:ln>
-                <a:noFill/>
-              </a:ln>
-            </p:spPr>
-            <p:style>
-              <a:lnRef idx="2">
-                <a:schemeClr val="accent1">
-                  <a:shade val="50000"/>
-                </a:schemeClr>
-              </a:lnRef>
-              <a:fillRef idx="1">
-                <a:schemeClr val="accent1"/>
-              </a:fillRef>
-              <a:effectRef idx="0">
-                <a:schemeClr val="accent1"/>
-              </a:effectRef>
-              <a:fontRef idx="minor">
-                <a:schemeClr val="lt1"/>
-              </a:fontRef>
-            </p:style>
-            <p:txBody>
-              <a:bodyPr rtlCol="0" anchor="ctr"/>
-              <a:lstStyle/>
-              <a:p>
-                <a:pPr algn="ctr"/>
-                <a:endParaRPr lang="ko-KR" altLang="en-US">
-                  <a:latin typeface="여기어때 잘난체 OTF" panose="020B0600000101010101" pitchFamily="34" charset="-127"/>
-                  <a:ea typeface="여기어때 잘난체 OTF" panose="020B0600000101010101" pitchFamily="34" charset="-127"/>
-                </a:endParaRPr>
-              </a:p>
-            </p:txBody>
-          </p:sp>
-        </p:grpSp>
-      </p:grpSp>
-      <p:sp>
-        <p:nvSpPr>
-          <p:cNvPr id="62" name="TextBox 61">
-            <a:extLst>
-              <a:ext uri="{FF2B5EF4-FFF2-40B4-BE49-F238E27FC236}">
-                <a16:creationId xmlns:a16="http://schemas.microsoft.com/office/drawing/2014/main" xmlns="" id="{0FAB7FCF-396D-4D90-9838-5F8B97B7618D}"/>
-              </a:ext>
-            </a:extLst>
-          </p:cNvPr>
-          <p:cNvSpPr txBox="1"/>
-          <p:nvPr/>
-        </p:nvSpPr>
-        <p:spPr>
-          <a:xfrm>
-            <a:off x="3899423" y="3714443"/>
-            <a:ext cx="3026791" cy="276999"/>
-          </a:xfrm>
-          <a:prstGeom prst="rect">
-            <a:avLst/>
-          </a:prstGeom>
-          <a:noFill/>
-        </p:spPr>
-        <p:txBody>
-          <a:bodyPr wrap="none" rtlCol="0">
-            <a:spAutoFit/>
-          </a:bodyPr>
-          <a:lstStyle/>
-          <a:p>
-            <a:r>
-              <a:rPr lang="ko-KR" altLang="en-US" sz="1200" b="1" dirty="0">
-                <a:latin typeface="여기어때 잘난체 OTF" panose="020B0600000101010101" pitchFamily="34" charset="-127"/>
-                <a:ea typeface="여기어때 잘난체 OTF" panose="020B0600000101010101" pitchFamily="34" charset="-127"/>
-                <a:cs typeface="Open Sans Extrabold" panose="020B0906030804020204" pitchFamily="34" charset="0"/>
-              </a:rPr>
-              <a:t>질문이 있으시면</a:t>
-            </a:r>
-            <a:r>
-              <a:rPr lang="en-US" altLang="ko-KR" sz="1200" b="1" dirty="0">
-                <a:latin typeface="여기어때 잘난체 OTF" panose="020B0600000101010101" pitchFamily="34" charset="-127"/>
-                <a:ea typeface="여기어때 잘난체 OTF" panose="020B0600000101010101" pitchFamily="34" charset="-127"/>
-                <a:cs typeface="Open Sans Extrabold" panose="020B0906030804020204" pitchFamily="34" charset="0"/>
-              </a:rPr>
-              <a:t>, </a:t>
-            </a:r>
-            <a:r>
-              <a:rPr lang="ko-KR" altLang="en-US" sz="1200" b="1" dirty="0">
-                <a:latin typeface="여기어때 잘난체 OTF" panose="020B0600000101010101" pitchFamily="34" charset="-127"/>
-                <a:ea typeface="여기어때 잘난체 OTF" panose="020B0600000101010101" pitchFamily="34" charset="-127"/>
-                <a:cs typeface="Open Sans Extrabold" panose="020B0906030804020204" pitchFamily="34" charset="0"/>
-              </a:rPr>
-              <a:t>자유롭게 말씀해주세요</a:t>
-            </a:r>
-            <a:r>
-              <a:rPr lang="en-US" altLang="ko-KR" sz="1200" b="1" dirty="0">
-                <a:latin typeface="여기어때 잘난체 OTF" panose="020B0600000101010101" pitchFamily="34" charset="-127"/>
-                <a:ea typeface="여기어때 잘난체 OTF" panose="020B0600000101010101" pitchFamily="34" charset="-127"/>
-                <a:cs typeface="Open Sans Extrabold" panose="020B0906030804020204" pitchFamily="34" charset="0"/>
-              </a:rPr>
-              <a:t>!</a:t>
-            </a:r>
-            <a:endParaRPr lang="ko-KR" altLang="en-US" sz="1200" b="1" dirty="0">
-              <a:latin typeface="여기어때 잘난체 OTF" panose="020B0600000101010101" pitchFamily="34" charset="-127"/>
-              <a:ea typeface="여기어때 잘난체 OTF" panose="020B0600000101010101" pitchFamily="34" charset="-127"/>
-              <a:cs typeface="Open Sans Extrabold" panose="020B0906030804020204" pitchFamily="34" charset="0"/>
-            </a:endParaRPr>
-          </a:p>
-        </p:txBody>
-      </p:sp>
-    </p:spTree>
-    <p:extLst>
-      <p:ext uri="{BB962C8B-B14F-4D97-AF65-F5344CB8AC3E}">
-        <p14:creationId xmlns:p14="http://schemas.microsoft.com/office/powerpoint/2010/main" val="627660438"/>
-      </p:ext>
-    </p:extLst>
-  </p:cSld>
-  <p:clrMapOvr>
-    <a:masterClrMapping/>
-  </p:clrMapOvr>
-  <mc:AlternateContent xmlns:mc="http://schemas.openxmlformats.org/markup-compatibility/2006" xmlns:p14="http://schemas.microsoft.com/office/powerpoint/2010/main">
-    <mc:Choice Requires="p14">
-      <p:transition spd="slow" p14:dur="2000" advTm="8000">
-        <p:split orient="vert"/>
-      </p:transition>
-    </mc:Choice>
-    <mc:Fallback xmlns="">
-      <p:transition spd="slow" advTm="8000">
-        <p:split orient="vert"/>
-      </p:transition>
-    </mc:Fallback>
-  </mc:AlternateContent>
-  <p:timing>
-    <p:tnLst>
-      <p:par>
-        <p:cTn id="1" dur="indefinite" restart="never" nodeType="tmRoot">
-          <p:childTnLst>
-            <p:seq concurrent="1" nextAc="seek">
-              <p:cTn id="2" dur="indefinite" nodeType="mainSeq">
-                <p:childTnLst>
-                  <p:par>
-                    <p:cTn id="3" fill="hold">
-                      <p:stCondLst>
-                        <p:cond delay="indefinite"/>
-                        <p:cond evt="onBegin" delay="0">
-                          <p:tn val="2"/>
-                        </p:cond>
-                      </p:stCondLst>
-                      <p:childTnLst>
-                        <p:par>
-                          <p:cTn id="4" fill="hold">
-                            <p:stCondLst>
-                              <p:cond delay="0"/>
-                            </p:stCondLst>
-                            <p:childTnLst>
-                              <p:par>
-                                <p:cTn id="5" presetID="8" presetClass="emph" presetSubtype="0" repeatCount="indefinite" fill="hold" nodeType="withEffect">
-                                  <p:stCondLst>
-                                    <p:cond delay="0"/>
-                                  </p:stCondLst>
-                                  <p:childTnLst>
-                                    <p:animRot by="21600000">
-                                      <p:cBhvr>
-                                        <p:cTn id="6" dur="2000" fill="hold"/>
-                                        <p:tgtEl>
-                                          <p:spTgt spid="36"/>
-                                        </p:tgtEl>
-                                        <p:attrNameLst>
-                                          <p:attrName>r</p:attrName>
-                                        </p:attrNameLst>
-                                      </p:cBhvr>
-                                    </p:animRot>
-                                  </p:childTnLst>
-                                </p:cTn>
-                              </p:par>
-                              <p:par>
-                                <p:cTn id="7" presetID="8" presetClass="emph" presetSubtype="0" repeatCount="indefinite" fill="hold" nodeType="withEffect">
-                                  <p:stCondLst>
-                                    <p:cond delay="0"/>
-                                  </p:stCondLst>
-                                  <p:childTnLst>
-                                    <p:animRot by="-21600000">
-                                      <p:cBhvr>
-                                        <p:cTn id="8" dur="2000" fill="hold"/>
-                                        <p:tgtEl>
-                                          <p:spTgt spid="47"/>
-                                        </p:tgtEl>
-                                        <p:attrNameLst>
-                                          <p:attrName>r</p:attrName>
-                                        </p:attrNameLst>
-                                      </p:cBhvr>
-                                    </p:animRot>
-                                  </p:childTnLst>
-                                </p:cTn>
-                              </p:par>
-                              <p:par>
-                                <p:cTn id="9" presetID="10" presetClass="entr" presetSubtype="0" fill="hold" grpId="0" nodeType="withEffect">
-                                  <p:stCondLst>
-                                    <p:cond delay="800"/>
-                                  </p:stCondLst>
-                                  <p:childTnLst>
-                                    <p:set>
-                                      <p:cBhvr>
-                                        <p:cTn id="10" dur="1" fill="hold">
-                                          <p:stCondLst>
-                                            <p:cond delay="0"/>
-                                          </p:stCondLst>
-                                        </p:cTn>
-                                        <p:tgtEl>
-                                          <p:spTgt spid="24"/>
-                                        </p:tgtEl>
-                                        <p:attrNameLst>
-                                          <p:attrName>style.visibility</p:attrName>
-                                        </p:attrNameLst>
-                                      </p:cBhvr>
-                                      <p:to>
-                                        <p:strVal val="visible"/>
-                                      </p:to>
-                                    </p:set>
-                                    <p:animEffect transition="in" filter="fade">
-                                      <p:cBhvr>
-                                        <p:cTn id="11" dur="1300"/>
-                                        <p:tgtEl>
-                                          <p:spTgt spid="24"/>
-                                        </p:tgtEl>
-                                      </p:cBhvr>
-                                    </p:animEffect>
-                                  </p:childTnLst>
-                                </p:cTn>
-                              </p:par>
-                              <p:par>
-                                <p:cTn id="12" presetID="16" presetClass="entr" presetSubtype="37" fill="hold" grpId="0" nodeType="withEffect">
-                                  <p:stCondLst>
-                                    <p:cond delay="1900"/>
-                                  </p:stCondLst>
-                                  <p:childTnLst>
-                                    <p:set>
-                                      <p:cBhvr>
-                                        <p:cTn id="13" dur="1" fill="hold">
-                                          <p:stCondLst>
-                                            <p:cond delay="0"/>
-                                          </p:stCondLst>
-                                        </p:cTn>
-                                        <p:tgtEl>
-                                          <p:spTgt spid="62"/>
-                                        </p:tgtEl>
-                                        <p:attrNameLst>
-                                          <p:attrName>style.visibility</p:attrName>
-                                        </p:attrNameLst>
-                                      </p:cBhvr>
-                                      <p:to>
-                                        <p:strVal val="visible"/>
-                                      </p:to>
-                                    </p:set>
-                                    <p:animEffect transition="in" filter="barn(outVertical)">
-                                      <p:cBhvr>
-                                        <p:cTn id="14" dur="900"/>
-                                        <p:tgtEl>
-                                          <p:spTgt spid="62"/>
-                                        </p:tgtEl>
-                                      </p:cBhvr>
-                                    </p:animEffect>
-                                  </p:childTnLst>
-                                </p:cTn>
-                              </p:par>
-                            </p:childTnLst>
-                          </p:cTn>
-                        </p:par>
-                      </p:childTnLst>
-                    </p:cTn>
-                  </p:par>
-                </p:childTnLst>
-              </p:cTn>
-              <p:prevCondLst>
-                <p:cond evt="onPrev" delay="0">
-                  <p:tgtEl>
-                    <p:sldTgt/>
-                  </p:tgtEl>
-                </p:cond>
-              </p:prevCondLst>
-              <p:nextCondLst>
-                <p:cond evt="onNext" delay="0">
-                  <p:tgtEl>
-                    <p:sldTgt/>
-                  </p:tgtEl>
-                </p:cond>
-              </p:nextCondLst>
-            </p:seq>
-          </p:childTnLst>
-        </p:cTn>
-      </p:par>
-    </p:tnLst>
-    <p:bldLst>
-      <p:bldP spid="24" grpId="0"/>
-      <p:bldP spid="62" grpId="0"/>
-    </p:bldLst>
   </p:timing>
 </p:sld>
 </file>
